--- a/middlerware/kafka介绍与实战.pptx
+++ b/middlerware/kafka介绍与实战.pptx
@@ -2,10 +2,10 @@
 <file path=ppt/presentation.xml><?xml version="1.0" encoding="utf-8"?>
 <p:presentation xmlns:a="http://schemas.openxmlformats.org/drawingml/2006/main" xmlns:r="http://schemas.openxmlformats.org/officeDocument/2006/relationships" xmlns:p="http://schemas.openxmlformats.org/presentationml/2006/main" saveSubsetFonts="1" autoCompressPictures="0">
   <p:sldMasterIdLst>
-    <p:sldMasterId id="2147483648" r:id="rId1"/>
+    <p:sldMasterId id="2147483756" r:id="rId1"/>
   </p:sldMasterIdLst>
   <p:notesMasterIdLst>
-    <p:notesMasterId r:id="rId29"/>
+    <p:notesMasterId r:id="rId36"/>
   </p:notesMasterIdLst>
   <p:sldIdLst>
     <p:sldId id="256" r:id="rId2"/>
@@ -25,16 +25,23 @@
     <p:sldId id="270" r:id="rId16"/>
     <p:sldId id="271" r:id="rId17"/>
     <p:sldId id="272" r:id="rId18"/>
-    <p:sldId id="273" r:id="rId19"/>
-    <p:sldId id="274" r:id="rId20"/>
-    <p:sldId id="275" r:id="rId21"/>
-    <p:sldId id="277" r:id="rId22"/>
-    <p:sldId id="276" r:id="rId23"/>
-    <p:sldId id="282" r:id="rId24"/>
-    <p:sldId id="279" r:id="rId25"/>
-    <p:sldId id="280" r:id="rId26"/>
-    <p:sldId id="281" r:id="rId27"/>
-    <p:sldId id="278" r:id="rId28"/>
+    <p:sldId id="285" r:id="rId19"/>
+    <p:sldId id="286" r:id="rId20"/>
+    <p:sldId id="287" r:id="rId21"/>
+    <p:sldId id="288" r:id="rId22"/>
+    <p:sldId id="289" r:id="rId23"/>
+    <p:sldId id="290" r:id="rId24"/>
+    <p:sldId id="273" r:id="rId25"/>
+    <p:sldId id="274" r:id="rId26"/>
+    <p:sldId id="275" r:id="rId27"/>
+    <p:sldId id="277" r:id="rId28"/>
+    <p:sldId id="276" r:id="rId29"/>
+    <p:sldId id="282" r:id="rId30"/>
+    <p:sldId id="283" r:id="rId31"/>
+    <p:sldId id="279" r:id="rId32"/>
+    <p:sldId id="280" r:id="rId33"/>
+    <p:sldId id="281" r:id="rId34"/>
+    <p:sldId id="284" r:id="rId35"/>
   </p:sldIdLst>
   <p:sldSz cx="12192000" cy="6858000"/>
   <p:notesSz cx="6858000" cy="9144000"/>
@@ -223,7 +230,7 @@
           <a:p>
             <a:fld id="{272FBA2E-9270-9E41-BB2F-2150B630958F}" type="datetimeFigureOut">
               <a:rPr lang="en-US" smtClean="0"/>
-              <a:t>6/5/19</a:t>
+              <a:t>6/17/19</a:t>
             </a:fld>
             <a:endParaRPr lang="en-US"/>
           </a:p>
@@ -562,7 +569,7 @@
           <a:p>
             <a:fld id="{BA4D8EEA-4359-B349-85EF-F6168FF0F653}" type="slidenum">
               <a:rPr lang="en-US" smtClean="0"/>
-              <a:t>20</a:t>
+              <a:t>26</a:t>
             </a:fld>
             <a:endParaRPr lang="en-US"/>
           </a:p>
@@ -658,7 +665,7 @@
           <a:p>
             <a:fld id="{BA4D8EEA-4359-B349-85EF-F6168FF0F653}" type="slidenum">
               <a:rPr lang="en-US" smtClean="0"/>
-              <a:t>21</a:t>
+              <a:t>27</a:t>
             </a:fld>
             <a:endParaRPr lang="en-US"/>
           </a:p>
@@ -678,7 +685,7 @@
 </file>
 
 <file path=ppt/slideLayouts/slideLayout1.xml><?xml version="1.0" encoding="utf-8"?>
-<p:sldLayout xmlns:a="http://schemas.openxmlformats.org/drawingml/2006/main" xmlns:r="http://schemas.openxmlformats.org/officeDocument/2006/relationships" xmlns:p="http://schemas.openxmlformats.org/presentationml/2006/main" type="title" preserve="1">
+<p:sldLayout xmlns:a="http://schemas.openxmlformats.org/drawingml/2006/main" xmlns:r="http://schemas.openxmlformats.org/officeDocument/2006/relationships" xmlns:p="http://schemas.openxmlformats.org/presentationml/2006/main" showMasterSp="0" type="title" preserve="1">
   <p:cSld name="Title Slide">
     <p:spTree>
       <p:nvGrpSpPr>
@@ -696,25 +703,113 @@
       </p:grpSpPr>
       <p:sp>
         <p:nvSpPr>
-          <p:cNvPr id="2" name="Title 1"/>
-          <p:cNvSpPr>
-            <a:spLocks noGrp="1"/>
-          </p:cNvSpPr>
-          <p:nvPr>
-            <p:ph type="ctrTitle"/>
-          </p:nvPr>
+          <p:cNvPr id="7" name="Rectangle 6"/>
+          <p:cNvSpPr/>
+          <p:nvPr/>
         </p:nvSpPr>
         <p:spPr>
           <a:xfrm>
-            <a:off x="1524000" y="1122363"/>
-            <a:ext cx="9144000" cy="2387600"/>
+            <a:off x="3175" y="6400800"/>
+            <a:ext cx="12188825" cy="457200"/>
+          </a:xfrm>
+          <a:prstGeom prst="rect">
+            <a:avLst/>
+          </a:prstGeom>
+          <a:solidFill>
+            <a:schemeClr val="accent2"/>
+          </a:solidFill>
+          <a:ln>
+            <a:noFill/>
+          </a:ln>
+        </p:spPr>
+        <p:style>
+          <a:lnRef idx="2">
+            <a:schemeClr val="accent1">
+              <a:shade val="50000"/>
+            </a:schemeClr>
+          </a:lnRef>
+          <a:fillRef idx="1">
+            <a:schemeClr val="accent1"/>
+          </a:fillRef>
+          <a:effectRef idx="0">
+            <a:schemeClr val="accent1"/>
+          </a:effectRef>
+          <a:fontRef idx="minor">
+            <a:schemeClr val="lt1"/>
+          </a:fontRef>
+        </p:style>
+      </p:sp>
+      <p:sp>
+        <p:nvSpPr>
+          <p:cNvPr id="8" name="Rectangle 7"/>
+          <p:cNvSpPr/>
+          <p:nvPr/>
+        </p:nvSpPr>
+        <p:spPr>
+          <a:xfrm>
+            <a:off x="15" y="6334316"/>
+            <a:ext cx="12188825" cy="64008"/>
+          </a:xfrm>
+          <a:prstGeom prst="rect">
+            <a:avLst/>
+          </a:prstGeom>
+          <a:solidFill>
+            <a:schemeClr val="accent1"/>
+          </a:solidFill>
+          <a:ln>
+            <a:noFill/>
+          </a:ln>
+        </p:spPr>
+        <p:style>
+          <a:lnRef idx="2">
+            <a:schemeClr val="accent1">
+              <a:shade val="50000"/>
+            </a:schemeClr>
+          </a:lnRef>
+          <a:fillRef idx="1">
+            <a:schemeClr val="accent1"/>
+          </a:fillRef>
+          <a:effectRef idx="0">
+            <a:schemeClr val="accent1"/>
+          </a:effectRef>
+          <a:fontRef idx="minor">
+            <a:schemeClr val="lt1"/>
+          </a:fontRef>
+        </p:style>
+      </p:sp>
+      <p:sp>
+        <p:nvSpPr>
+          <p:cNvPr id="2" name="Title 1"/>
+          <p:cNvSpPr>
+            <a:spLocks noGrp="1"/>
+          </p:cNvSpPr>
+          <p:nvPr>
+            <p:ph type="ctrTitle"/>
+          </p:nvPr>
+        </p:nvSpPr>
+        <p:spPr>
+          <a:xfrm>
+            <a:off x="1097280" y="758952"/>
+            <a:ext cx="10058400" cy="3566160"/>
           </a:xfrm>
         </p:spPr>
         <p:txBody>
-          <a:bodyPr anchor="b"/>
+          <a:bodyPr anchor="b">
+            <a:normAutofit/>
+          </a:bodyPr>
           <a:lstStyle>
-            <a:lvl1pPr algn="ctr">
-              <a:defRPr sz="6000"/>
+            <a:lvl1pPr algn="l">
+              <a:lnSpc>
+                <a:spcPct val="85000"/>
+              </a:lnSpc>
+              <a:defRPr sz="8000" spc="-50" baseline="0">
+                <a:solidFill>
+                  <a:schemeClr val="tx1">
+                    <a:lumMod val="85000"/>
+                    <a:lumOff val="15000"/>
+                  </a:schemeClr>
+                </a:solidFill>
+              </a:defRPr>
             </a:lvl1pPr>
           </a:lstStyle>
           <a:p>
@@ -722,7 +817,7 @@
               <a:rPr lang="en-US" smtClean="0"/>
               <a:t>Click to edit Master title style</a:t>
             </a:r>
-            <a:endParaRPr lang="en-US"/>
+            <a:endParaRPr lang="en-US" dirty="0"/>
           </a:p>
         </p:txBody>
       </p:sp>
@@ -738,48 +833,55 @@
         </p:nvSpPr>
         <p:spPr>
           <a:xfrm>
-            <a:off x="1524000" y="3602038"/>
-            <a:ext cx="9144000" cy="1655762"/>
+            <a:off x="1100051" y="4455620"/>
+            <a:ext cx="10058400" cy="1143000"/>
           </a:xfrm>
         </p:spPr>
         <p:txBody>
-          <a:bodyPr/>
+          <a:bodyPr lIns="91440" rIns="91440">
+            <a:normAutofit/>
+          </a:bodyPr>
           <a:lstStyle>
-            <a:lvl1pPr marL="0" indent="0" algn="ctr">
+            <a:lvl1pPr marL="0" indent="0" algn="l">
               <a:buNone/>
-              <a:defRPr sz="2400"/>
+              <a:defRPr sz="2400" cap="all" spc="200" baseline="0">
+                <a:solidFill>
+                  <a:schemeClr val="tx2"/>
+                </a:solidFill>
+                <a:latin typeface="+mj-lt"/>
+              </a:defRPr>
             </a:lvl1pPr>
             <a:lvl2pPr marL="457200" indent="0" algn="ctr">
               <a:buNone/>
-              <a:defRPr sz="2000"/>
+              <a:defRPr sz="2400"/>
             </a:lvl2pPr>
             <a:lvl3pPr marL="914400" indent="0" algn="ctr">
               <a:buNone/>
-              <a:defRPr sz="1800"/>
+              <a:defRPr sz="2400"/>
             </a:lvl3pPr>
             <a:lvl4pPr marL="1371600" indent="0" algn="ctr">
               <a:buNone/>
-              <a:defRPr sz="1600"/>
+              <a:defRPr sz="2000"/>
             </a:lvl4pPr>
             <a:lvl5pPr marL="1828800" indent="0" algn="ctr">
               <a:buNone/>
-              <a:defRPr sz="1600"/>
+              <a:defRPr sz="2000"/>
             </a:lvl5pPr>
             <a:lvl6pPr marL="2286000" indent="0" algn="ctr">
               <a:buNone/>
-              <a:defRPr sz="1600"/>
+              <a:defRPr sz="2000"/>
             </a:lvl6pPr>
             <a:lvl7pPr marL="2743200" indent="0" algn="ctr">
               <a:buNone/>
-              <a:defRPr sz="1600"/>
+              <a:defRPr sz="2000"/>
             </a:lvl7pPr>
             <a:lvl8pPr marL="3200400" indent="0" algn="ctr">
               <a:buNone/>
-              <a:defRPr sz="1600"/>
+              <a:defRPr sz="2000"/>
             </a:lvl8pPr>
             <a:lvl9pPr marL="3657600" indent="0" algn="ctr">
               <a:buNone/>
-              <a:defRPr sz="1600"/>
+              <a:defRPr sz="2000"/>
             </a:lvl9pPr>
           </a:lstStyle>
           <a:p>
@@ -787,7 +889,7 @@
               <a:rPr lang="en-US" smtClean="0"/>
               <a:t>Click to edit Master subtitle style</a:t>
             </a:r>
-            <a:endParaRPr lang="en-US"/>
+            <a:endParaRPr lang="en-US" dirty="0"/>
           </a:p>
         </p:txBody>
       </p:sp>
@@ -808,7 +910,7 @@
           <a:p>
             <a:fld id="{85CF50C3-54C0-404E-8A49-2BE6AAC3CBFD}" type="datetimeFigureOut">
               <a:rPr lang="en-US" smtClean="0"/>
-              <a:t>6/5/19</a:t>
+              <a:t>6/17/19</a:t>
             </a:fld>
             <a:endParaRPr lang="en-US"/>
           </a:p>
@@ -856,10 +958,48 @@
           </a:p>
         </p:txBody>
       </p:sp>
+      <p:cxnSp>
+        <p:nvCxnSpPr>
+          <p:cNvPr id="9" name="Straight Connector 8"/>
+          <p:cNvCxnSpPr/>
+          <p:nvPr/>
+        </p:nvCxnSpPr>
+        <p:spPr>
+          <a:xfrm>
+            <a:off x="1207658" y="4343400"/>
+            <a:ext cx="9875520" cy="0"/>
+          </a:xfrm>
+          <a:prstGeom prst="line">
+            <a:avLst/>
+          </a:prstGeom>
+          <a:ln w="6350">
+            <a:solidFill>
+              <a:schemeClr val="tx1">
+                <a:lumMod val="50000"/>
+                <a:lumOff val="50000"/>
+              </a:schemeClr>
+            </a:solidFill>
+          </a:ln>
+        </p:spPr>
+        <p:style>
+          <a:lnRef idx="1">
+            <a:schemeClr val="accent1"/>
+          </a:lnRef>
+          <a:fillRef idx="0">
+            <a:schemeClr val="accent1"/>
+          </a:fillRef>
+          <a:effectRef idx="0">
+            <a:schemeClr val="accent1"/>
+          </a:effectRef>
+          <a:fontRef idx="minor">
+            <a:schemeClr val="tx1"/>
+          </a:fontRef>
+        </p:style>
+      </p:cxnSp>
     </p:spTree>
     <p:extLst>
       <p:ext uri="{BB962C8B-B14F-4D97-AF65-F5344CB8AC3E}">
-        <p14:creationId xmlns:p14="http://schemas.microsoft.com/office/powerpoint/2010/main" val="2089158177"/>
+        <p14:creationId xmlns:p14="http://schemas.microsoft.com/office/powerpoint/2010/main" val="2009175444"/>
       </p:ext>
     </p:extLst>
   </p:cSld>
@@ -905,7 +1045,7 @@
               <a:rPr lang="en-US" smtClean="0"/>
               <a:t>Click to edit Master title style</a:t>
             </a:r>
-            <a:endParaRPr lang="en-US"/>
+            <a:endParaRPr lang="en-US" dirty="0"/>
           </a:p>
         </p:txBody>
       </p:sp>
@@ -921,7 +1061,7 @@
         </p:nvSpPr>
         <p:spPr/>
         <p:txBody>
-          <a:bodyPr vert="eaVert"/>
+          <a:bodyPr vert="eaVert" lIns="45720" tIns="0" rIns="45720" bIns="0"/>
           <a:lstStyle/>
           <a:p>
             <a:pPr lvl="0"/>
@@ -957,7 +1097,7 @@
               <a:rPr lang="en-US" smtClean="0"/>
               <a:t>Fifth level</a:t>
             </a:r>
-            <a:endParaRPr lang="en-US"/>
+            <a:endParaRPr lang="en-US" dirty="0"/>
           </a:p>
         </p:txBody>
       </p:sp>
@@ -978,7 +1118,7 @@
           <a:p>
             <a:fld id="{85CF50C3-54C0-404E-8A49-2BE6AAC3CBFD}" type="datetimeFigureOut">
               <a:rPr lang="en-US" smtClean="0"/>
-              <a:t>6/5/19</a:t>
+              <a:t>6/17/19</a:t>
             </a:fld>
             <a:endParaRPr lang="en-US"/>
           </a:p>
@@ -1029,7 +1169,7 @@
     </p:spTree>
     <p:extLst>
       <p:ext uri="{BB962C8B-B14F-4D97-AF65-F5344CB8AC3E}">
-        <p14:creationId xmlns:p14="http://schemas.microsoft.com/office/powerpoint/2010/main" val="940844517"/>
+        <p14:creationId xmlns:p14="http://schemas.microsoft.com/office/powerpoint/2010/main" val="1727391733"/>
       </p:ext>
     </p:extLst>
   </p:cSld>
@@ -1040,7 +1180,7 @@
 </file>
 
 <file path=ppt/slideLayouts/slideLayout11.xml><?xml version="1.0" encoding="utf-8"?>
-<p:sldLayout xmlns:a="http://schemas.openxmlformats.org/drawingml/2006/main" xmlns:r="http://schemas.openxmlformats.org/officeDocument/2006/relationships" xmlns:p="http://schemas.openxmlformats.org/presentationml/2006/main" type="vertTitleAndTx" preserve="1">
+<p:sldLayout xmlns:a="http://schemas.openxmlformats.org/drawingml/2006/main" xmlns:r="http://schemas.openxmlformats.org/officeDocument/2006/relationships" xmlns:p="http://schemas.openxmlformats.org/presentationml/2006/main" showMasterSp="0" type="vertTitleAndTx" preserve="1">
   <p:cSld name="Vertical Title and Text">
     <p:spTree>
       <p:nvGrpSpPr>
@@ -1058,18 +1198,94 @@
       </p:grpSpPr>
       <p:sp>
         <p:nvSpPr>
-          <p:cNvPr id="2" name="Vertical Title 1"/>
-          <p:cNvSpPr>
-            <a:spLocks noGrp="1"/>
-          </p:cNvSpPr>
-          <p:nvPr>
-            <p:ph type="title" orient="vert"/>
-          </p:nvPr>
+          <p:cNvPr id="7" name="Rectangle 6"/>
+          <p:cNvSpPr/>
+          <p:nvPr/>
         </p:nvSpPr>
         <p:spPr>
           <a:xfrm>
-            <a:off x="8724900" y="365125"/>
-            <a:ext cx="2628900" cy="5811838"/>
+            <a:off x="3175" y="6400800"/>
+            <a:ext cx="12188825" cy="457200"/>
+          </a:xfrm>
+          <a:prstGeom prst="rect">
+            <a:avLst/>
+          </a:prstGeom>
+          <a:solidFill>
+            <a:schemeClr val="accent2"/>
+          </a:solidFill>
+          <a:ln>
+            <a:noFill/>
+          </a:ln>
+        </p:spPr>
+        <p:style>
+          <a:lnRef idx="2">
+            <a:schemeClr val="accent1">
+              <a:shade val="50000"/>
+            </a:schemeClr>
+          </a:lnRef>
+          <a:fillRef idx="1">
+            <a:schemeClr val="accent1"/>
+          </a:fillRef>
+          <a:effectRef idx="0">
+            <a:schemeClr val="accent1"/>
+          </a:effectRef>
+          <a:fontRef idx="minor">
+            <a:schemeClr val="lt1"/>
+          </a:fontRef>
+        </p:style>
+      </p:sp>
+      <p:sp>
+        <p:nvSpPr>
+          <p:cNvPr id="8" name="Rectangle 7"/>
+          <p:cNvSpPr/>
+          <p:nvPr/>
+        </p:nvSpPr>
+        <p:spPr>
+          <a:xfrm>
+            <a:off x="15" y="6334316"/>
+            <a:ext cx="12188825" cy="64008"/>
+          </a:xfrm>
+          <a:prstGeom prst="rect">
+            <a:avLst/>
+          </a:prstGeom>
+          <a:solidFill>
+            <a:schemeClr val="accent1"/>
+          </a:solidFill>
+          <a:ln>
+            <a:noFill/>
+          </a:ln>
+        </p:spPr>
+        <p:style>
+          <a:lnRef idx="2">
+            <a:schemeClr val="accent1">
+              <a:shade val="50000"/>
+            </a:schemeClr>
+          </a:lnRef>
+          <a:fillRef idx="1">
+            <a:schemeClr val="accent1"/>
+          </a:fillRef>
+          <a:effectRef idx="0">
+            <a:schemeClr val="accent1"/>
+          </a:effectRef>
+          <a:fontRef idx="minor">
+            <a:schemeClr val="lt1"/>
+          </a:fontRef>
+        </p:style>
+      </p:sp>
+      <p:sp>
+        <p:nvSpPr>
+          <p:cNvPr id="2" name="Vertical Title 1"/>
+          <p:cNvSpPr>
+            <a:spLocks noGrp="1"/>
+          </p:cNvSpPr>
+          <p:nvPr>
+            <p:ph type="title" orient="vert"/>
+          </p:nvPr>
+        </p:nvSpPr>
+        <p:spPr>
+          <a:xfrm>
+            <a:off x="8724900" y="414778"/>
+            <a:ext cx="2628900" cy="5757421"/>
           </a:xfrm>
         </p:spPr>
         <p:txBody>
@@ -1080,7 +1296,7 @@
               <a:rPr lang="en-US" smtClean="0"/>
               <a:t>Click to edit Master title style</a:t>
             </a:r>
-            <a:endParaRPr lang="en-US"/>
+            <a:endParaRPr lang="en-US" dirty="0"/>
           </a:p>
         </p:txBody>
       </p:sp>
@@ -1096,12 +1312,12 @@
         </p:nvSpPr>
         <p:spPr>
           <a:xfrm>
-            <a:off x="838200" y="365125"/>
-            <a:ext cx="7734300" cy="5811838"/>
+            <a:off x="838200" y="414778"/>
+            <a:ext cx="7734300" cy="5757422"/>
           </a:xfrm>
         </p:spPr>
         <p:txBody>
-          <a:bodyPr vert="eaVert"/>
+          <a:bodyPr vert="eaVert" lIns="45720" tIns="0" rIns="45720" bIns="0"/>
           <a:lstStyle/>
           <a:p>
             <a:pPr lvl="0"/>
@@ -1137,7 +1353,7 @@
               <a:rPr lang="en-US" smtClean="0"/>
               <a:t>Fifth level</a:t>
             </a:r>
-            <a:endParaRPr lang="en-US"/>
+            <a:endParaRPr lang="en-US" dirty="0"/>
           </a:p>
         </p:txBody>
       </p:sp>
@@ -1158,7 +1374,7 @@
           <a:p>
             <a:fld id="{85CF50C3-54C0-404E-8A49-2BE6AAC3CBFD}" type="datetimeFigureOut">
               <a:rPr lang="en-US" smtClean="0"/>
-              <a:t>6/5/19</a:t>
+              <a:t>6/17/19</a:t>
             </a:fld>
             <a:endParaRPr lang="en-US"/>
           </a:p>
@@ -1209,7 +1425,7 @@
     </p:spTree>
     <p:extLst>
       <p:ext uri="{BB962C8B-B14F-4D97-AF65-F5344CB8AC3E}">
-        <p14:creationId xmlns:p14="http://schemas.microsoft.com/office/powerpoint/2010/main" val="851704358"/>
+        <p14:creationId xmlns:p14="http://schemas.microsoft.com/office/powerpoint/2010/main" val="441432738"/>
       </p:ext>
     </p:extLst>
   </p:cSld>
@@ -1249,13 +1465,17 @@
         <p:spPr/>
         <p:txBody>
           <a:bodyPr/>
-          <a:lstStyle/>
+          <a:lstStyle>
+            <a:lvl1pPr marL="0">
+              <a:defRPr/>
+            </a:lvl1pPr>
+          </a:lstStyle>
           <a:p>
             <a:r>
               <a:rPr lang="en-US" smtClean="0"/>
               <a:t>Click to edit Master title style</a:t>
             </a:r>
-            <a:endParaRPr lang="en-US"/>
+            <a:endParaRPr lang="en-US" dirty="0"/>
           </a:p>
         </p:txBody>
       </p:sp>
@@ -1307,7 +1527,7 @@
               <a:rPr lang="en-US" smtClean="0"/>
               <a:t>Fifth level</a:t>
             </a:r>
-            <a:endParaRPr lang="en-US"/>
+            <a:endParaRPr lang="en-US" dirty="0"/>
           </a:p>
         </p:txBody>
       </p:sp>
@@ -1328,7 +1548,7 @@
           <a:p>
             <a:fld id="{85CF50C3-54C0-404E-8A49-2BE6AAC3CBFD}" type="datetimeFigureOut">
               <a:rPr lang="en-US" smtClean="0"/>
-              <a:t>6/5/19</a:t>
+              <a:t>6/17/19</a:t>
             </a:fld>
             <a:endParaRPr lang="en-US"/>
           </a:p>
@@ -1379,7 +1599,7 @@
     </p:spTree>
     <p:extLst>
       <p:ext uri="{BB962C8B-B14F-4D97-AF65-F5344CB8AC3E}">
-        <p14:creationId xmlns:p14="http://schemas.microsoft.com/office/powerpoint/2010/main" val="1834322896"/>
+        <p14:creationId xmlns:p14="http://schemas.microsoft.com/office/powerpoint/2010/main" val="1178821880"/>
       </p:ext>
     </p:extLst>
   </p:cSld>
@@ -1390,8 +1610,16 @@
 </file>
 
 <file path=ppt/slideLayouts/slideLayout3.xml><?xml version="1.0" encoding="utf-8"?>
-<p:sldLayout xmlns:a="http://schemas.openxmlformats.org/drawingml/2006/main" xmlns:r="http://schemas.openxmlformats.org/officeDocument/2006/relationships" xmlns:p="http://schemas.openxmlformats.org/presentationml/2006/main" type="secHead" preserve="1">
+<p:sldLayout xmlns:a="http://schemas.openxmlformats.org/drawingml/2006/main" xmlns:r="http://schemas.openxmlformats.org/officeDocument/2006/relationships" xmlns:p="http://schemas.openxmlformats.org/presentationml/2006/main" showMasterSp="0" type="secHead" preserve="1">
   <p:cSld name="Section Header">
+    <p:bg>
+      <p:bgPr>
+        <a:solidFill>
+          <a:schemeClr val="bg1"/>
+        </a:solidFill>
+        <a:effectLst/>
+      </p:bgPr>
+    </p:bg>
     <p:spTree>
       <p:nvGrpSpPr>
         <p:cNvPr id="1" name=""/>
@@ -1408,68 +1636,157 @@
       </p:grpSpPr>
       <p:sp>
         <p:nvSpPr>
-          <p:cNvPr id="2" name="Title 1"/>
-          <p:cNvSpPr>
-            <a:spLocks noGrp="1"/>
-          </p:cNvSpPr>
-          <p:nvPr>
-            <p:ph type="title"/>
-          </p:nvPr>
+          <p:cNvPr id="7" name="Rectangle 6"/>
+          <p:cNvSpPr/>
+          <p:nvPr/>
         </p:nvSpPr>
         <p:spPr>
           <a:xfrm>
-            <a:off x="831850" y="1709738"/>
-            <a:ext cx="10515600" cy="2852737"/>
+            <a:off x="3175" y="6400800"/>
+            <a:ext cx="12188825" cy="457200"/>
+          </a:xfrm>
+          <a:prstGeom prst="rect">
+            <a:avLst/>
+          </a:prstGeom>
+          <a:solidFill>
+            <a:schemeClr val="accent2"/>
+          </a:solidFill>
+          <a:ln>
+            <a:noFill/>
+          </a:ln>
+        </p:spPr>
+        <p:style>
+          <a:lnRef idx="2">
+            <a:schemeClr val="accent1">
+              <a:shade val="50000"/>
+            </a:schemeClr>
+          </a:lnRef>
+          <a:fillRef idx="1">
+            <a:schemeClr val="accent1"/>
+          </a:fillRef>
+          <a:effectRef idx="0">
+            <a:schemeClr val="accent1"/>
+          </a:effectRef>
+          <a:fontRef idx="minor">
+            <a:schemeClr val="lt1"/>
+          </a:fontRef>
+        </p:style>
+      </p:sp>
+      <p:sp>
+        <p:nvSpPr>
+          <p:cNvPr id="8" name="Rectangle 7"/>
+          <p:cNvSpPr/>
+          <p:nvPr/>
+        </p:nvSpPr>
+        <p:spPr>
+          <a:xfrm>
+            <a:off x="15" y="6334316"/>
+            <a:ext cx="12188825" cy="64008"/>
+          </a:xfrm>
+          <a:prstGeom prst="rect">
+            <a:avLst/>
+          </a:prstGeom>
+          <a:solidFill>
+            <a:schemeClr val="accent1"/>
+          </a:solidFill>
+          <a:ln>
+            <a:noFill/>
+          </a:ln>
+        </p:spPr>
+        <p:style>
+          <a:lnRef idx="2">
+            <a:schemeClr val="accent1">
+              <a:shade val="50000"/>
+            </a:schemeClr>
+          </a:lnRef>
+          <a:fillRef idx="1">
+            <a:schemeClr val="accent1"/>
+          </a:fillRef>
+          <a:effectRef idx="0">
+            <a:schemeClr val="accent1"/>
+          </a:effectRef>
+          <a:fontRef idx="minor">
+            <a:schemeClr val="lt1"/>
+          </a:fontRef>
+        </p:style>
+      </p:sp>
+      <p:sp>
+        <p:nvSpPr>
+          <p:cNvPr id="2" name="Title 1"/>
+          <p:cNvSpPr>
+            <a:spLocks noGrp="1"/>
+          </p:cNvSpPr>
+          <p:nvPr>
+            <p:ph type="title"/>
+          </p:nvPr>
+        </p:nvSpPr>
+        <p:spPr>
+          <a:xfrm>
+            <a:off x="1097280" y="758952"/>
+            <a:ext cx="10058400" cy="3566160"/>
           </a:xfrm>
         </p:spPr>
         <p:txBody>
-          <a:bodyPr anchor="b"/>
+          <a:bodyPr anchor="b" anchorCtr="0">
+            <a:normAutofit/>
+          </a:bodyPr>
           <a:lstStyle>
             <a:lvl1pPr>
-              <a:defRPr sz="6000"/>
-            </a:lvl1pPr>
-          </a:lstStyle>
-          <a:p>
-            <a:r>
-              <a:rPr lang="en-US" smtClean="0"/>
-              <a:t>Click to edit Master title style</a:t>
-            </a:r>
-            <a:endParaRPr lang="en-US"/>
-          </a:p>
-        </p:txBody>
-      </p:sp>
-      <p:sp>
-        <p:nvSpPr>
-          <p:cNvPr id="3" name="Text Placeholder 2"/>
-          <p:cNvSpPr>
-            <a:spLocks noGrp="1"/>
-          </p:cNvSpPr>
-          <p:nvPr>
-            <p:ph type="body" idx="1"/>
-          </p:nvPr>
-        </p:nvSpPr>
-        <p:spPr>
-          <a:xfrm>
-            <a:off x="831850" y="4589463"/>
-            <a:ext cx="10515600" cy="1500187"/>
-          </a:xfrm>
-        </p:spPr>
-        <p:txBody>
-          <a:bodyPr/>
-          <a:lstStyle>
-            <a:lvl1pPr marL="0" indent="0">
-              <a:buNone/>
-              <a:defRPr sz="2400">
+              <a:lnSpc>
+                <a:spcPct val="85000"/>
+              </a:lnSpc>
+              <a:defRPr sz="8000" b="0">
                 <a:solidFill>
                   <a:schemeClr val="tx1">
-                    <a:tint val="75000"/>
+                    <a:lumMod val="85000"/>
+                    <a:lumOff val="15000"/>
                   </a:schemeClr>
                 </a:solidFill>
               </a:defRPr>
             </a:lvl1pPr>
+          </a:lstStyle>
+          <a:p>
+            <a:r>
+              <a:rPr lang="en-US" smtClean="0"/>
+              <a:t>Click to edit Master title style</a:t>
+            </a:r>
+            <a:endParaRPr lang="en-US" dirty="0"/>
+          </a:p>
+        </p:txBody>
+      </p:sp>
+      <p:sp>
+        <p:nvSpPr>
+          <p:cNvPr id="3" name="Text Placeholder 2"/>
+          <p:cNvSpPr>
+            <a:spLocks noGrp="1"/>
+          </p:cNvSpPr>
+          <p:nvPr>
+            <p:ph type="body" idx="1"/>
+          </p:nvPr>
+        </p:nvSpPr>
+        <p:spPr>
+          <a:xfrm>
+            <a:off x="1097280" y="4453128"/>
+            <a:ext cx="10058400" cy="1143000"/>
+          </a:xfrm>
+        </p:spPr>
+        <p:txBody>
+          <a:bodyPr lIns="91440" rIns="91440" anchor="t" anchorCtr="0">
+            <a:normAutofit/>
+          </a:bodyPr>
+          <a:lstStyle>
+            <a:lvl1pPr marL="0" indent="0">
+              <a:buNone/>
+              <a:defRPr sz="2400" cap="all" spc="200" baseline="0">
+                <a:solidFill>
+                  <a:schemeClr val="tx2"/>
+                </a:solidFill>
+                <a:latin typeface="+mj-lt"/>
+              </a:defRPr>
+            </a:lvl1pPr>
             <a:lvl2pPr marL="457200" indent="0">
               <a:buNone/>
-              <a:defRPr sz="2000">
+              <a:defRPr sz="1800">
                 <a:solidFill>
                   <a:schemeClr val="tx1">
                     <a:tint val="75000"/>
@@ -1479,7 +1796,7 @@
             </a:lvl2pPr>
             <a:lvl3pPr marL="914400" indent="0">
               <a:buNone/>
-              <a:defRPr sz="1800">
+              <a:defRPr sz="1600">
                 <a:solidFill>
                   <a:schemeClr val="tx1">
                     <a:tint val="75000"/>
@@ -1489,7 +1806,7 @@
             </a:lvl3pPr>
             <a:lvl4pPr marL="1371600" indent="0">
               <a:buNone/>
-              <a:defRPr sz="1600">
+              <a:defRPr sz="1400">
                 <a:solidFill>
                   <a:schemeClr val="tx1">
                     <a:tint val="75000"/>
@@ -1499,7 +1816,7 @@
             </a:lvl4pPr>
             <a:lvl5pPr marL="1828800" indent="0">
               <a:buNone/>
-              <a:defRPr sz="1600">
+              <a:defRPr sz="1400">
                 <a:solidFill>
                   <a:schemeClr val="tx1">
                     <a:tint val="75000"/>
@@ -1509,7 +1826,7 @@
             </a:lvl5pPr>
             <a:lvl6pPr marL="2286000" indent="0">
               <a:buNone/>
-              <a:defRPr sz="1600">
+              <a:defRPr sz="1400">
                 <a:solidFill>
                   <a:schemeClr val="tx1">
                     <a:tint val="75000"/>
@@ -1519,7 +1836,7 @@
             </a:lvl6pPr>
             <a:lvl7pPr marL="2743200" indent="0">
               <a:buNone/>
-              <a:defRPr sz="1600">
+              <a:defRPr sz="1400">
                 <a:solidFill>
                   <a:schemeClr val="tx1">
                     <a:tint val="75000"/>
@@ -1529,7 +1846,7 @@
             </a:lvl7pPr>
             <a:lvl8pPr marL="3200400" indent="0">
               <a:buNone/>
-              <a:defRPr sz="1600">
+              <a:defRPr sz="1400">
                 <a:solidFill>
                   <a:schemeClr val="tx1">
                     <a:tint val="75000"/>
@@ -1539,7 +1856,7 @@
             </a:lvl8pPr>
             <a:lvl9pPr marL="3657600" indent="0">
               <a:buNone/>
-              <a:defRPr sz="1600">
+              <a:defRPr sz="1400">
                 <a:solidFill>
                   <a:schemeClr val="tx1">
                     <a:tint val="75000"/>
@@ -1574,7 +1891,7 @@
           <a:p>
             <a:fld id="{85CF50C3-54C0-404E-8A49-2BE6AAC3CBFD}" type="datetimeFigureOut">
               <a:rPr lang="en-US" smtClean="0"/>
-              <a:t>6/5/19</a:t>
+              <a:t>6/17/19</a:t>
             </a:fld>
             <a:endParaRPr lang="en-US"/>
           </a:p>
@@ -1622,10 +1939,48 @@
           </a:p>
         </p:txBody>
       </p:sp>
+      <p:cxnSp>
+        <p:nvCxnSpPr>
+          <p:cNvPr id="9" name="Straight Connector 8"/>
+          <p:cNvCxnSpPr/>
+          <p:nvPr/>
+        </p:nvCxnSpPr>
+        <p:spPr>
+          <a:xfrm>
+            <a:off x="1207658" y="4343400"/>
+            <a:ext cx="9875520" cy="0"/>
+          </a:xfrm>
+          <a:prstGeom prst="line">
+            <a:avLst/>
+          </a:prstGeom>
+          <a:ln w="6350">
+            <a:solidFill>
+              <a:schemeClr val="tx1">
+                <a:lumMod val="50000"/>
+                <a:lumOff val="50000"/>
+              </a:schemeClr>
+            </a:solidFill>
+          </a:ln>
+        </p:spPr>
+        <p:style>
+          <a:lnRef idx="1">
+            <a:schemeClr val="accent1"/>
+          </a:lnRef>
+          <a:fillRef idx="0">
+            <a:schemeClr val="accent1"/>
+          </a:fillRef>
+          <a:effectRef idx="0">
+            <a:schemeClr val="accent1"/>
+          </a:effectRef>
+          <a:fontRef idx="minor">
+            <a:schemeClr val="tx1"/>
+          </a:fontRef>
+        </p:style>
+      </p:cxnSp>
     </p:spTree>
     <p:extLst>
       <p:ext uri="{BB962C8B-B14F-4D97-AF65-F5344CB8AC3E}">
-        <p14:creationId xmlns:p14="http://schemas.microsoft.com/office/powerpoint/2010/main" val="189676740"/>
+        <p14:creationId xmlns:p14="http://schemas.microsoft.com/office/powerpoint/2010/main" val="1922693585"/>
       </p:ext>
     </p:extLst>
   </p:cSld>
@@ -1654,7 +2009,7 @@
       </p:grpSpPr>
       <p:sp>
         <p:nvSpPr>
-          <p:cNvPr id="2" name="Title 1"/>
+          <p:cNvPr id="8" name="Title 7"/>
           <p:cNvSpPr>
             <a:spLocks noGrp="1"/>
           </p:cNvSpPr>
@@ -1662,7 +2017,12 @@
             <p:ph type="title"/>
           </p:nvPr>
         </p:nvSpPr>
-        <p:spPr/>
+        <p:spPr>
+          <a:xfrm>
+            <a:off x="1097280" y="286603"/>
+            <a:ext cx="10058400" cy="1450757"/>
+          </a:xfrm>
+        </p:spPr>
         <p:txBody>
           <a:bodyPr/>
           <a:lstStyle/>
@@ -1671,7 +2031,7 @@
               <a:rPr lang="en-US" smtClean="0"/>
               <a:t>Click to edit Master title style</a:t>
             </a:r>
-            <a:endParaRPr lang="en-US"/>
+            <a:endParaRPr lang="en-US" dirty="0"/>
           </a:p>
         </p:txBody>
       </p:sp>
@@ -1687,8 +2047,8 @@
         </p:nvSpPr>
         <p:spPr>
           <a:xfrm>
-            <a:off x="838200" y="1825625"/>
-            <a:ext cx="5181600" cy="4351338"/>
+            <a:off x="1097279" y="1845734"/>
+            <a:ext cx="4937760" cy="4023360"/>
           </a:xfrm>
         </p:spPr>
         <p:txBody>
@@ -1728,7 +2088,7 @@
               <a:rPr lang="en-US" smtClean="0"/>
               <a:t>Fifth level</a:t>
             </a:r>
-            <a:endParaRPr lang="en-US"/>
+            <a:endParaRPr lang="en-US" dirty="0"/>
           </a:p>
         </p:txBody>
       </p:sp>
@@ -1744,8 +2104,8 @@
         </p:nvSpPr>
         <p:spPr>
           <a:xfrm>
-            <a:off x="6172200" y="1825625"/>
-            <a:ext cx="5181600" cy="4351338"/>
+            <a:off x="6217920" y="1845735"/>
+            <a:ext cx="4937760" cy="4023360"/>
           </a:xfrm>
         </p:spPr>
         <p:txBody>
@@ -1785,7 +2145,7 @@
               <a:rPr lang="en-US" smtClean="0"/>
               <a:t>Fifth level</a:t>
             </a:r>
-            <a:endParaRPr lang="en-US"/>
+            <a:endParaRPr lang="en-US" dirty="0"/>
           </a:p>
         </p:txBody>
       </p:sp>
@@ -1806,7 +2166,7 @@
           <a:p>
             <a:fld id="{85CF50C3-54C0-404E-8A49-2BE6AAC3CBFD}" type="datetimeFigureOut">
               <a:rPr lang="en-US" smtClean="0"/>
-              <a:t>6/5/19</a:t>
+              <a:t>6/17/19</a:t>
             </a:fld>
             <a:endParaRPr lang="en-US"/>
           </a:p>
@@ -1857,7 +2217,7 @@
     </p:spTree>
     <p:extLst>
       <p:ext uri="{BB962C8B-B14F-4D97-AF65-F5344CB8AC3E}">
-        <p14:creationId xmlns:p14="http://schemas.microsoft.com/office/powerpoint/2010/main" val="1031237032"/>
+        <p14:creationId xmlns:p14="http://schemas.microsoft.com/office/powerpoint/2010/main" val="1524646686"/>
       </p:ext>
     </p:extLst>
   </p:cSld>
@@ -1886,7 +2246,7 @@
       </p:grpSpPr>
       <p:sp>
         <p:nvSpPr>
-          <p:cNvPr id="2" name="Title 1"/>
+          <p:cNvPr id="10" name="Title 9"/>
           <p:cNvSpPr>
             <a:spLocks noGrp="1"/>
           </p:cNvSpPr>
@@ -1896,8 +2256,8 @@
         </p:nvSpPr>
         <p:spPr>
           <a:xfrm>
-            <a:off x="839788" y="365125"/>
-            <a:ext cx="10515600" cy="1325563"/>
+            <a:off x="1097280" y="286603"/>
+            <a:ext cx="10058400" cy="1450757"/>
           </a:xfrm>
         </p:spPr>
         <p:txBody>
@@ -1908,7 +2268,7 @@
               <a:rPr lang="en-US" smtClean="0"/>
               <a:t>Click to edit Master title style</a:t>
             </a:r>
-            <a:endParaRPr lang="en-US"/>
+            <a:endParaRPr lang="en-US" dirty="0"/>
           </a:p>
         </p:txBody>
       </p:sp>
@@ -1924,16 +2284,22 @@
         </p:nvSpPr>
         <p:spPr>
           <a:xfrm>
-            <a:off x="839788" y="1681163"/>
-            <a:ext cx="5157787" cy="823912"/>
+            <a:off x="1097280" y="1846052"/>
+            <a:ext cx="4937760" cy="736282"/>
           </a:xfrm>
         </p:spPr>
         <p:txBody>
-          <a:bodyPr anchor="b"/>
+          <a:bodyPr lIns="91440" rIns="91440" anchor="ctr">
+            <a:normAutofit/>
+          </a:bodyPr>
           <a:lstStyle>
             <a:lvl1pPr marL="0" indent="0">
               <a:buNone/>
-              <a:defRPr sz="2400" b="1"/>
+              <a:defRPr sz="2000" b="0" cap="all" baseline="0">
+                <a:solidFill>
+                  <a:schemeClr val="tx2"/>
+                </a:solidFill>
+              </a:defRPr>
             </a:lvl1pPr>
             <a:lvl2pPr marL="457200" indent="0">
               <a:buNone/>
@@ -1989,8 +2355,8 @@
         </p:nvSpPr>
         <p:spPr>
           <a:xfrm>
-            <a:off x="839788" y="2505075"/>
-            <a:ext cx="5157787" cy="3684588"/>
+            <a:off x="1097280" y="2582334"/>
+            <a:ext cx="4937760" cy="3378200"/>
           </a:xfrm>
         </p:spPr>
         <p:txBody>
@@ -2030,7 +2396,7 @@
               <a:rPr lang="en-US" smtClean="0"/>
               <a:t>Fifth level</a:t>
             </a:r>
-            <a:endParaRPr lang="en-US"/>
+            <a:endParaRPr lang="en-US" dirty="0"/>
           </a:p>
         </p:txBody>
       </p:sp>
@@ -2046,16 +2412,22 @@
         </p:nvSpPr>
         <p:spPr>
           <a:xfrm>
-            <a:off x="6172200" y="1681163"/>
-            <a:ext cx="5183188" cy="823912"/>
+            <a:off x="6217920" y="1846052"/>
+            <a:ext cx="4937760" cy="736282"/>
           </a:xfrm>
         </p:spPr>
         <p:txBody>
-          <a:bodyPr anchor="b"/>
+          <a:bodyPr lIns="91440" rIns="91440" anchor="ctr">
+            <a:normAutofit/>
+          </a:bodyPr>
           <a:lstStyle>
             <a:lvl1pPr marL="0" indent="0">
               <a:buNone/>
-              <a:defRPr sz="2400" b="1"/>
+              <a:defRPr sz="2000" b="0" cap="all" baseline="0">
+                <a:solidFill>
+                  <a:schemeClr val="tx2"/>
+                </a:solidFill>
+              </a:defRPr>
             </a:lvl1pPr>
             <a:lvl2pPr marL="457200" indent="0">
               <a:buNone/>
@@ -2111,8 +2483,8 @@
         </p:nvSpPr>
         <p:spPr>
           <a:xfrm>
-            <a:off x="6172200" y="2505075"/>
-            <a:ext cx="5183188" cy="3684588"/>
+            <a:off x="6217920" y="2582334"/>
+            <a:ext cx="4937760" cy="3378200"/>
           </a:xfrm>
         </p:spPr>
         <p:txBody>
@@ -2152,7 +2524,7 @@
               <a:rPr lang="en-US" smtClean="0"/>
               <a:t>Fifth level</a:t>
             </a:r>
-            <a:endParaRPr lang="en-US"/>
+            <a:endParaRPr lang="en-US" dirty="0"/>
           </a:p>
         </p:txBody>
       </p:sp>
@@ -2173,7 +2545,7 @@
           <a:p>
             <a:fld id="{85CF50C3-54C0-404E-8A49-2BE6AAC3CBFD}" type="datetimeFigureOut">
               <a:rPr lang="en-US" smtClean="0"/>
-              <a:t>6/5/19</a:t>
+              <a:t>6/17/19</a:t>
             </a:fld>
             <a:endParaRPr lang="en-US"/>
           </a:p>
@@ -2224,7 +2596,7 @@
     </p:spTree>
     <p:extLst>
       <p:ext uri="{BB962C8B-B14F-4D97-AF65-F5344CB8AC3E}">
-        <p14:creationId xmlns:p14="http://schemas.microsoft.com/office/powerpoint/2010/main" val="1807765534"/>
+        <p14:creationId xmlns:p14="http://schemas.microsoft.com/office/powerpoint/2010/main" val="961975598"/>
       </p:ext>
     </p:extLst>
   </p:cSld>
@@ -2270,7 +2642,7 @@
               <a:rPr lang="en-US" smtClean="0"/>
               <a:t>Click to edit Master title style</a:t>
             </a:r>
-            <a:endParaRPr lang="en-US"/>
+            <a:endParaRPr lang="en-US" dirty="0"/>
           </a:p>
         </p:txBody>
       </p:sp>
@@ -2291,7 +2663,7 @@
           <a:p>
             <a:fld id="{85CF50C3-54C0-404E-8A49-2BE6AAC3CBFD}" type="datetimeFigureOut">
               <a:rPr lang="en-US" smtClean="0"/>
-              <a:t>6/5/19</a:t>
+              <a:t>6/17/19</a:t>
             </a:fld>
             <a:endParaRPr lang="en-US"/>
           </a:p>
@@ -2342,7 +2714,7 @@
     </p:spTree>
     <p:extLst>
       <p:ext uri="{BB962C8B-B14F-4D97-AF65-F5344CB8AC3E}">
-        <p14:creationId xmlns:p14="http://schemas.microsoft.com/office/powerpoint/2010/main" val="516692182"/>
+        <p14:creationId xmlns:p14="http://schemas.microsoft.com/office/powerpoint/2010/main" val="1666980970"/>
       </p:ext>
     </p:extLst>
   </p:cSld>
@@ -2353,7 +2725,7 @@
 </file>
 
 <file path=ppt/slideLayouts/slideLayout7.xml><?xml version="1.0" encoding="utf-8"?>
-<p:sldLayout xmlns:a="http://schemas.openxmlformats.org/drawingml/2006/main" xmlns:r="http://schemas.openxmlformats.org/officeDocument/2006/relationships" xmlns:p="http://schemas.openxmlformats.org/presentationml/2006/main" type="blank" preserve="1">
+<p:sldLayout xmlns:a="http://schemas.openxmlformats.org/drawingml/2006/main" xmlns:r="http://schemas.openxmlformats.org/officeDocument/2006/relationships" xmlns:p="http://schemas.openxmlformats.org/presentationml/2006/main" showMasterSp="0" type="blank" preserve="1">
   <p:cSld name="Blank">
     <p:spTree>
       <p:nvGrpSpPr>
@@ -2371,7 +2743,83 @@
       </p:grpSpPr>
       <p:sp>
         <p:nvSpPr>
-          <p:cNvPr id="2" name="Date Placeholder 1"/>
+          <p:cNvPr id="5" name="Rectangle 4"/>
+          <p:cNvSpPr/>
+          <p:nvPr/>
+        </p:nvSpPr>
+        <p:spPr>
+          <a:xfrm>
+            <a:off x="3175" y="6400800"/>
+            <a:ext cx="12188825" cy="457200"/>
+          </a:xfrm>
+          <a:prstGeom prst="rect">
+            <a:avLst/>
+          </a:prstGeom>
+          <a:solidFill>
+            <a:schemeClr val="accent2"/>
+          </a:solidFill>
+          <a:ln>
+            <a:noFill/>
+          </a:ln>
+        </p:spPr>
+        <p:style>
+          <a:lnRef idx="2">
+            <a:schemeClr val="accent1">
+              <a:shade val="50000"/>
+            </a:schemeClr>
+          </a:lnRef>
+          <a:fillRef idx="1">
+            <a:schemeClr val="accent1"/>
+          </a:fillRef>
+          <a:effectRef idx="0">
+            <a:schemeClr val="accent1"/>
+          </a:effectRef>
+          <a:fontRef idx="minor">
+            <a:schemeClr val="lt1"/>
+          </a:fontRef>
+        </p:style>
+      </p:sp>
+      <p:sp>
+        <p:nvSpPr>
+          <p:cNvPr id="6" name="Rectangle 5"/>
+          <p:cNvSpPr/>
+          <p:nvPr/>
+        </p:nvSpPr>
+        <p:spPr>
+          <a:xfrm>
+            <a:off x="15" y="6334316"/>
+            <a:ext cx="12188825" cy="64008"/>
+          </a:xfrm>
+          <a:prstGeom prst="rect">
+            <a:avLst/>
+          </a:prstGeom>
+          <a:solidFill>
+            <a:schemeClr val="accent1"/>
+          </a:solidFill>
+          <a:ln>
+            <a:noFill/>
+          </a:ln>
+        </p:spPr>
+        <p:style>
+          <a:lnRef idx="2">
+            <a:schemeClr val="accent1">
+              <a:shade val="50000"/>
+            </a:schemeClr>
+          </a:lnRef>
+          <a:fillRef idx="1">
+            <a:schemeClr val="accent1"/>
+          </a:fillRef>
+          <a:effectRef idx="0">
+            <a:schemeClr val="accent1"/>
+          </a:effectRef>
+          <a:fontRef idx="minor">
+            <a:schemeClr val="lt1"/>
+          </a:fontRef>
+        </p:style>
+      </p:sp>
+      <p:sp>
+        <p:nvSpPr>
+          <p:cNvPr id="7" name="Date Placeholder 6"/>
           <p:cNvSpPr>
             <a:spLocks noGrp="1"/>
           </p:cNvSpPr>
@@ -2386,7 +2834,7 @@
           <a:p>
             <a:fld id="{85CF50C3-54C0-404E-8A49-2BE6AAC3CBFD}" type="datetimeFigureOut">
               <a:rPr lang="en-US" smtClean="0"/>
-              <a:t>6/5/19</a:t>
+              <a:t>6/17/19</a:t>
             </a:fld>
             <a:endParaRPr lang="en-US"/>
           </a:p>
@@ -2394,7 +2842,7 @@
       </p:sp>
       <p:sp>
         <p:nvSpPr>
-          <p:cNvPr id="3" name="Footer Placeholder 2"/>
+          <p:cNvPr id="8" name="Footer Placeholder 7"/>
           <p:cNvSpPr>
             <a:spLocks noGrp="1"/>
           </p:cNvSpPr>
@@ -2405,7 +2853,15 @@
         <p:spPr/>
         <p:txBody>
           <a:bodyPr/>
-          <a:lstStyle/>
+          <a:lstStyle>
+            <a:lvl1pPr>
+              <a:defRPr>
+                <a:solidFill>
+                  <a:srgbClr val="FFFFFF"/>
+                </a:solidFill>
+              </a:defRPr>
+            </a:lvl1pPr>
+          </a:lstStyle>
           <a:p>
             <a:endParaRPr lang="en-US"/>
           </a:p>
@@ -2413,7 +2869,7 @@
       </p:sp>
       <p:sp>
         <p:nvSpPr>
-          <p:cNvPr id="4" name="Slide Number Placeholder 3"/>
+          <p:cNvPr id="9" name="Slide Number Placeholder 8"/>
           <p:cNvSpPr>
             <a:spLocks noGrp="1"/>
           </p:cNvSpPr>
@@ -2437,7 +2893,7 @@
     </p:spTree>
     <p:extLst>
       <p:ext uri="{BB962C8B-B14F-4D97-AF65-F5344CB8AC3E}">
-        <p14:creationId xmlns:p14="http://schemas.microsoft.com/office/powerpoint/2010/main" val="1769118053"/>
+        <p14:creationId xmlns:p14="http://schemas.microsoft.com/office/powerpoint/2010/main" val="877504028"/>
       </p:ext>
     </p:extLst>
   </p:cSld>
@@ -2448,7 +2904,7 @@
 </file>
 
 <file path=ppt/slideLayouts/slideLayout8.xml><?xml version="1.0" encoding="utf-8"?>
-<p:sldLayout xmlns:a="http://schemas.openxmlformats.org/drawingml/2006/main" xmlns:r="http://schemas.openxmlformats.org/officeDocument/2006/relationships" xmlns:p="http://schemas.openxmlformats.org/presentationml/2006/main" type="objTx" preserve="1">
+<p:sldLayout xmlns:a="http://schemas.openxmlformats.org/drawingml/2006/main" xmlns:r="http://schemas.openxmlformats.org/officeDocument/2006/relationships" xmlns:p="http://schemas.openxmlformats.org/presentationml/2006/main" showMasterSp="0" type="objTx" preserve="1">
   <p:cSld name="Content with Caption">
     <p:spTree>
       <p:nvGrpSpPr>
@@ -2466,25 +2922,107 @@
       </p:grpSpPr>
       <p:sp>
         <p:nvSpPr>
-          <p:cNvPr id="2" name="Title 1"/>
-          <p:cNvSpPr>
-            <a:spLocks noGrp="1"/>
-          </p:cNvSpPr>
-          <p:nvPr>
-            <p:ph type="title"/>
-          </p:nvPr>
+          <p:cNvPr id="8" name="Rectangle 7"/>
+          <p:cNvSpPr/>
+          <p:nvPr/>
         </p:nvSpPr>
         <p:spPr>
           <a:xfrm>
-            <a:off x="839788" y="457200"/>
-            <a:ext cx="3932237" cy="1600200"/>
+            <a:off x="16" y="0"/>
+            <a:ext cx="4050791" cy="6858000"/>
+          </a:xfrm>
+          <a:prstGeom prst="rect">
+            <a:avLst/>
+          </a:prstGeom>
+          <a:solidFill>
+            <a:schemeClr val="accent2"/>
+          </a:solidFill>
+          <a:ln>
+            <a:noFill/>
+          </a:ln>
+        </p:spPr>
+        <p:style>
+          <a:lnRef idx="2">
+            <a:schemeClr val="accent1">
+              <a:shade val="50000"/>
+            </a:schemeClr>
+          </a:lnRef>
+          <a:fillRef idx="1">
+            <a:schemeClr val="accent1"/>
+          </a:fillRef>
+          <a:effectRef idx="0">
+            <a:schemeClr val="accent1"/>
+          </a:effectRef>
+          <a:fontRef idx="minor">
+            <a:schemeClr val="lt1"/>
+          </a:fontRef>
+        </p:style>
+      </p:sp>
+      <p:sp>
+        <p:nvSpPr>
+          <p:cNvPr id="9" name="Rectangle 8"/>
+          <p:cNvSpPr/>
+          <p:nvPr/>
+        </p:nvSpPr>
+        <p:spPr>
+          <a:xfrm>
+            <a:off x="4040071" y="0"/>
+            <a:ext cx="64008" cy="6858000"/>
+          </a:xfrm>
+          <a:prstGeom prst="rect">
+            <a:avLst/>
+          </a:prstGeom>
+          <a:solidFill>
+            <a:schemeClr val="accent1"/>
+          </a:solidFill>
+          <a:ln>
+            <a:noFill/>
+          </a:ln>
+        </p:spPr>
+        <p:style>
+          <a:lnRef idx="2">
+            <a:schemeClr val="accent1">
+              <a:shade val="50000"/>
+            </a:schemeClr>
+          </a:lnRef>
+          <a:fillRef idx="1">
+            <a:schemeClr val="accent1"/>
+          </a:fillRef>
+          <a:effectRef idx="0">
+            <a:schemeClr val="accent1"/>
+          </a:effectRef>
+          <a:fontRef idx="minor">
+            <a:schemeClr val="lt1"/>
+          </a:fontRef>
+        </p:style>
+      </p:sp>
+      <p:sp>
+        <p:nvSpPr>
+          <p:cNvPr id="2" name="Title 1"/>
+          <p:cNvSpPr>
+            <a:spLocks noGrp="1"/>
+          </p:cNvSpPr>
+          <p:nvPr>
+            <p:ph type="title"/>
+          </p:nvPr>
+        </p:nvSpPr>
+        <p:spPr>
+          <a:xfrm>
+            <a:off x="457200" y="594359"/>
+            <a:ext cx="3200400" cy="2286000"/>
           </a:xfrm>
         </p:spPr>
         <p:txBody>
-          <a:bodyPr anchor="b"/>
+          <a:bodyPr anchor="b">
+            <a:normAutofit/>
+          </a:bodyPr>
           <a:lstStyle>
             <a:lvl1pPr>
-              <a:defRPr sz="3200"/>
+              <a:defRPr sz="3600" b="0">
+                <a:solidFill>
+                  <a:srgbClr val="FFFFFF"/>
+                </a:solidFill>
+              </a:defRPr>
             </a:lvl1pPr>
           </a:lstStyle>
           <a:p>
@@ -2492,7 +3030,7 @@
               <a:rPr lang="en-US" smtClean="0"/>
               <a:t>Click to edit Master title style</a:t>
             </a:r>
-            <a:endParaRPr lang="en-US"/>
+            <a:endParaRPr lang="en-US" dirty="0"/>
           </a:p>
         </p:txBody>
       </p:sp>
@@ -2508,200 +3046,208 @@
         </p:nvSpPr>
         <p:spPr>
           <a:xfrm>
-            <a:off x="5183188" y="987425"/>
-            <a:ext cx="6172200" cy="4873625"/>
+            <a:off x="4800600" y="731520"/>
+            <a:ext cx="6492240" cy="5257800"/>
           </a:xfrm>
         </p:spPr>
+        <p:txBody>
+          <a:bodyPr/>
+          <a:lstStyle/>
+          <a:p>
+            <a:pPr lvl="0"/>
+            <a:r>
+              <a:rPr lang="en-US" smtClean="0"/>
+              <a:t>Click to edit Master text styles</a:t>
+            </a:r>
+          </a:p>
+          <a:p>
+            <a:pPr lvl="1"/>
+            <a:r>
+              <a:rPr lang="en-US" smtClean="0"/>
+              <a:t>Second level</a:t>
+            </a:r>
+          </a:p>
+          <a:p>
+            <a:pPr lvl="2"/>
+            <a:r>
+              <a:rPr lang="en-US" smtClean="0"/>
+              <a:t>Third level</a:t>
+            </a:r>
+          </a:p>
+          <a:p>
+            <a:pPr lvl="3"/>
+            <a:r>
+              <a:rPr lang="en-US" smtClean="0"/>
+              <a:t>Fourth level</a:t>
+            </a:r>
+          </a:p>
+          <a:p>
+            <a:pPr lvl="4"/>
+            <a:r>
+              <a:rPr lang="en-US" smtClean="0"/>
+              <a:t>Fifth level</a:t>
+            </a:r>
+            <a:endParaRPr lang="en-US" dirty="0"/>
+          </a:p>
+        </p:txBody>
+      </p:sp>
+      <p:sp>
+        <p:nvSpPr>
+          <p:cNvPr id="4" name="Text Placeholder 3"/>
+          <p:cNvSpPr>
+            <a:spLocks noGrp="1"/>
+          </p:cNvSpPr>
+          <p:nvPr>
+            <p:ph type="body" sz="half" idx="2"/>
+          </p:nvPr>
+        </p:nvSpPr>
+        <p:spPr>
+          <a:xfrm>
+            <a:off x="457200" y="2926080"/>
+            <a:ext cx="3200400" cy="3379124"/>
+          </a:xfrm>
+        </p:spPr>
+        <p:txBody>
+          <a:bodyPr lIns="91440" rIns="91440">
+            <a:normAutofit/>
+          </a:bodyPr>
+          <a:lstStyle>
+            <a:lvl1pPr marL="0" indent="0">
+              <a:buNone/>
+              <a:defRPr sz="1500">
+                <a:solidFill>
+                  <a:srgbClr val="FFFFFF"/>
+                </a:solidFill>
+              </a:defRPr>
+            </a:lvl1pPr>
+            <a:lvl2pPr marL="457200" indent="0">
+              <a:buNone/>
+              <a:defRPr sz="1200"/>
+            </a:lvl2pPr>
+            <a:lvl3pPr marL="914400" indent="0">
+              <a:buNone/>
+              <a:defRPr sz="1000"/>
+            </a:lvl3pPr>
+            <a:lvl4pPr marL="1371600" indent="0">
+              <a:buNone/>
+              <a:defRPr sz="900"/>
+            </a:lvl4pPr>
+            <a:lvl5pPr marL="1828800" indent="0">
+              <a:buNone/>
+              <a:defRPr sz="900"/>
+            </a:lvl5pPr>
+            <a:lvl6pPr marL="2286000" indent="0">
+              <a:buNone/>
+              <a:defRPr sz="900"/>
+            </a:lvl6pPr>
+            <a:lvl7pPr marL="2743200" indent="0">
+              <a:buNone/>
+              <a:defRPr sz="900"/>
+            </a:lvl7pPr>
+            <a:lvl8pPr marL="3200400" indent="0">
+              <a:buNone/>
+              <a:defRPr sz="900"/>
+            </a:lvl8pPr>
+            <a:lvl9pPr marL="3657600" indent="0">
+              <a:buNone/>
+              <a:defRPr sz="900"/>
+            </a:lvl9pPr>
+          </a:lstStyle>
+          <a:p>
+            <a:pPr lvl="0"/>
+            <a:r>
+              <a:rPr lang="en-US" smtClean="0"/>
+              <a:t>Click to edit Master text styles</a:t>
+            </a:r>
+          </a:p>
+        </p:txBody>
+      </p:sp>
+      <p:sp>
+        <p:nvSpPr>
+          <p:cNvPr id="5" name="Date Placeholder 4"/>
+          <p:cNvSpPr>
+            <a:spLocks noGrp="1"/>
+          </p:cNvSpPr>
+          <p:nvPr>
+            <p:ph type="dt" sz="half" idx="10"/>
+          </p:nvPr>
+        </p:nvSpPr>
+        <p:spPr>
+          <a:xfrm>
+            <a:off x="465512" y="6459785"/>
+            <a:ext cx="2618510" cy="365125"/>
+          </a:xfrm>
+        </p:spPr>
+        <p:txBody>
+          <a:bodyPr/>
+          <a:lstStyle>
+            <a:lvl1pPr algn="l">
+              <a:defRPr/>
+            </a:lvl1pPr>
+          </a:lstStyle>
+          <a:p>
+            <a:fld id="{85CF50C3-54C0-404E-8A49-2BE6AAC3CBFD}" type="datetimeFigureOut">
+              <a:rPr lang="en-US" smtClean="0"/>
+              <a:t>6/17/19</a:t>
+            </a:fld>
+            <a:endParaRPr lang="en-US"/>
+          </a:p>
+        </p:txBody>
+      </p:sp>
+      <p:sp>
+        <p:nvSpPr>
+          <p:cNvPr id="6" name="Footer Placeholder 5"/>
+          <p:cNvSpPr>
+            <a:spLocks noGrp="1"/>
+          </p:cNvSpPr>
+          <p:nvPr>
+            <p:ph type="ftr" sz="quarter" idx="11"/>
+          </p:nvPr>
+        </p:nvSpPr>
+        <p:spPr>
+          <a:xfrm>
+            <a:off x="4800600" y="6459785"/>
+            <a:ext cx="4648200" cy="365125"/>
+          </a:xfrm>
+        </p:spPr>
+        <p:txBody>
+          <a:bodyPr/>
+          <a:lstStyle>
+            <a:lvl1pPr algn="l">
+              <a:defRPr>
+                <a:solidFill>
+                  <a:schemeClr val="tx2"/>
+                </a:solidFill>
+              </a:defRPr>
+            </a:lvl1pPr>
+          </a:lstStyle>
+          <a:p>
+            <a:endParaRPr lang="en-US"/>
+          </a:p>
+        </p:txBody>
+      </p:sp>
+      <p:sp>
+        <p:nvSpPr>
+          <p:cNvPr id="7" name="Slide Number Placeholder 6"/>
+          <p:cNvSpPr>
+            <a:spLocks noGrp="1"/>
+          </p:cNvSpPr>
+          <p:nvPr>
+            <p:ph type="sldNum" sz="quarter" idx="12"/>
+          </p:nvPr>
+        </p:nvSpPr>
+        <p:spPr/>
         <p:txBody>
           <a:bodyPr/>
           <a:lstStyle>
             <a:lvl1pPr>
-              <a:defRPr sz="3200"/>
+              <a:defRPr>
+                <a:solidFill>
+                  <a:schemeClr val="tx2"/>
+                </a:solidFill>
+              </a:defRPr>
             </a:lvl1pPr>
-            <a:lvl2pPr>
-              <a:defRPr sz="2800"/>
-            </a:lvl2pPr>
-            <a:lvl3pPr>
-              <a:defRPr sz="2400"/>
-            </a:lvl3pPr>
-            <a:lvl4pPr>
-              <a:defRPr sz="2000"/>
-            </a:lvl4pPr>
-            <a:lvl5pPr>
-              <a:defRPr sz="2000"/>
-            </a:lvl5pPr>
-            <a:lvl6pPr>
-              <a:defRPr sz="2000"/>
-            </a:lvl6pPr>
-            <a:lvl7pPr>
-              <a:defRPr sz="2000"/>
-            </a:lvl7pPr>
-            <a:lvl8pPr>
-              <a:defRPr sz="2000"/>
-            </a:lvl8pPr>
-            <a:lvl9pPr>
-              <a:defRPr sz="2000"/>
-            </a:lvl9pPr>
           </a:lstStyle>
-          <a:p>
-            <a:pPr lvl="0"/>
-            <a:r>
-              <a:rPr lang="en-US" smtClean="0"/>
-              <a:t>Click to edit Master text styles</a:t>
-            </a:r>
-          </a:p>
-          <a:p>
-            <a:pPr lvl="1"/>
-            <a:r>
-              <a:rPr lang="en-US" smtClean="0"/>
-              <a:t>Second level</a:t>
-            </a:r>
-          </a:p>
-          <a:p>
-            <a:pPr lvl="2"/>
-            <a:r>
-              <a:rPr lang="en-US" smtClean="0"/>
-              <a:t>Third level</a:t>
-            </a:r>
-          </a:p>
-          <a:p>
-            <a:pPr lvl="3"/>
-            <a:r>
-              <a:rPr lang="en-US" smtClean="0"/>
-              <a:t>Fourth level</a:t>
-            </a:r>
-          </a:p>
-          <a:p>
-            <a:pPr lvl="4"/>
-            <a:r>
-              <a:rPr lang="en-US" smtClean="0"/>
-              <a:t>Fifth level</a:t>
-            </a:r>
-            <a:endParaRPr lang="en-US"/>
-          </a:p>
-        </p:txBody>
-      </p:sp>
-      <p:sp>
-        <p:nvSpPr>
-          <p:cNvPr id="4" name="Text Placeholder 3"/>
-          <p:cNvSpPr>
-            <a:spLocks noGrp="1"/>
-          </p:cNvSpPr>
-          <p:nvPr>
-            <p:ph type="body" sz="half" idx="2"/>
-          </p:nvPr>
-        </p:nvSpPr>
-        <p:spPr>
-          <a:xfrm>
-            <a:off x="839788" y="2057400"/>
-            <a:ext cx="3932237" cy="3811588"/>
-          </a:xfrm>
-        </p:spPr>
-        <p:txBody>
-          <a:bodyPr/>
-          <a:lstStyle>
-            <a:lvl1pPr marL="0" indent="0">
-              <a:buNone/>
-              <a:defRPr sz="1600"/>
-            </a:lvl1pPr>
-            <a:lvl2pPr marL="457200" indent="0">
-              <a:buNone/>
-              <a:defRPr sz="1400"/>
-            </a:lvl2pPr>
-            <a:lvl3pPr marL="914400" indent="0">
-              <a:buNone/>
-              <a:defRPr sz="1200"/>
-            </a:lvl3pPr>
-            <a:lvl4pPr marL="1371600" indent="0">
-              <a:buNone/>
-              <a:defRPr sz="1000"/>
-            </a:lvl4pPr>
-            <a:lvl5pPr marL="1828800" indent="0">
-              <a:buNone/>
-              <a:defRPr sz="1000"/>
-            </a:lvl5pPr>
-            <a:lvl6pPr marL="2286000" indent="0">
-              <a:buNone/>
-              <a:defRPr sz="1000"/>
-            </a:lvl6pPr>
-            <a:lvl7pPr marL="2743200" indent="0">
-              <a:buNone/>
-              <a:defRPr sz="1000"/>
-            </a:lvl7pPr>
-            <a:lvl8pPr marL="3200400" indent="0">
-              <a:buNone/>
-              <a:defRPr sz="1000"/>
-            </a:lvl8pPr>
-            <a:lvl9pPr marL="3657600" indent="0">
-              <a:buNone/>
-              <a:defRPr sz="1000"/>
-            </a:lvl9pPr>
-          </a:lstStyle>
-          <a:p>
-            <a:pPr lvl="0"/>
-            <a:r>
-              <a:rPr lang="en-US" smtClean="0"/>
-              <a:t>Click to edit Master text styles</a:t>
-            </a:r>
-          </a:p>
-        </p:txBody>
-      </p:sp>
-      <p:sp>
-        <p:nvSpPr>
-          <p:cNvPr id="5" name="Date Placeholder 4"/>
-          <p:cNvSpPr>
-            <a:spLocks noGrp="1"/>
-          </p:cNvSpPr>
-          <p:nvPr>
-            <p:ph type="dt" sz="half" idx="10"/>
-          </p:nvPr>
-        </p:nvSpPr>
-        <p:spPr/>
-        <p:txBody>
-          <a:bodyPr/>
-          <a:lstStyle/>
-          <a:p>
-            <a:fld id="{85CF50C3-54C0-404E-8A49-2BE6AAC3CBFD}" type="datetimeFigureOut">
-              <a:rPr lang="en-US" smtClean="0"/>
-              <a:t>6/5/19</a:t>
-            </a:fld>
-            <a:endParaRPr lang="en-US"/>
-          </a:p>
-        </p:txBody>
-      </p:sp>
-      <p:sp>
-        <p:nvSpPr>
-          <p:cNvPr id="6" name="Footer Placeholder 5"/>
-          <p:cNvSpPr>
-            <a:spLocks noGrp="1"/>
-          </p:cNvSpPr>
-          <p:nvPr>
-            <p:ph type="ftr" sz="quarter" idx="11"/>
-          </p:nvPr>
-        </p:nvSpPr>
-        <p:spPr/>
-        <p:txBody>
-          <a:bodyPr/>
-          <a:lstStyle/>
-          <a:p>
-            <a:endParaRPr lang="en-US"/>
-          </a:p>
-        </p:txBody>
-      </p:sp>
-      <p:sp>
-        <p:nvSpPr>
-          <p:cNvPr id="7" name="Slide Number Placeholder 6"/>
-          <p:cNvSpPr>
-            <a:spLocks noGrp="1"/>
-          </p:cNvSpPr>
-          <p:nvPr>
-            <p:ph type="sldNum" sz="quarter" idx="12"/>
-          </p:nvPr>
-        </p:nvSpPr>
-        <p:spPr/>
-        <p:txBody>
-          <a:bodyPr/>
-          <a:lstStyle/>
           <a:p>
             <a:fld id="{14892189-A5C7-624D-B101-3B62E2A6C588}" type="slidenum">
               <a:rPr lang="en-US" smtClean="0"/>
@@ -2714,7 +3260,7 @@
     </p:spTree>
     <p:extLst>
       <p:ext uri="{BB962C8B-B14F-4D97-AF65-F5344CB8AC3E}">
-        <p14:creationId xmlns:p14="http://schemas.microsoft.com/office/powerpoint/2010/main" val="1656024056"/>
+        <p14:creationId xmlns:p14="http://schemas.microsoft.com/office/powerpoint/2010/main" val="1439994647"/>
       </p:ext>
     </p:extLst>
   </p:cSld>
@@ -2725,7 +3271,7 @@
 </file>
 
 <file path=ppt/slideLayouts/slideLayout9.xml><?xml version="1.0" encoding="utf-8"?>
-<p:sldLayout xmlns:a="http://schemas.openxmlformats.org/drawingml/2006/main" xmlns:r="http://schemas.openxmlformats.org/officeDocument/2006/relationships" xmlns:p="http://schemas.openxmlformats.org/presentationml/2006/main" type="picTx" preserve="1">
+<p:sldLayout xmlns:a="http://schemas.openxmlformats.org/drawingml/2006/main" xmlns:r="http://schemas.openxmlformats.org/officeDocument/2006/relationships" xmlns:p="http://schemas.openxmlformats.org/presentationml/2006/main" showMasterSp="0" type="picTx" preserve="1">
   <p:cSld name="Picture with Caption">
     <p:spTree>
       <p:nvGrpSpPr>
@@ -2743,25 +3289,107 @@
       </p:grpSpPr>
       <p:sp>
         <p:nvSpPr>
-          <p:cNvPr id="2" name="Title 1"/>
-          <p:cNvSpPr>
-            <a:spLocks noGrp="1"/>
-          </p:cNvSpPr>
-          <p:nvPr>
-            <p:ph type="title"/>
-          </p:nvPr>
+          <p:cNvPr id="8" name="Rectangle 7"/>
+          <p:cNvSpPr/>
+          <p:nvPr/>
         </p:nvSpPr>
         <p:spPr>
           <a:xfrm>
-            <a:off x="839788" y="457200"/>
-            <a:ext cx="3932237" cy="1600200"/>
+            <a:off x="0" y="4953000"/>
+            <a:ext cx="12188825" cy="1905000"/>
+          </a:xfrm>
+          <a:prstGeom prst="rect">
+            <a:avLst/>
+          </a:prstGeom>
+          <a:solidFill>
+            <a:schemeClr val="accent2"/>
+          </a:solidFill>
+          <a:ln>
+            <a:noFill/>
+          </a:ln>
+        </p:spPr>
+        <p:style>
+          <a:lnRef idx="2">
+            <a:schemeClr val="accent1">
+              <a:shade val="50000"/>
+            </a:schemeClr>
+          </a:lnRef>
+          <a:fillRef idx="1">
+            <a:schemeClr val="accent1"/>
+          </a:fillRef>
+          <a:effectRef idx="0">
+            <a:schemeClr val="accent1"/>
+          </a:effectRef>
+          <a:fontRef idx="minor">
+            <a:schemeClr val="lt1"/>
+          </a:fontRef>
+        </p:style>
+      </p:sp>
+      <p:sp>
+        <p:nvSpPr>
+          <p:cNvPr id="9" name="Rectangle 8"/>
+          <p:cNvSpPr/>
+          <p:nvPr/>
+        </p:nvSpPr>
+        <p:spPr>
+          <a:xfrm>
+            <a:off x="15" y="4915076"/>
+            <a:ext cx="12188825" cy="64008"/>
+          </a:xfrm>
+          <a:prstGeom prst="rect">
+            <a:avLst/>
+          </a:prstGeom>
+          <a:solidFill>
+            <a:schemeClr val="accent1"/>
+          </a:solidFill>
+          <a:ln>
+            <a:noFill/>
+          </a:ln>
+        </p:spPr>
+        <p:style>
+          <a:lnRef idx="2">
+            <a:schemeClr val="accent1">
+              <a:shade val="50000"/>
+            </a:schemeClr>
+          </a:lnRef>
+          <a:fillRef idx="1">
+            <a:schemeClr val="accent1"/>
+          </a:fillRef>
+          <a:effectRef idx="0">
+            <a:schemeClr val="accent1"/>
+          </a:effectRef>
+          <a:fontRef idx="minor">
+            <a:schemeClr val="lt1"/>
+          </a:fontRef>
+        </p:style>
+      </p:sp>
+      <p:sp>
+        <p:nvSpPr>
+          <p:cNvPr id="2" name="Title 1"/>
+          <p:cNvSpPr>
+            <a:spLocks noGrp="1"/>
+          </p:cNvSpPr>
+          <p:nvPr>
+            <p:ph type="title"/>
+          </p:nvPr>
+        </p:nvSpPr>
+        <p:spPr>
+          <a:xfrm>
+            <a:off x="1097280" y="5074920"/>
+            <a:ext cx="10113264" cy="822960"/>
           </a:xfrm>
         </p:spPr>
         <p:txBody>
-          <a:bodyPr anchor="b"/>
+          <a:bodyPr lIns="91440" tIns="0" rIns="91440" bIns="0" anchor="b">
+            <a:noAutofit/>
+          </a:bodyPr>
           <a:lstStyle>
             <a:lvl1pPr>
-              <a:defRPr sz="3200"/>
+              <a:defRPr sz="3600" b="0">
+                <a:solidFill>
+                  <a:srgbClr val="FFFFFF"/>
+                </a:solidFill>
+              </a:defRPr>
             </a:lvl1pPr>
           </a:lstStyle>
           <a:p>
@@ -2769,7 +3397,7 @@
               <a:rPr lang="en-US" smtClean="0"/>
               <a:t>Click to edit Master title style</a:t>
             </a:r>
-            <a:endParaRPr lang="en-US"/>
+            <a:endParaRPr lang="en-US" dirty="0"/>
           </a:p>
         </p:txBody>
       </p:sp>
@@ -2777,7 +3405,7 @@
         <p:nvSpPr>
           <p:cNvPr id="3" name="Picture Placeholder 2"/>
           <p:cNvSpPr>
-            <a:spLocks noGrp="1"/>
+            <a:spLocks noGrp="1" noChangeAspect="1"/>
           </p:cNvSpPr>
           <p:nvPr>
             <p:ph type="pic" idx="1"/>
@@ -2785,16 +3413,26 @@
         </p:nvSpPr>
         <p:spPr>
           <a:xfrm>
-            <a:off x="5183188" y="987425"/>
-            <a:ext cx="6172200" cy="4873625"/>
+            <a:off x="15" y="0"/>
+            <a:ext cx="12191985" cy="4915076"/>
           </a:xfrm>
+          <a:blipFill>
+            <a:blip r:embed="rId2"/>
+            <a:stretch>
+              <a:fillRect/>
+            </a:stretch>
+          </a:blipFill>
         </p:spPr>
         <p:txBody>
-          <a:bodyPr/>
+          <a:bodyPr lIns="457200" tIns="457200" anchor="t"/>
           <a:lstStyle>
             <a:lvl1pPr marL="0" indent="0">
               <a:buNone/>
-              <a:defRPr sz="3200"/>
+              <a:defRPr sz="3200">
+                <a:solidFill>
+                  <a:schemeClr val="bg1"/>
+                </a:solidFill>
+              </a:defRPr>
             </a:lvl1pPr>
             <a:lvl2pPr marL="457200" indent="0">
               <a:buNone/>
@@ -2830,7 +3468,11 @@
             </a:lvl9pPr>
           </a:lstStyle>
           <a:p>
-            <a:endParaRPr lang="en-US"/>
+            <a:r>
+              <a:rPr lang="en-US" smtClean="0"/>
+              <a:t>Drag picture to placeholder or click icon to add</a:t>
+            </a:r>
+            <a:endParaRPr lang="en-US" dirty="0"/>
           </a:p>
         </p:txBody>
       </p:sp>
@@ -2846,48 +3488,60 @@
         </p:nvSpPr>
         <p:spPr>
           <a:xfrm>
-            <a:off x="839788" y="2057400"/>
-            <a:ext cx="3932237" cy="3811588"/>
+            <a:off x="1097280" y="5907023"/>
+            <a:ext cx="10113264" cy="594360"/>
           </a:xfrm>
         </p:spPr>
         <p:txBody>
-          <a:bodyPr/>
+          <a:bodyPr lIns="91440" tIns="0" rIns="91440" bIns="0">
+            <a:normAutofit/>
+          </a:bodyPr>
           <a:lstStyle>
             <a:lvl1pPr marL="0" indent="0">
+              <a:spcBef>
+                <a:spcPts val="0"/>
+              </a:spcBef>
+              <a:spcAft>
+                <a:spcPts val="600"/>
+              </a:spcAft>
               <a:buNone/>
-              <a:defRPr sz="1600"/>
+              <a:defRPr sz="1500">
+                <a:solidFill>
+                  <a:srgbClr val="FFFFFF"/>
+                </a:solidFill>
+              </a:defRPr>
             </a:lvl1pPr>
             <a:lvl2pPr marL="457200" indent="0">
               <a:buNone/>
-              <a:defRPr sz="1400"/>
+              <a:defRPr sz="1200"/>
             </a:lvl2pPr>
             <a:lvl3pPr marL="914400" indent="0">
               <a:buNone/>
-              <a:defRPr sz="1200"/>
+              <a:defRPr sz="1000"/>
             </a:lvl3pPr>
             <a:lvl4pPr marL="1371600" indent="0">
               <a:buNone/>
-              <a:defRPr sz="1000"/>
+              <a:defRPr sz="900"/>
             </a:lvl4pPr>
             <a:lvl5pPr marL="1828800" indent="0">
               <a:buNone/>
-              <a:defRPr sz="1000"/>
+              <a:defRPr sz="900"/>
             </a:lvl5pPr>
             <a:lvl6pPr marL="2286000" indent="0">
               <a:buNone/>
-              <a:defRPr sz="1000"/>
+              <a:defRPr sz="900"/>
             </a:lvl6pPr>
             <a:lvl7pPr marL="2743200" indent="0">
               <a:buNone/>
-              <a:defRPr sz="1000"/>
+              <a:defRPr sz="900"/>
             </a:lvl7pPr>
             <a:lvl8pPr marL="3200400" indent="0">
               <a:buNone/>
-              <a:defRPr sz="1000"/>
+              <a:defRPr sz="900"/>
             </a:lvl8pPr>
             <a:lvl9pPr marL="3657600" indent="0">
               <a:buNone/>
-              <a:defRPr sz="1000"/>
+              <a:defRPr sz="900"/>
             </a:lvl9pPr>
           </a:lstStyle>
           <a:p>
@@ -2916,7 +3570,7 @@
           <a:p>
             <a:fld id="{85CF50C3-54C0-404E-8A49-2BE6AAC3CBFD}" type="datetimeFigureOut">
               <a:rPr lang="en-US" smtClean="0"/>
-              <a:t>6/5/19</a:t>
+              <a:t>6/17/19</a:t>
             </a:fld>
             <a:endParaRPr lang="en-US"/>
           </a:p>
@@ -2967,7 +3621,7 @@
     </p:spTree>
     <p:extLst>
       <p:ext uri="{BB962C8B-B14F-4D97-AF65-F5344CB8AC3E}">
-        <p14:creationId xmlns:p14="http://schemas.microsoft.com/office/powerpoint/2010/main" val="1408244072"/>
+        <p14:creationId xmlns:p14="http://schemas.microsoft.com/office/powerpoint/2010/main" val="1996814086"/>
       </p:ext>
     </p:extLst>
   </p:cSld>
@@ -3001,25 +3655,101 @@
       </p:grpSpPr>
       <p:sp>
         <p:nvSpPr>
-          <p:cNvPr id="2" name="Title Placeholder 1"/>
-          <p:cNvSpPr>
-            <a:spLocks noGrp="1"/>
-          </p:cNvSpPr>
-          <p:nvPr>
-            <p:ph type="title"/>
-          </p:nvPr>
+          <p:cNvPr id="7" name="Rectangle 6"/>
+          <p:cNvSpPr/>
+          <p:nvPr/>
         </p:nvSpPr>
         <p:spPr>
           <a:xfrm>
-            <a:off x="838200" y="365125"/>
-            <a:ext cx="10515600" cy="1325563"/>
+            <a:off x="1" y="6400800"/>
+            <a:ext cx="12192000" cy="457200"/>
+          </a:xfrm>
+          <a:prstGeom prst="rect">
+            <a:avLst/>
+          </a:prstGeom>
+          <a:solidFill>
+            <a:schemeClr val="accent2"/>
+          </a:solidFill>
+          <a:ln>
+            <a:noFill/>
+          </a:ln>
+        </p:spPr>
+        <p:style>
+          <a:lnRef idx="2">
+            <a:schemeClr val="accent1">
+              <a:shade val="50000"/>
+            </a:schemeClr>
+          </a:lnRef>
+          <a:fillRef idx="1">
+            <a:schemeClr val="accent1"/>
+          </a:fillRef>
+          <a:effectRef idx="0">
+            <a:schemeClr val="accent1"/>
+          </a:effectRef>
+          <a:fontRef idx="minor">
+            <a:schemeClr val="lt1"/>
+          </a:fontRef>
+        </p:style>
+      </p:sp>
+      <p:sp>
+        <p:nvSpPr>
+          <p:cNvPr id="9" name="Rectangle 8"/>
+          <p:cNvSpPr/>
+          <p:nvPr/>
+        </p:nvSpPr>
+        <p:spPr>
+          <a:xfrm>
+            <a:off x="0" y="6334316"/>
+            <a:ext cx="12192001" cy="65998"/>
+          </a:xfrm>
+          <a:prstGeom prst="rect">
+            <a:avLst/>
+          </a:prstGeom>
+          <a:solidFill>
+            <a:schemeClr val="accent1"/>
+          </a:solidFill>
+          <a:ln>
+            <a:noFill/>
+          </a:ln>
+        </p:spPr>
+        <p:style>
+          <a:lnRef idx="2">
+            <a:schemeClr val="accent1">
+              <a:shade val="50000"/>
+            </a:schemeClr>
+          </a:lnRef>
+          <a:fillRef idx="1">
+            <a:schemeClr val="accent1"/>
+          </a:fillRef>
+          <a:effectRef idx="0">
+            <a:schemeClr val="accent1"/>
+          </a:effectRef>
+          <a:fontRef idx="minor">
+            <a:schemeClr val="lt1"/>
+          </a:fontRef>
+        </p:style>
+      </p:sp>
+      <p:sp>
+        <p:nvSpPr>
+          <p:cNvPr id="2" name="Title Placeholder 1"/>
+          <p:cNvSpPr>
+            <a:spLocks noGrp="1"/>
+          </p:cNvSpPr>
+          <p:nvPr>
+            <p:ph type="title"/>
+          </p:nvPr>
+        </p:nvSpPr>
+        <p:spPr>
+          <a:xfrm>
+            <a:off x="1097280" y="286603"/>
+            <a:ext cx="10058400" cy="1450757"/>
           </a:xfrm>
           <a:prstGeom prst="rect">
             <a:avLst/>
           </a:prstGeom>
         </p:spPr>
         <p:txBody>
-          <a:bodyPr vert="horz" lIns="91440" tIns="45720" rIns="91440" bIns="45720" rtlCol="0" anchor="ctr">
+          <a:bodyPr vert="horz" lIns="91440" tIns="45720" rIns="91440" bIns="45720" rtlCol="0" anchor="b">
             <a:normAutofit/>
           </a:bodyPr>
           <a:lstStyle/>
@@ -3028,7 +3758,7 @@
               <a:rPr lang="en-US" smtClean="0"/>
               <a:t>Click to edit Master title style</a:t>
             </a:r>
-            <a:endParaRPr lang="en-US"/>
+            <a:endParaRPr lang="en-US" dirty="0"/>
           </a:p>
         </p:txBody>
       </p:sp>
@@ -3044,15 +3774,15 @@
         </p:nvSpPr>
         <p:spPr>
           <a:xfrm>
-            <a:off x="838200" y="1825625"/>
-            <a:ext cx="10515600" cy="4351338"/>
+            <a:off x="1097280" y="1845734"/>
+            <a:ext cx="10058400" cy="4023360"/>
           </a:xfrm>
           <a:prstGeom prst="rect">
             <a:avLst/>
           </a:prstGeom>
         </p:spPr>
         <p:txBody>
-          <a:bodyPr vert="horz" lIns="91440" tIns="45720" rIns="91440" bIns="45720" rtlCol="0">
+          <a:bodyPr vert="horz" lIns="0" tIns="45720" rIns="0" bIns="45720" rtlCol="0">
             <a:normAutofit/>
           </a:bodyPr>
           <a:lstStyle/>
@@ -3090,7 +3820,7 @@
               <a:rPr lang="en-US" smtClean="0"/>
               <a:t>Fifth level</a:t>
             </a:r>
-            <a:endParaRPr lang="en-US"/>
+            <a:endParaRPr lang="en-US" dirty="0"/>
           </a:p>
         </p:txBody>
       </p:sp>
@@ -3106,8 +3836,8 @@
         </p:nvSpPr>
         <p:spPr>
           <a:xfrm>
-            <a:off x="838200" y="6356350"/>
-            <a:ext cx="2743200" cy="365125"/>
+            <a:off x="1097280" y="6459785"/>
+            <a:ext cx="2472271" cy="365125"/>
           </a:xfrm>
           <a:prstGeom prst="rect">
             <a:avLst/>
@@ -3117,11 +3847,9 @@
           <a:bodyPr vert="horz" lIns="91440" tIns="45720" rIns="91440" bIns="45720" rtlCol="0" anchor="ctr"/>
           <a:lstStyle>
             <a:lvl1pPr algn="l">
-              <a:defRPr sz="1200">
+              <a:defRPr sz="900">
                 <a:solidFill>
-                  <a:schemeClr val="tx1">
-                    <a:tint val="75000"/>
-                  </a:schemeClr>
+                  <a:srgbClr val="FFFFFF"/>
                 </a:solidFill>
               </a:defRPr>
             </a:lvl1pPr>
@@ -3129,7 +3857,7 @@
           <a:p>
             <a:fld id="{85CF50C3-54C0-404E-8A49-2BE6AAC3CBFD}" type="datetimeFigureOut">
               <a:rPr lang="en-US" smtClean="0"/>
-              <a:t>6/5/19</a:t>
+              <a:t>6/17/19</a:t>
             </a:fld>
             <a:endParaRPr lang="en-US"/>
           </a:p>
@@ -3147,8 +3875,8 @@
         </p:nvSpPr>
         <p:spPr>
           <a:xfrm>
-            <a:off x="4038600" y="6356350"/>
-            <a:ext cx="4114800" cy="365125"/>
+            <a:off x="3686185" y="6459785"/>
+            <a:ext cx="4822804" cy="365125"/>
           </a:xfrm>
           <a:prstGeom prst="rect">
             <a:avLst/>
@@ -3158,11 +3886,9 @@
           <a:bodyPr vert="horz" lIns="91440" tIns="45720" rIns="91440" bIns="45720" rtlCol="0" anchor="ctr"/>
           <a:lstStyle>
             <a:lvl1pPr algn="ctr">
-              <a:defRPr sz="1200">
+              <a:defRPr sz="900" cap="all" baseline="0">
                 <a:solidFill>
-                  <a:schemeClr val="tx1">
-                    <a:tint val="75000"/>
-                  </a:schemeClr>
+                  <a:srgbClr val="FFFFFF"/>
                 </a:solidFill>
               </a:defRPr>
             </a:lvl1pPr>
@@ -3184,8 +3910,8 @@
         </p:nvSpPr>
         <p:spPr>
           <a:xfrm>
-            <a:off x="8610600" y="6356350"/>
-            <a:ext cx="2743200" cy="365125"/>
+            <a:off x="9900458" y="6459785"/>
+            <a:ext cx="1312025" cy="365125"/>
           </a:xfrm>
           <a:prstGeom prst="rect">
             <a:avLst/>
@@ -3195,11 +3921,9 @@
           <a:bodyPr vert="horz" lIns="91440" tIns="45720" rIns="91440" bIns="45720" rtlCol="0" anchor="ctr"/>
           <a:lstStyle>
             <a:lvl1pPr algn="r">
-              <a:defRPr sz="1200">
+              <a:defRPr sz="1050">
                 <a:solidFill>
-                  <a:schemeClr val="tx1">
-                    <a:tint val="75000"/>
-                  </a:schemeClr>
+                  <a:srgbClr val="FFFFFF"/>
                 </a:solidFill>
               </a:defRPr>
             </a:lvl1pPr>
@@ -3213,40 +3937,81 @@
           </a:p>
         </p:txBody>
       </p:sp>
+      <p:cxnSp>
+        <p:nvCxnSpPr>
+          <p:cNvPr id="10" name="Straight Connector 9"/>
+          <p:cNvCxnSpPr/>
+          <p:nvPr/>
+        </p:nvCxnSpPr>
+        <p:spPr>
+          <a:xfrm>
+            <a:off x="1193532" y="1737845"/>
+            <a:ext cx="9966960" cy="0"/>
+          </a:xfrm>
+          <a:prstGeom prst="line">
+            <a:avLst/>
+          </a:prstGeom>
+          <a:ln w="6350">
+            <a:solidFill>
+              <a:schemeClr val="tx1">
+                <a:lumMod val="50000"/>
+                <a:lumOff val="50000"/>
+              </a:schemeClr>
+            </a:solidFill>
+          </a:ln>
+        </p:spPr>
+        <p:style>
+          <a:lnRef idx="1">
+            <a:schemeClr val="accent1"/>
+          </a:lnRef>
+          <a:fillRef idx="0">
+            <a:schemeClr val="accent1"/>
+          </a:fillRef>
+          <a:effectRef idx="0">
+            <a:schemeClr val="accent1"/>
+          </a:effectRef>
+          <a:fontRef idx="minor">
+            <a:schemeClr val="tx1"/>
+          </a:fontRef>
+        </p:style>
+      </p:cxnSp>
     </p:spTree>
     <p:extLst>
       <p:ext uri="{BB962C8B-B14F-4D97-AF65-F5344CB8AC3E}">
-        <p14:creationId xmlns:p14="http://schemas.microsoft.com/office/powerpoint/2010/main" val="1087601742"/>
+        <p14:creationId xmlns:p14="http://schemas.microsoft.com/office/powerpoint/2010/main" val="639240934"/>
       </p:ext>
     </p:extLst>
   </p:cSld>
   <p:clrMap bg1="lt1" tx1="dk1" bg2="lt2" tx2="dk2" accent1="accent1" accent2="accent2" accent3="accent3" accent4="accent4" accent5="accent5" accent6="accent6" hlink="hlink" folHlink="folHlink"/>
   <p:sldLayoutIdLst>
-    <p:sldLayoutId id="2147483649" r:id="rId1"/>
-    <p:sldLayoutId id="2147483650" r:id="rId2"/>
-    <p:sldLayoutId id="2147483651" r:id="rId3"/>
-    <p:sldLayoutId id="2147483652" r:id="rId4"/>
-    <p:sldLayoutId id="2147483653" r:id="rId5"/>
-    <p:sldLayoutId id="2147483654" r:id="rId6"/>
-    <p:sldLayoutId id="2147483655" r:id="rId7"/>
-    <p:sldLayoutId id="2147483656" r:id="rId8"/>
-    <p:sldLayoutId id="2147483657" r:id="rId9"/>
-    <p:sldLayoutId id="2147483658" r:id="rId10"/>
-    <p:sldLayoutId id="2147483659" r:id="rId11"/>
+    <p:sldLayoutId id="2147483757" r:id="rId1"/>
+    <p:sldLayoutId id="2147483758" r:id="rId2"/>
+    <p:sldLayoutId id="2147483759" r:id="rId3"/>
+    <p:sldLayoutId id="2147483760" r:id="rId4"/>
+    <p:sldLayoutId id="2147483761" r:id="rId5"/>
+    <p:sldLayoutId id="2147483762" r:id="rId6"/>
+    <p:sldLayoutId id="2147483763" r:id="rId7"/>
+    <p:sldLayoutId id="2147483764" r:id="rId8"/>
+    <p:sldLayoutId id="2147483765" r:id="rId9"/>
+    <p:sldLayoutId id="2147483766" r:id="rId10"/>
+    <p:sldLayoutId id="2147483767" r:id="rId11"/>
   </p:sldLayoutIdLst>
   <p:txStyles>
     <p:titleStyle>
       <a:lvl1pPr algn="l" defTabSz="914400" rtl="0" eaLnBrk="1" latinLnBrk="0" hangingPunct="1">
         <a:lnSpc>
-          <a:spcPct val="90000"/>
+          <a:spcPct val="85000"/>
         </a:lnSpc>
         <a:spcBef>
           <a:spcPct val="0"/>
         </a:spcBef>
         <a:buNone/>
-        <a:defRPr sz="4400" kern="1200">
+        <a:defRPr sz="4800" kern="1200" spc="-50" baseline="0">
           <a:solidFill>
-            <a:schemeClr val="tx1"/>
+            <a:schemeClr val="tx1">
+              <a:lumMod val="75000"/>
+              <a:lumOff val="25000"/>
+            </a:schemeClr>
           </a:solidFill>
           <a:latin typeface="+mj-lt"/>
           <a:ea typeface="+mj-ea"/>
@@ -3255,162 +4020,244 @@
       </a:lvl1pPr>
     </p:titleStyle>
     <p:bodyStyle>
-      <a:lvl1pPr marL="228600" indent="-228600" algn="l" defTabSz="914400" rtl="0" eaLnBrk="1" latinLnBrk="0" hangingPunct="1">
+      <a:lvl1pPr marL="91440" indent="-91440" algn="l" defTabSz="914400" rtl="0" eaLnBrk="1" latinLnBrk="0" hangingPunct="1">
         <a:lnSpc>
           <a:spcPct val="90000"/>
         </a:lnSpc>
         <a:spcBef>
-          <a:spcPts val="1000"/>
+          <a:spcPts val="1200"/>
         </a:spcBef>
-        <a:buFont typeface="Arial"/>
-        <a:buChar char="•"/>
-        <a:defRPr sz="2800" kern="1200">
+        <a:spcAft>
+          <a:spcPts val="200"/>
+        </a:spcAft>
+        <a:buClr>
+          <a:schemeClr val="accent1"/>
+        </a:buClr>
+        <a:buSzPct val="100000"/>
+        <a:buFont typeface="Calibri" panose="020F0502020204030204" pitchFamily="34" charset="0"/>
+        <a:buChar char=" "/>
+        <a:defRPr sz="2000" kern="1200">
           <a:solidFill>
-            <a:schemeClr val="tx1"/>
+            <a:schemeClr val="tx1">
+              <a:lumMod val="75000"/>
+              <a:lumOff val="25000"/>
+            </a:schemeClr>
           </a:solidFill>
           <a:latin typeface="+mn-lt"/>
           <a:ea typeface="+mn-ea"/>
           <a:cs typeface="+mn-cs"/>
         </a:defRPr>
       </a:lvl1pPr>
-      <a:lvl2pPr marL="685800" indent="-228600" algn="l" defTabSz="914400" rtl="0" eaLnBrk="1" latinLnBrk="0" hangingPunct="1">
+      <a:lvl2pPr marL="384048" indent="-182880" algn="l" defTabSz="914400" rtl="0" eaLnBrk="1" latinLnBrk="0" hangingPunct="1">
         <a:lnSpc>
           <a:spcPct val="90000"/>
         </a:lnSpc>
         <a:spcBef>
-          <a:spcPts val="500"/>
+          <a:spcPts val="200"/>
         </a:spcBef>
-        <a:buFont typeface="Arial"/>
-        <a:buChar char="•"/>
-        <a:defRPr sz="2400" kern="1200">
+        <a:spcAft>
+          <a:spcPts val="400"/>
+        </a:spcAft>
+        <a:buClr>
+          <a:schemeClr val="accent1"/>
+        </a:buClr>
+        <a:buFont typeface="Calibri" pitchFamily="34" charset="0"/>
+        <a:buChar char="◦"/>
+        <a:defRPr sz="1800" kern="1200">
           <a:solidFill>
-            <a:schemeClr val="tx1"/>
+            <a:schemeClr val="tx1">
+              <a:lumMod val="75000"/>
+              <a:lumOff val="25000"/>
+            </a:schemeClr>
           </a:solidFill>
           <a:latin typeface="+mn-lt"/>
           <a:ea typeface="+mn-ea"/>
           <a:cs typeface="+mn-cs"/>
         </a:defRPr>
       </a:lvl2pPr>
-      <a:lvl3pPr marL="1143000" indent="-228600" algn="l" defTabSz="914400" rtl="0" eaLnBrk="1" latinLnBrk="0" hangingPunct="1">
+      <a:lvl3pPr marL="566928" indent="-182880" algn="l" defTabSz="914400" rtl="0" eaLnBrk="1" latinLnBrk="0" hangingPunct="1">
         <a:lnSpc>
           <a:spcPct val="90000"/>
         </a:lnSpc>
         <a:spcBef>
-          <a:spcPts val="500"/>
+          <a:spcPts val="200"/>
         </a:spcBef>
-        <a:buFont typeface="Arial"/>
-        <a:buChar char="•"/>
-        <a:defRPr sz="2000" kern="1200">
+        <a:spcAft>
+          <a:spcPts val="400"/>
+        </a:spcAft>
+        <a:buClr>
+          <a:schemeClr val="accent1"/>
+        </a:buClr>
+        <a:buFont typeface="Calibri" pitchFamily="34" charset="0"/>
+        <a:buChar char="◦"/>
+        <a:defRPr sz="1400" kern="1200">
           <a:solidFill>
-            <a:schemeClr val="tx1"/>
+            <a:schemeClr val="tx1">
+              <a:lumMod val="75000"/>
+              <a:lumOff val="25000"/>
+            </a:schemeClr>
           </a:solidFill>
           <a:latin typeface="+mn-lt"/>
           <a:ea typeface="+mn-ea"/>
           <a:cs typeface="+mn-cs"/>
         </a:defRPr>
       </a:lvl3pPr>
-      <a:lvl4pPr marL="1600200" indent="-228600" algn="l" defTabSz="914400" rtl="0" eaLnBrk="1" latinLnBrk="0" hangingPunct="1">
+      <a:lvl4pPr marL="749808" indent="-182880" algn="l" defTabSz="914400" rtl="0" eaLnBrk="1" latinLnBrk="0" hangingPunct="1">
         <a:lnSpc>
           <a:spcPct val="90000"/>
         </a:lnSpc>
         <a:spcBef>
-          <a:spcPts val="500"/>
+          <a:spcPts val="200"/>
         </a:spcBef>
-        <a:buFont typeface="Arial"/>
-        <a:buChar char="•"/>
-        <a:defRPr sz="1800" kern="1200">
+        <a:spcAft>
+          <a:spcPts val="400"/>
+        </a:spcAft>
+        <a:buClr>
+          <a:schemeClr val="accent1"/>
+        </a:buClr>
+        <a:buFont typeface="Calibri" pitchFamily="34" charset="0"/>
+        <a:buChar char="◦"/>
+        <a:defRPr sz="1400" kern="1200">
           <a:solidFill>
-            <a:schemeClr val="tx1"/>
+            <a:schemeClr val="tx1">
+              <a:lumMod val="75000"/>
+              <a:lumOff val="25000"/>
+            </a:schemeClr>
           </a:solidFill>
           <a:latin typeface="+mn-lt"/>
           <a:ea typeface="+mn-ea"/>
           <a:cs typeface="+mn-cs"/>
         </a:defRPr>
       </a:lvl4pPr>
-      <a:lvl5pPr marL="2057400" indent="-228600" algn="l" defTabSz="914400" rtl="0" eaLnBrk="1" latinLnBrk="0" hangingPunct="1">
+      <a:lvl5pPr marL="932688" indent="-182880" algn="l" defTabSz="914400" rtl="0" eaLnBrk="1" latinLnBrk="0" hangingPunct="1">
         <a:lnSpc>
           <a:spcPct val="90000"/>
         </a:lnSpc>
         <a:spcBef>
-          <a:spcPts val="500"/>
+          <a:spcPts val="200"/>
         </a:spcBef>
-        <a:buFont typeface="Arial"/>
-        <a:buChar char="•"/>
-        <a:defRPr sz="1800" kern="1200">
+        <a:spcAft>
+          <a:spcPts val="400"/>
+        </a:spcAft>
+        <a:buClr>
+          <a:schemeClr val="accent1"/>
+        </a:buClr>
+        <a:buFont typeface="Calibri" pitchFamily="34" charset="0"/>
+        <a:buChar char="◦"/>
+        <a:defRPr sz="1400" kern="1200">
           <a:solidFill>
-            <a:schemeClr val="tx1"/>
+            <a:schemeClr val="tx1">
+              <a:lumMod val="75000"/>
+              <a:lumOff val="25000"/>
+            </a:schemeClr>
           </a:solidFill>
           <a:latin typeface="+mn-lt"/>
           <a:ea typeface="+mn-ea"/>
           <a:cs typeface="+mn-cs"/>
         </a:defRPr>
       </a:lvl5pPr>
-      <a:lvl6pPr marL="2514600" indent="-228600" algn="l" defTabSz="914400" rtl="0" eaLnBrk="1" latinLnBrk="0" hangingPunct="1">
+      <a:lvl6pPr marL="1100000" indent="-228600" algn="l" defTabSz="914400" rtl="0" eaLnBrk="1" latinLnBrk="0" hangingPunct="1">
         <a:lnSpc>
           <a:spcPct val="90000"/>
         </a:lnSpc>
         <a:spcBef>
-          <a:spcPts val="500"/>
+          <a:spcPts val="200"/>
         </a:spcBef>
-        <a:buFont typeface="Arial"/>
-        <a:buChar char="•"/>
-        <a:defRPr sz="1800" kern="1200">
+        <a:spcAft>
+          <a:spcPts val="400"/>
+        </a:spcAft>
+        <a:buClr>
+          <a:schemeClr val="accent1"/>
+        </a:buClr>
+        <a:buFont typeface="Calibri" pitchFamily="34" charset="0"/>
+        <a:buChar char="◦"/>
+        <a:defRPr sz="1400" kern="1200">
           <a:solidFill>
-            <a:schemeClr val="tx1"/>
+            <a:schemeClr val="tx1">
+              <a:lumMod val="75000"/>
+              <a:lumOff val="25000"/>
+            </a:schemeClr>
           </a:solidFill>
           <a:latin typeface="+mn-lt"/>
           <a:ea typeface="+mn-ea"/>
           <a:cs typeface="+mn-cs"/>
         </a:defRPr>
       </a:lvl6pPr>
-      <a:lvl7pPr marL="2971800" indent="-228600" algn="l" defTabSz="914400" rtl="0" eaLnBrk="1" latinLnBrk="0" hangingPunct="1">
+      <a:lvl7pPr marL="1300000" indent="-228600" algn="l" defTabSz="914400" rtl="0" eaLnBrk="1" latinLnBrk="0" hangingPunct="1">
         <a:lnSpc>
           <a:spcPct val="90000"/>
         </a:lnSpc>
         <a:spcBef>
-          <a:spcPts val="500"/>
+          <a:spcPts val="200"/>
         </a:spcBef>
-        <a:buFont typeface="Arial"/>
-        <a:buChar char="•"/>
-        <a:defRPr sz="1800" kern="1200">
+        <a:spcAft>
+          <a:spcPts val="400"/>
+        </a:spcAft>
+        <a:buClr>
+          <a:schemeClr val="accent1"/>
+        </a:buClr>
+        <a:buFont typeface="Calibri" pitchFamily="34" charset="0"/>
+        <a:buChar char="◦"/>
+        <a:defRPr sz="1400" kern="1200">
           <a:solidFill>
-            <a:schemeClr val="tx1"/>
+            <a:schemeClr val="tx1">
+              <a:lumMod val="75000"/>
+              <a:lumOff val="25000"/>
+            </a:schemeClr>
           </a:solidFill>
           <a:latin typeface="+mn-lt"/>
           <a:ea typeface="+mn-ea"/>
           <a:cs typeface="+mn-cs"/>
         </a:defRPr>
       </a:lvl7pPr>
-      <a:lvl8pPr marL="3429000" indent="-228600" algn="l" defTabSz="914400" rtl="0" eaLnBrk="1" latinLnBrk="0" hangingPunct="1">
+      <a:lvl8pPr marL="1500000" indent="-228600" algn="l" defTabSz="914400" rtl="0" eaLnBrk="1" latinLnBrk="0" hangingPunct="1">
         <a:lnSpc>
           <a:spcPct val="90000"/>
         </a:lnSpc>
         <a:spcBef>
-          <a:spcPts val="500"/>
+          <a:spcPts val="200"/>
         </a:spcBef>
-        <a:buFont typeface="Arial"/>
-        <a:buChar char="•"/>
-        <a:defRPr sz="1800" kern="1200">
+        <a:spcAft>
+          <a:spcPts val="400"/>
+        </a:spcAft>
+        <a:buClr>
+          <a:schemeClr val="accent1"/>
+        </a:buClr>
+        <a:buFont typeface="Calibri" pitchFamily="34" charset="0"/>
+        <a:buChar char="◦"/>
+        <a:defRPr sz="1400" kern="1200">
           <a:solidFill>
-            <a:schemeClr val="tx1"/>
+            <a:schemeClr val="tx1">
+              <a:lumMod val="75000"/>
+              <a:lumOff val="25000"/>
+            </a:schemeClr>
           </a:solidFill>
           <a:latin typeface="+mn-lt"/>
           <a:ea typeface="+mn-ea"/>
           <a:cs typeface="+mn-cs"/>
         </a:defRPr>
       </a:lvl8pPr>
-      <a:lvl9pPr marL="3886200" indent="-228600" algn="l" defTabSz="914400" rtl="0" eaLnBrk="1" latinLnBrk="0" hangingPunct="1">
+      <a:lvl9pPr marL="1700000" indent="-228600" algn="l" defTabSz="914400" rtl="0" eaLnBrk="1" latinLnBrk="0" hangingPunct="1">
         <a:lnSpc>
           <a:spcPct val="90000"/>
         </a:lnSpc>
         <a:spcBef>
-          <a:spcPts val="500"/>
+          <a:spcPts val="200"/>
         </a:spcBef>
-        <a:buFont typeface="Arial"/>
-        <a:buChar char="•"/>
-        <a:defRPr sz="1800" kern="1200">
+        <a:spcAft>
+          <a:spcPts val="400"/>
+        </a:spcAft>
+        <a:buClr>
+          <a:schemeClr val="accent1"/>
+        </a:buClr>
+        <a:buFont typeface="Calibri" pitchFamily="34" charset="0"/>
+        <a:buChar char="◦"/>
+        <a:defRPr sz="1400" kern="1200">
           <a:solidFill>
-            <a:schemeClr val="tx1"/>
+            <a:schemeClr val="tx1">
+              <a:lumMod val="75000"/>
+              <a:lumOff val="25000"/>
+            </a:schemeClr>
           </a:solidFill>
           <a:latin typeface="+mn-lt"/>
           <a:ea typeface="+mn-ea"/>
@@ -3514,6 +4361,11 @@
       </a:lvl9pPr>
     </p:otherStyle>
   </p:txStyles>
+  <p:extLst>
+    <p:ext uri="{27BBF7A9-308A-43DC-89C8-2F10F3537804}">
+      <p15:sldGuideLst xmlns:p15="http://schemas.microsoft.com/office/powerpoint/2012/main"/>
+    </p:ext>
+  </p:extLst>
 </p:sldMaster>
 </file>
 
@@ -4563,7 +5415,7 @@
         </p:spPr>
         <p:txBody>
           <a:bodyPr>
-            <a:normAutofit fontScale="77500" lnSpcReduction="20000"/>
+            <a:normAutofit/>
           </a:bodyPr>
           <a:lstStyle/>
           <a:p>
@@ -4573,6 +5425,7 @@
             </a:r>
           </a:p>
           <a:p>
+            <a:pPr lvl="1"/>
             <a:r>
               <a:rPr lang="en-US" altLang="zh-CN" dirty="0"/>
               <a:t>Kafka</a:t>
@@ -4597,6 +5450,7 @@
             </a:r>
           </a:p>
           <a:p>
+            <a:pPr lvl="1"/>
             <a:r>
               <a:rPr lang="zh-CN" altLang="en-US" dirty="0"/>
               <a:t>一旦消费者订阅主题，</a:t>
@@ -4619,6 +5473,7 @@
             </a:r>
           </a:p>
           <a:p>
+            <a:pPr lvl="1"/>
             <a:r>
               <a:rPr lang="zh-CN" altLang="en-US" dirty="0"/>
               <a:t>消费者将定期请求</a:t>
@@ -4649,6 +5504,7 @@
             </a:r>
           </a:p>
           <a:p>
+            <a:pPr lvl="1"/>
             <a:r>
               <a:rPr lang="zh-CN" altLang="en-US" dirty="0"/>
               <a:t>一旦</a:t>
@@ -4663,12 +5519,14 @@
             </a:r>
           </a:p>
           <a:p>
+            <a:pPr lvl="1"/>
             <a:r>
               <a:rPr lang="zh-CN" altLang="en-US" dirty="0"/>
               <a:t>消费者将收到消息并进行处理。</a:t>
             </a:r>
           </a:p>
           <a:p>
+            <a:pPr lvl="1"/>
             <a:r>
               <a:rPr lang="zh-CN" altLang="en-US" dirty="0"/>
               <a:t>一旦消息被处理，消费者将向</a:t>
@@ -4683,6 +5541,7 @@
             </a:r>
           </a:p>
           <a:p>
+            <a:pPr lvl="1"/>
             <a:r>
               <a:rPr lang="zh-CN" altLang="en-US" dirty="0"/>
               <a:t>一旦</a:t>
@@ -4709,16 +5568,34 @@
             </a:r>
             <a:r>
               <a:rPr lang="zh-CN" altLang="en-US" dirty="0"/>
-              <a:t>中维护，消费者可以正确地读取下一封邮件，即使在服务器暴力期间。</a:t>
-            </a:r>
-          </a:p>
-          <a:p>
+              <a:t>中维护，消费者可以正确地读取下</a:t>
+            </a:r>
+            <a:r>
+              <a:rPr lang="zh-CN" altLang="en-US" dirty="0" smtClean="0"/>
+              <a:t>一个消息，</a:t>
+            </a:r>
+            <a:r>
+              <a:rPr lang="zh-CN" altLang="en-US" dirty="0"/>
+              <a:t>即使在</a:t>
+            </a:r>
+            <a:r>
+              <a:rPr lang="zh-CN" altLang="en-US" dirty="0" smtClean="0"/>
+              <a:t>服务器故障期间</a:t>
+            </a:r>
+            <a:r>
+              <a:rPr lang="zh-CN" altLang="en-US" dirty="0"/>
+              <a:t>。</a:t>
+            </a:r>
+          </a:p>
+          <a:p>
+            <a:pPr lvl="1"/>
             <a:r>
               <a:rPr lang="zh-CN" altLang="en-US" dirty="0"/>
               <a:t>以上流程将重复，直到消费者停止请求。</a:t>
             </a:r>
           </a:p>
           <a:p>
+            <a:pPr lvl="1"/>
             <a:r>
               <a:rPr lang="zh-CN" altLang="en-US" dirty="0"/>
               <a:t>消费者可以随时回退</a:t>
@@ -4821,7 +5698,7 @@
         </p:spPr>
         <p:txBody>
           <a:bodyPr>
-            <a:normAutofit fontScale="77500" lnSpcReduction="20000"/>
+            <a:normAutofit lnSpcReduction="10000"/>
           </a:bodyPr>
           <a:lstStyle/>
           <a:p>
@@ -5271,12 +6148,8 @@
           <a:lstStyle/>
           <a:p>
             <a:r>
-              <a:rPr lang="en-US" altLang="zh-CN" dirty="0" smtClean="0"/>
-              <a:t>Kafka</a:t>
-            </a:r>
-            <a:r>
-              <a:rPr lang="zh-CN" altLang="en-US" dirty="0" smtClean="0"/>
-              <a:t>的安装</a:t>
+              <a:rPr lang="en-US" b="1" dirty="0" err="1"/>
+              <a:t>Broker注册</a:t>
             </a:r>
             <a:endParaRPr lang="en-US" dirty="0"/>
           </a:p>
@@ -5292,232 +6165,84 @@
             <p:ph idx="1"/>
           </p:nvPr>
         </p:nvSpPr>
-        <p:spPr>
+        <p:spPr/>
+        <p:txBody>
+          <a:bodyPr/>
+          <a:lstStyle/>
+          <a:p>
+            <a:r>
+              <a:rPr lang="en-US" dirty="0" err="1"/>
+              <a:t>Broker在zookeeper中保存为一个临时节点，节点的路径是</a:t>
+            </a:r>
+            <a:r>
+              <a:rPr lang="en-US" dirty="0"/>
+              <a:t>/brokers/ids/[</a:t>
+            </a:r>
+            <a:r>
+              <a:rPr lang="en-US" dirty="0" err="1"/>
+              <a:t>brokerid</a:t>
+            </a:r>
+            <a:r>
+              <a:rPr lang="en-US" dirty="0"/>
+              <a:t>],</a:t>
+            </a:r>
+            <a:r>
+              <a:rPr lang="en-US" dirty="0" err="1"/>
+              <a:t>每个节点会保存对应broker的IP以及端口等信息</a:t>
+            </a:r>
+            <a:r>
+              <a:rPr lang="en-US" dirty="0"/>
+              <a:t>.</a:t>
+            </a:r>
+            <a:endParaRPr lang="en-US" dirty="0"/>
+          </a:p>
+        </p:txBody>
+      </p:sp>
+      <p:pic>
+        <p:nvPicPr>
+          <p:cNvPr id="1026" name="Picture 2" descr="https://img-blog.csdn.net/20150715132817059?watermark/2/text/aHR0cDovL2Jsb2cuY3Nkbi5uZXQv/font/5a6L5L2T/fontsize/400/fill/I0JBQkFCMA==/dissolve/70/gravity/Center"/>
+          <p:cNvPicPr>
+            <a:picLocks noChangeAspect="1" noChangeArrowheads="1"/>
+          </p:cNvPicPr>
+          <p:nvPr/>
+        </p:nvPicPr>
+        <p:blipFill>
+          <a:blip r:embed="rId2">
+            <a:extLst>
+              <a:ext uri="{28A0092B-C50C-407E-A947-70E740481C1C}">
+                <a14:useLocalDpi xmlns:a14="http://schemas.microsoft.com/office/drawing/2010/main" val="0"/>
+              </a:ext>
+            </a:extLst>
+          </a:blip>
+          <a:srcRect/>
+          <a:stretch>
+            <a:fillRect/>
+          </a:stretch>
+        </p:blipFill>
+        <p:spPr bwMode="auto">
           <a:xfrm>
-            <a:off x="838200" y="1825624"/>
-            <a:ext cx="10515600" cy="4803775"/>
+            <a:off x="782053" y="2479297"/>
+            <a:ext cx="10686448" cy="4132276"/>
           </a:xfrm>
+          <a:prstGeom prst="rect">
+            <a:avLst/>
+          </a:prstGeom>
+          <a:noFill/>
+          <a:extLst>
+            <a:ext uri="{909E8E84-426E-40DD-AFC4-6F175D3DCCD1}">
+              <a14:hiddenFill xmlns:a14="http://schemas.microsoft.com/office/drawing/2010/main">
+                <a:solidFill>
+                  <a:srgbClr val="FFFFFF"/>
+                </a:solidFill>
+              </a14:hiddenFill>
+            </a:ext>
+          </a:extLst>
         </p:spPr>
-        <p:txBody>
-          <a:bodyPr>
-            <a:normAutofit lnSpcReduction="10000"/>
-          </a:bodyPr>
-          <a:lstStyle/>
-          <a:p>
-            <a:r>
-              <a:rPr lang="en-US" altLang="zh-CN" dirty="0" smtClean="0"/>
-              <a:t>1.</a:t>
-            </a:r>
-            <a:r>
-              <a:rPr lang="zh-CN" altLang="en-US" dirty="0" smtClean="0"/>
-              <a:t> </a:t>
-            </a:r>
-            <a:r>
-              <a:rPr lang="en-US" altLang="zh-CN" dirty="0" smtClean="0"/>
-              <a:t>JDK</a:t>
-            </a:r>
-          </a:p>
-          <a:p>
-            <a:r>
-              <a:rPr lang="en-US" altLang="zh-CN" dirty="0" smtClean="0"/>
-              <a:t>2.</a:t>
-            </a:r>
-            <a:r>
-              <a:rPr lang="zh-CN" altLang="en-US" dirty="0" smtClean="0"/>
-              <a:t> </a:t>
-            </a:r>
-            <a:r>
-              <a:rPr lang="en-US" altLang="zh-CN" dirty="0" err="1" smtClean="0"/>
-              <a:t>ZooKeeper</a:t>
-            </a:r>
-            <a:endParaRPr lang="en-US" altLang="zh-CN" dirty="0" smtClean="0"/>
-          </a:p>
-          <a:p>
-            <a:pPr lvl="1"/>
-            <a:r>
-              <a:rPr lang="en-US" altLang="zh-CN" dirty="0" err="1" smtClean="0"/>
-              <a:t>wget</a:t>
-            </a:r>
-            <a:r>
-              <a:rPr lang="zh-CN" altLang="en-US" dirty="0" smtClean="0"/>
-              <a:t> </a:t>
-            </a:r>
-            <a:r>
-              <a:rPr lang="en-US" altLang="zh-CN" dirty="0" smtClean="0"/>
-              <a:t>https://apache.org/dist/zookeeper/stable/apache-zookeeper-3.5.5-bin.tar.gz</a:t>
-            </a:r>
-          </a:p>
-          <a:p>
-            <a:pPr lvl="1"/>
-            <a:r>
-              <a:rPr lang="en-US" altLang="zh-CN" dirty="0" smtClean="0"/>
-              <a:t>tar -</a:t>
-            </a:r>
-            <a:r>
-              <a:rPr lang="en-US" altLang="zh-CN" dirty="0" err="1" smtClean="0"/>
-              <a:t>zxf</a:t>
-            </a:r>
-            <a:r>
-              <a:rPr lang="en-US" altLang="zh-CN" dirty="0" smtClean="0"/>
-              <a:t> apache-zookeeper-3.5.5-bin.tar.gz</a:t>
-            </a:r>
-          </a:p>
-          <a:p>
-            <a:pPr lvl="1"/>
-            <a:r>
-              <a:rPr lang="en-US" altLang="zh-CN" dirty="0" err="1" smtClean="0"/>
-              <a:t>mkdir</a:t>
-            </a:r>
-            <a:r>
-              <a:rPr lang="en-US" altLang="zh-CN" dirty="0" smtClean="0"/>
-              <a:t> data</a:t>
-            </a:r>
-          </a:p>
-          <a:p>
-            <a:pPr lvl="1"/>
-            <a:r>
-              <a:rPr lang="en-US" altLang="zh-CN" dirty="0" err="1" smtClean="0"/>
-              <a:t>cp</a:t>
-            </a:r>
-            <a:r>
-              <a:rPr lang="en-US" altLang="zh-CN" dirty="0" smtClean="0"/>
-              <a:t> </a:t>
-            </a:r>
-            <a:r>
-              <a:rPr lang="en-US" altLang="zh-CN" dirty="0" err="1" smtClean="0"/>
-              <a:t>zoo_sample.cfg</a:t>
-            </a:r>
-            <a:r>
-              <a:rPr lang="en-US" altLang="zh-CN" dirty="0" smtClean="0"/>
-              <a:t> </a:t>
-            </a:r>
-            <a:r>
-              <a:rPr lang="en-US" altLang="zh-CN" dirty="0" err="1" smtClean="0"/>
-              <a:t>zoo.cfg</a:t>
-            </a:r>
-            <a:endParaRPr lang="en-US" altLang="zh-CN" dirty="0" smtClean="0"/>
-          </a:p>
-          <a:p>
-            <a:pPr lvl="1"/>
-            <a:r>
-              <a:rPr lang="en-US" altLang="zh-CN" dirty="0" smtClean="0"/>
-              <a:t>bin/</a:t>
-            </a:r>
-            <a:r>
-              <a:rPr lang="en-US" altLang="zh-CN" dirty="0" err="1" smtClean="0"/>
-              <a:t>zkServer.sh</a:t>
-            </a:r>
-            <a:r>
-              <a:rPr lang="en-US" altLang="zh-CN" dirty="0" smtClean="0"/>
-              <a:t> start</a:t>
-            </a:r>
-          </a:p>
-          <a:p>
-            <a:r>
-              <a:rPr lang="en-US" altLang="zh-CN" dirty="0" smtClean="0"/>
-              <a:t>3.</a:t>
-            </a:r>
-            <a:r>
-              <a:rPr lang="zh-CN" altLang="en-US" dirty="0" smtClean="0"/>
-              <a:t>  </a:t>
-            </a:r>
-            <a:r>
-              <a:rPr lang="en-US" altLang="zh-CN" dirty="0" smtClean="0"/>
-              <a:t>Kafka</a:t>
-            </a:r>
-          </a:p>
-          <a:p>
-            <a:pPr lvl="1"/>
-            <a:r>
-              <a:rPr lang="en-US" altLang="zh-CN" dirty="0" err="1" smtClean="0"/>
-              <a:t>wget</a:t>
-            </a:r>
-            <a:r>
-              <a:rPr lang="zh-CN" altLang="en-US" dirty="0" smtClean="0"/>
-              <a:t> </a:t>
-            </a:r>
-            <a:r>
-              <a:rPr lang="en-US" altLang="zh-CN" dirty="0" smtClean="0"/>
-              <a:t>http://mirror.bit.edu.cn/apache/kafka/2.2.1/kafka_2.11-2.2.1.tgz</a:t>
-            </a:r>
-          </a:p>
-          <a:p>
-            <a:pPr lvl="1"/>
-            <a:r>
-              <a:rPr lang="en-US" altLang="zh-CN" dirty="0" smtClean="0"/>
-              <a:t>tar</a:t>
-            </a:r>
-            <a:r>
-              <a:rPr lang="zh-CN" altLang="en-US" dirty="0" smtClean="0"/>
-              <a:t> </a:t>
-            </a:r>
-            <a:r>
-              <a:rPr lang="mr-IN" altLang="zh-CN" dirty="0" smtClean="0"/>
-              <a:t>–</a:t>
-            </a:r>
-            <a:r>
-              <a:rPr lang="en-US" altLang="zh-CN" dirty="0" err="1" smtClean="0"/>
-              <a:t>zxf</a:t>
-            </a:r>
-            <a:r>
-              <a:rPr lang="zh-CN" altLang="en-US" dirty="0" smtClean="0"/>
-              <a:t> </a:t>
-            </a:r>
-            <a:r>
-              <a:rPr lang="en-US" altLang="zh-CN" dirty="0" smtClean="0"/>
-              <a:t>kafka_2.11-2.2.1.tgz</a:t>
-            </a:r>
-          </a:p>
-          <a:p>
-            <a:pPr lvl="1"/>
-            <a:r>
-              <a:rPr lang="en-US" dirty="0" smtClean="0"/>
-              <a:t>bin/</a:t>
-            </a:r>
-            <a:r>
-              <a:rPr lang="en-US" dirty="0" err="1" smtClean="0"/>
-              <a:t>kafka</a:t>
-            </a:r>
-            <a:r>
-              <a:rPr lang="en-US" dirty="0" smtClean="0"/>
-              <a:t>-server-</a:t>
-            </a:r>
-            <a:r>
-              <a:rPr lang="en-US" dirty="0" err="1" smtClean="0"/>
-              <a:t>start.sh</a:t>
-            </a:r>
-            <a:r>
-              <a:rPr lang="en-US" dirty="0" smtClean="0"/>
-              <a:t> </a:t>
-            </a:r>
-            <a:r>
-              <a:rPr lang="en-US" dirty="0" err="1" smtClean="0"/>
-              <a:t>config</a:t>
-            </a:r>
-            <a:r>
-              <a:rPr lang="en-US" dirty="0" smtClean="0"/>
-              <a:t>/</a:t>
-            </a:r>
-            <a:r>
-              <a:rPr lang="en-US" dirty="0" err="1" smtClean="0"/>
-              <a:t>server.properties</a:t>
-            </a:r>
-            <a:endParaRPr lang="en-US" altLang="zh-CN" dirty="0" smtClean="0"/>
-          </a:p>
-          <a:p>
-            <a:pPr lvl="1"/>
-            <a:endParaRPr lang="en-US" altLang="zh-CN" dirty="0" smtClean="0"/>
-          </a:p>
-          <a:p>
-            <a:pPr lvl="1"/>
-            <a:endParaRPr lang="en-US" dirty="0"/>
-          </a:p>
-        </p:txBody>
-      </p:sp>
+      </p:pic>
     </p:spTree>
     <p:extLst>
       <p:ext uri="{BB962C8B-B14F-4D97-AF65-F5344CB8AC3E}">
-        <p14:creationId xmlns:p14="http://schemas.microsoft.com/office/powerpoint/2010/main" val="454877621"/>
+        <p14:creationId xmlns:p14="http://schemas.microsoft.com/office/powerpoint/2010/main" val="1218775536"/>
       </p:ext>
     </p:extLst>
   </p:cSld>
@@ -5560,12 +6285,8 @@
           <a:lstStyle/>
           <a:p>
             <a:r>
-              <a:rPr lang="en-US" altLang="zh-CN" dirty="0" err="1" smtClean="0"/>
-              <a:t>kafka</a:t>
-            </a:r>
-            <a:r>
-              <a:rPr lang="zh-CN" altLang="en-US" dirty="0" smtClean="0"/>
-              <a:t>的基本操作</a:t>
+              <a:rPr lang="en-US" b="1" dirty="0" err="1"/>
+              <a:t>Topic注册</a:t>
             </a:r>
             <a:endParaRPr lang="en-US" dirty="0"/>
           </a:p>
@@ -5581,161 +6302,72 @@
             <p:ph idx="1"/>
           </p:nvPr>
         </p:nvSpPr>
-        <p:spPr>
+        <p:spPr/>
+        <p:txBody>
+          <a:bodyPr/>
+          <a:lstStyle/>
+          <a:p>
+            <a:r>
+              <a:rPr lang="en-US" dirty="0"/>
+              <a:t>在kafka中,一个topic会被分成多个区并被分到多个broker上，分区的信息以及broker的分布情况都保存在zookeeper中，根节点路径为/brokers/</a:t>
+            </a:r>
+            <a:r>
+              <a:rPr lang="en-US" dirty="0" err="1"/>
+              <a:t>topics,每个topic都会在topics下建立独立的子节点，每个topic节点下都会包含分区以及broker</a:t>
+            </a:r>
+            <a:r>
+              <a:rPr lang="en-US" dirty="0" err="1" smtClean="0"/>
+              <a:t>的对应信息</a:t>
+            </a:r>
+            <a:endParaRPr lang="en-US" dirty="0"/>
+          </a:p>
+        </p:txBody>
+      </p:sp>
+      <p:pic>
+        <p:nvPicPr>
+          <p:cNvPr id="2050" name="Picture 2" descr="https://img-blog.csdn.net/20150715132831252?watermark/2/text/aHR0cDovL2Jsb2cuY3Nkbi5uZXQv/font/5a6L5L2T/fontsize/400/fill/I0JBQkFCMA==/dissolve/70/gravity/Center"/>
+          <p:cNvPicPr>
+            <a:picLocks noChangeAspect="1" noChangeArrowheads="1"/>
+          </p:cNvPicPr>
+          <p:nvPr/>
+        </p:nvPicPr>
+        <p:blipFill>
+          <a:blip r:embed="rId2">
+            <a:extLst>
+              <a:ext uri="{28A0092B-C50C-407E-A947-70E740481C1C}">
+                <a14:useLocalDpi xmlns:a14="http://schemas.microsoft.com/office/drawing/2010/main" val="0"/>
+              </a:ext>
+            </a:extLst>
+          </a:blip>
+          <a:srcRect/>
+          <a:stretch>
+            <a:fillRect/>
+          </a:stretch>
+        </p:blipFill>
+        <p:spPr bwMode="auto">
           <a:xfrm>
-            <a:off x="838200" y="1825624"/>
-            <a:ext cx="10515600" cy="4803775"/>
+            <a:off x="1592580" y="2963969"/>
+            <a:ext cx="9067800" cy="2905125"/>
           </a:xfrm>
+          <a:prstGeom prst="rect">
+            <a:avLst/>
+          </a:prstGeom>
+          <a:noFill/>
+          <a:extLst>
+            <a:ext uri="{909E8E84-426E-40DD-AFC4-6F175D3DCCD1}">
+              <a14:hiddenFill xmlns:a14="http://schemas.microsoft.com/office/drawing/2010/main">
+                <a:solidFill>
+                  <a:srgbClr val="FFFFFF"/>
+                </a:solidFill>
+              </a14:hiddenFill>
+            </a:ext>
+          </a:extLst>
         </p:spPr>
-        <p:txBody>
-          <a:bodyPr>
-            <a:normAutofit/>
-          </a:bodyPr>
-          <a:lstStyle/>
-          <a:p>
-            <a:r>
-              <a:rPr lang="zh-CN" altLang="en-US" dirty="0" smtClean="0"/>
-              <a:t>创建一个</a:t>
-            </a:r>
-            <a:r>
-              <a:rPr lang="en-US" altLang="zh-CN" dirty="0" smtClean="0"/>
-              <a:t>topic</a:t>
-            </a:r>
-          </a:p>
-          <a:p>
-            <a:pPr lvl="1"/>
-            <a:r>
-              <a:rPr lang="en-US" dirty="0" smtClean="0"/>
-              <a:t>./</a:t>
-            </a:r>
-            <a:r>
-              <a:rPr lang="en-US" dirty="0" err="1" smtClean="0"/>
-              <a:t>kafka-topics.sh</a:t>
-            </a:r>
-            <a:r>
-              <a:rPr lang="en-US" dirty="0" smtClean="0"/>
-              <a:t> --create --zookeeper localhost:2181 --replication-factor 1 --partitions 1 --topic topic-name-</a:t>
-            </a:r>
-            <a:r>
-              <a:rPr lang="en-US" dirty="0" err="1" smtClean="0"/>
-              <a:t>newit</a:t>
-            </a:r>
-            <a:endParaRPr lang="en-US" dirty="0" smtClean="0"/>
-          </a:p>
-          <a:p>
-            <a:r>
-              <a:rPr lang="zh-CN" altLang="en-US" dirty="0" smtClean="0"/>
-              <a:t>获取</a:t>
-            </a:r>
-            <a:r>
-              <a:rPr lang="en-US" altLang="zh-CN" dirty="0" smtClean="0"/>
-              <a:t>topic</a:t>
-            </a:r>
-            <a:r>
-              <a:rPr lang="zh-CN" altLang="en-US" dirty="0" smtClean="0"/>
-              <a:t>列表</a:t>
-            </a:r>
-            <a:endParaRPr lang="en-US" altLang="zh-CN" dirty="0" smtClean="0"/>
-          </a:p>
-          <a:p>
-            <a:pPr lvl="1"/>
-            <a:r>
-              <a:rPr lang="en-US" dirty="0" smtClean="0"/>
-              <a:t>./</a:t>
-            </a:r>
-            <a:r>
-              <a:rPr lang="en-US" dirty="0" err="1" smtClean="0"/>
-              <a:t>kafka-topics.sh</a:t>
-            </a:r>
-            <a:r>
-              <a:rPr lang="en-US" dirty="0" smtClean="0"/>
-              <a:t> --list --zookeeper localhost:2181</a:t>
-            </a:r>
-          </a:p>
-          <a:p>
-            <a:r>
-              <a:rPr lang="zh-CN" altLang="en-US" dirty="0" smtClean="0"/>
-              <a:t>启动生产者发送消息</a:t>
-            </a:r>
-            <a:endParaRPr lang="en-US" altLang="zh-CN" dirty="0" smtClean="0"/>
-          </a:p>
-          <a:p>
-            <a:pPr lvl="1"/>
-            <a:r>
-              <a:rPr lang="en-US" dirty="0" smtClean="0"/>
-              <a:t>./</a:t>
-            </a:r>
-            <a:r>
-              <a:rPr lang="en-US" dirty="0" err="1" smtClean="0"/>
-              <a:t>kafka</a:t>
-            </a:r>
-            <a:r>
-              <a:rPr lang="en-US" dirty="0" smtClean="0"/>
-              <a:t>-console-</a:t>
-            </a:r>
-            <a:r>
-              <a:rPr lang="en-US" dirty="0" err="1" smtClean="0"/>
-              <a:t>producer.sh</a:t>
-            </a:r>
-            <a:r>
-              <a:rPr lang="en-US" dirty="0" smtClean="0"/>
-              <a:t> --broker-list localhost:9092 --topic topic-name-</a:t>
-            </a:r>
-            <a:r>
-              <a:rPr lang="en-US" dirty="0" err="1" smtClean="0"/>
-              <a:t>newit</a:t>
-            </a:r>
-            <a:endParaRPr lang="en-US" dirty="0" smtClean="0"/>
-          </a:p>
-          <a:p>
-            <a:r>
-              <a:rPr lang="zh-CN" altLang="en-US" dirty="0" smtClean="0"/>
-              <a:t>启动消费者以接收消息</a:t>
-            </a:r>
-            <a:endParaRPr lang="en-US" altLang="zh-CN" dirty="0" smtClean="0"/>
-          </a:p>
-          <a:p>
-            <a:pPr lvl="1"/>
-            <a:r>
-              <a:rPr lang="en-US" altLang="zh-CN" dirty="0" smtClean="0"/>
-              <a:t>./</a:t>
-            </a:r>
-            <a:r>
-              <a:rPr lang="en-US" altLang="zh-CN" dirty="0" err="1" smtClean="0"/>
-              <a:t>kafka</a:t>
-            </a:r>
-            <a:r>
-              <a:rPr lang="en-US" altLang="zh-CN" dirty="0" smtClean="0"/>
-              <a:t>-console-</a:t>
-            </a:r>
-            <a:r>
-              <a:rPr lang="en-US" altLang="zh-CN" dirty="0" err="1" smtClean="0"/>
-              <a:t>consumer.sh</a:t>
-            </a:r>
-            <a:r>
-              <a:rPr lang="en-US" altLang="zh-CN" dirty="0" smtClean="0"/>
-              <a:t> --bootstrap-server localhost:9092 --topic topic-name-</a:t>
-            </a:r>
-            <a:r>
-              <a:rPr lang="en-US" altLang="zh-CN" dirty="0" err="1" smtClean="0"/>
-              <a:t>newit</a:t>
-            </a:r>
-            <a:r>
-              <a:rPr lang="en-US" altLang="zh-CN" dirty="0" smtClean="0"/>
-              <a:t>  --from-beginning</a:t>
-            </a:r>
-            <a:endParaRPr lang="zh-CN" altLang="en-US" dirty="0" smtClean="0"/>
-          </a:p>
-          <a:p>
-            <a:pPr lvl="1"/>
-            <a:endParaRPr lang="en-US" dirty="0" smtClean="0"/>
-          </a:p>
-        </p:txBody>
-      </p:sp>
+      </p:pic>
     </p:spTree>
     <p:extLst>
       <p:ext uri="{BB962C8B-B14F-4D97-AF65-F5344CB8AC3E}">
-        <p14:creationId xmlns:p14="http://schemas.microsoft.com/office/powerpoint/2010/main" val="2137945803"/>
+        <p14:creationId xmlns:p14="http://schemas.microsoft.com/office/powerpoint/2010/main" val="370813885"/>
       </p:ext>
     </p:extLst>
   </p:cSld>
@@ -5904,6 +6536,1254 @@
           <a:lstStyle/>
           <a:p>
             <a:r>
+              <a:rPr lang="zh-CN" altLang="en-US" b="1" dirty="0"/>
+              <a:t>生产者负载均衡</a:t>
+            </a:r>
+            <a:endParaRPr lang="en-US" dirty="0"/>
+          </a:p>
+        </p:txBody>
+      </p:sp>
+      <p:sp>
+        <p:nvSpPr>
+          <p:cNvPr id="3" name="Content Placeholder 2"/>
+          <p:cNvSpPr>
+            <a:spLocks noGrp="1"/>
+          </p:cNvSpPr>
+          <p:nvPr>
+            <p:ph idx="1"/>
+          </p:nvPr>
+        </p:nvSpPr>
+        <p:spPr/>
+        <p:txBody>
+          <a:bodyPr/>
+          <a:lstStyle/>
+          <a:p>
+            <a:r>
+              <a:rPr lang="zh-CN" altLang="en-US" dirty="0"/>
+              <a:t>当</a:t>
+            </a:r>
+            <a:r>
+              <a:rPr lang="en-US" altLang="zh-CN" dirty="0"/>
+              <a:t>Broker</a:t>
+            </a:r>
+            <a:r>
+              <a:rPr lang="zh-CN" altLang="en-US" dirty="0"/>
+              <a:t>启动时，会注册该</a:t>
+            </a:r>
+            <a:r>
+              <a:rPr lang="en-US" altLang="zh-CN" dirty="0"/>
+              <a:t>Broker</a:t>
+            </a:r>
+            <a:r>
+              <a:rPr lang="zh-CN" altLang="en-US" dirty="0"/>
+              <a:t>的信息，以及可订阅的</a:t>
+            </a:r>
+            <a:r>
+              <a:rPr lang="en-US" altLang="zh-CN" dirty="0"/>
+              <a:t>topic</a:t>
+            </a:r>
+            <a:r>
+              <a:rPr lang="zh-CN" altLang="en-US" dirty="0"/>
+              <a:t>信息。生产者通过注册在</a:t>
+            </a:r>
+            <a:r>
+              <a:rPr lang="en-US" altLang="zh-CN" dirty="0"/>
+              <a:t>Broker</a:t>
+            </a:r>
+            <a:r>
+              <a:rPr lang="zh-CN" altLang="en-US" dirty="0"/>
+              <a:t>以及</a:t>
+            </a:r>
+            <a:r>
+              <a:rPr lang="en-US" altLang="zh-CN" dirty="0"/>
+              <a:t>Topic</a:t>
+            </a:r>
+            <a:r>
+              <a:rPr lang="zh-CN" altLang="en-US" dirty="0"/>
+              <a:t>上的</a:t>
+            </a:r>
+            <a:r>
+              <a:rPr lang="en-US" altLang="zh-CN" dirty="0"/>
+              <a:t>watcher</a:t>
+            </a:r>
+            <a:r>
+              <a:rPr lang="zh-CN" altLang="en-US" dirty="0"/>
+              <a:t>动态的感知</a:t>
+            </a:r>
+            <a:r>
+              <a:rPr lang="en-US" altLang="zh-CN" dirty="0"/>
+              <a:t>Broker</a:t>
+            </a:r>
+            <a:r>
+              <a:rPr lang="zh-CN" altLang="en-US" dirty="0"/>
+              <a:t>以及</a:t>
+            </a:r>
+            <a:r>
+              <a:rPr lang="en-US" altLang="zh-CN" dirty="0"/>
+              <a:t>Topic</a:t>
+            </a:r>
+            <a:r>
+              <a:rPr lang="zh-CN" altLang="en-US" dirty="0"/>
+              <a:t>的分区情况，从而将</a:t>
+            </a:r>
+            <a:r>
+              <a:rPr lang="en-US" altLang="zh-CN" dirty="0"/>
+              <a:t>Topic</a:t>
+            </a:r>
+            <a:r>
+              <a:rPr lang="zh-CN" altLang="en-US" dirty="0"/>
+              <a:t>的分区动态的分配到</a:t>
+            </a:r>
+            <a:r>
+              <a:rPr lang="en-US" altLang="zh-CN" dirty="0"/>
+              <a:t>broker</a:t>
+            </a:r>
+            <a:r>
+              <a:rPr lang="zh-CN" altLang="en-US" dirty="0"/>
+              <a:t>上</a:t>
+            </a:r>
+            <a:r>
+              <a:rPr lang="en-US" altLang="zh-CN" dirty="0"/>
+              <a:t>. </a:t>
+            </a:r>
+            <a:endParaRPr lang="en-US" dirty="0"/>
+          </a:p>
+        </p:txBody>
+      </p:sp>
+    </p:spTree>
+    <p:extLst>
+      <p:ext uri="{BB962C8B-B14F-4D97-AF65-F5344CB8AC3E}">
+        <p14:creationId xmlns:p14="http://schemas.microsoft.com/office/powerpoint/2010/main" val="676051122"/>
+      </p:ext>
+    </p:extLst>
+  </p:cSld>
+  <p:clrMapOvr>
+    <a:masterClrMapping/>
+  </p:clrMapOvr>
+</p:sld>
+</file>
+
+<file path=ppt/slides/slide21.xml><?xml version="1.0" encoding="utf-8"?>
+<p:sld xmlns:a="http://schemas.openxmlformats.org/drawingml/2006/main" xmlns:r="http://schemas.openxmlformats.org/officeDocument/2006/relationships" xmlns:p="http://schemas.openxmlformats.org/presentationml/2006/main">
+  <p:cSld>
+    <p:spTree>
+      <p:nvGrpSpPr>
+        <p:cNvPr id="1" name=""/>
+        <p:cNvGrpSpPr/>
+        <p:nvPr/>
+      </p:nvGrpSpPr>
+      <p:grpSpPr>
+        <a:xfrm>
+          <a:off x="0" y="0"/>
+          <a:ext cx="0" cy="0"/>
+          <a:chOff x="0" y="0"/>
+          <a:chExt cx="0" cy="0"/>
+        </a:xfrm>
+      </p:grpSpPr>
+      <p:sp>
+        <p:nvSpPr>
+          <p:cNvPr id="2" name="Title 1"/>
+          <p:cNvSpPr>
+            <a:spLocks noGrp="1"/>
+          </p:cNvSpPr>
+          <p:nvPr>
+            <p:ph type="title"/>
+          </p:nvPr>
+        </p:nvSpPr>
+        <p:spPr/>
+        <p:txBody>
+          <a:bodyPr/>
+          <a:lstStyle/>
+          <a:p>
+            <a:r>
+              <a:rPr lang="zh-CN" altLang="en-US" b="1" dirty="0"/>
+              <a:t>消费者</a:t>
+            </a:r>
+            <a:endParaRPr lang="en-US" dirty="0"/>
+          </a:p>
+        </p:txBody>
+      </p:sp>
+      <p:sp>
+        <p:nvSpPr>
+          <p:cNvPr id="3" name="Content Placeholder 2"/>
+          <p:cNvSpPr>
+            <a:spLocks noGrp="1"/>
+          </p:cNvSpPr>
+          <p:nvPr>
+            <p:ph idx="1"/>
+          </p:nvPr>
+        </p:nvSpPr>
+        <p:spPr/>
+        <p:txBody>
+          <a:bodyPr>
+            <a:normAutofit/>
+          </a:bodyPr>
+          <a:lstStyle/>
+          <a:p>
+            <a:r>
+              <a:rPr lang="en-US" altLang="zh-CN" dirty="0" err="1"/>
+              <a:t>kafka</a:t>
+            </a:r>
+            <a:r>
+              <a:rPr lang="zh-CN" altLang="en-US" dirty="0"/>
+              <a:t>有消费者分组的概念，每个分组中可以包含多个消费者，每条消息只会发给分组中的一个消费者，且</a:t>
+            </a:r>
+            <a:r>
+              <a:rPr lang="zh-CN" altLang="en-US" dirty="0" smtClean="0"/>
+              <a:t>每个</a:t>
+            </a:r>
+            <a:r>
+              <a:rPr lang="zh-CN" altLang="en-US" dirty="0"/>
+              <a:t>分组之间是相互独立互不影响的</a:t>
+            </a:r>
+            <a:r>
+              <a:rPr lang="zh-CN" altLang="en-US" dirty="0" smtClean="0"/>
+              <a:t>。</a:t>
+            </a:r>
+            <a:endParaRPr lang="en-US" altLang="zh-CN" dirty="0" smtClean="0"/>
+          </a:p>
+          <a:p>
+            <a:r>
+              <a:rPr lang="zh-CN" altLang="en-US" dirty="0"/>
+              <a:t>对于每个消费者分组，</a:t>
+            </a:r>
+            <a:r>
+              <a:rPr lang="en-US" altLang="zh-CN" dirty="0" err="1"/>
+              <a:t>kafka</a:t>
+            </a:r>
+            <a:r>
+              <a:rPr lang="zh-CN" altLang="en-US" dirty="0"/>
+              <a:t>都会为其分配一个全局唯一的</a:t>
+            </a:r>
+            <a:r>
+              <a:rPr lang="en-US" altLang="zh-CN" dirty="0"/>
+              <a:t>Group ID,</a:t>
+            </a:r>
+            <a:r>
+              <a:rPr lang="zh-CN" altLang="en-US" dirty="0"/>
+              <a:t>分组内的所有消费者会共享该</a:t>
+            </a:r>
+            <a:r>
+              <a:rPr lang="en-US" altLang="zh-CN" dirty="0" err="1"/>
+              <a:t>ID,kafka</a:t>
+            </a:r>
+            <a:r>
+              <a:rPr lang="zh-CN" altLang="en-US" dirty="0"/>
+              <a:t>还会为每个消费者分配一个</a:t>
+            </a:r>
+            <a:r>
+              <a:rPr lang="en-US" altLang="zh-CN" dirty="0"/>
+              <a:t>consumer ID,</a:t>
+            </a:r>
+            <a:r>
+              <a:rPr lang="zh-CN" altLang="en-US" dirty="0"/>
+              <a:t>通常采用</a:t>
+            </a:r>
+            <a:r>
+              <a:rPr lang="en-US" altLang="zh-CN" dirty="0" err="1"/>
+              <a:t>hostname:uuid</a:t>
+            </a:r>
+            <a:r>
+              <a:rPr lang="zh-CN" altLang="en-US" dirty="0"/>
+              <a:t>的形式。在</a:t>
+            </a:r>
+            <a:r>
+              <a:rPr lang="en-US" altLang="zh-CN" dirty="0" err="1"/>
+              <a:t>kafka</a:t>
+            </a:r>
+            <a:r>
+              <a:rPr lang="zh-CN" altLang="en-US" dirty="0"/>
+              <a:t>的设计中规定，对于</a:t>
+            </a:r>
+            <a:r>
+              <a:rPr lang="en-US" altLang="zh-CN" dirty="0"/>
+              <a:t>topic</a:t>
+            </a:r>
+            <a:r>
+              <a:rPr lang="zh-CN" altLang="en-US" dirty="0"/>
+              <a:t>的每个分区，最多只能被一个消费者进行消费，也就是消费者与分区的关系是一对多的关系。消费者与分区的关系也被存储在</a:t>
+            </a:r>
+            <a:r>
+              <a:rPr lang="en-US" altLang="zh-CN" dirty="0"/>
+              <a:t>zookeeper</a:t>
+            </a:r>
+            <a:r>
+              <a:rPr lang="zh-CN" altLang="en-US" dirty="0"/>
+              <a:t>中节点的路劲为 </a:t>
+            </a:r>
+            <a:r>
+              <a:rPr lang="en-US" altLang="zh-CN" dirty="0"/>
+              <a:t>/consumers/[</a:t>
+            </a:r>
+            <a:r>
+              <a:rPr lang="en-US" altLang="zh-CN" dirty="0" err="1"/>
+              <a:t>group_id</a:t>
+            </a:r>
+            <a:r>
+              <a:rPr lang="en-US" altLang="zh-CN" dirty="0"/>
+              <a:t>]/owners/[topic]/[</a:t>
+            </a:r>
+            <a:r>
+              <a:rPr lang="en-US" altLang="zh-CN" dirty="0" err="1"/>
+              <a:t>broker_id-partition_id</a:t>
+            </a:r>
+            <a:r>
+              <a:rPr lang="en-US" altLang="zh-CN" dirty="0"/>
+              <a:t>],</a:t>
+            </a:r>
+            <a:r>
+              <a:rPr lang="zh-CN" altLang="en-US" dirty="0"/>
+              <a:t>该节点的内容就是消费者的</a:t>
+            </a:r>
+            <a:r>
+              <a:rPr lang="en-US" altLang="zh-CN" dirty="0"/>
+              <a:t>Consumer </a:t>
+            </a:r>
+            <a:r>
+              <a:rPr lang="en-US" altLang="zh-CN" dirty="0" smtClean="0"/>
+              <a:t>ID</a:t>
+            </a:r>
+            <a:endParaRPr lang="en-US" altLang="zh-CN" dirty="0"/>
+          </a:p>
+        </p:txBody>
+      </p:sp>
+      <p:pic>
+        <p:nvPicPr>
+          <p:cNvPr id="3074" name="Picture 2" descr="https://img-blog.csdn.net/20150715132849485?watermark/2/text/aHR0cDovL2Jsb2cuY3Nkbi5uZXQv/font/5a6L5L2T/fontsize/400/fill/I0JBQkFCMA==/dissolve/70/gravity/Center"/>
+          <p:cNvPicPr>
+            <a:picLocks noChangeAspect="1" noChangeArrowheads="1"/>
+          </p:cNvPicPr>
+          <p:nvPr/>
+        </p:nvPicPr>
+        <p:blipFill>
+          <a:blip r:embed="rId2">
+            <a:extLst>
+              <a:ext uri="{28A0092B-C50C-407E-A947-70E740481C1C}">
+                <a14:useLocalDpi xmlns:a14="http://schemas.microsoft.com/office/drawing/2010/main" val="0"/>
+              </a:ext>
+            </a:extLst>
+          </a:blip>
+          <a:srcRect/>
+          <a:stretch>
+            <a:fillRect/>
+          </a:stretch>
+        </p:blipFill>
+        <p:spPr bwMode="auto">
+          <a:xfrm>
+            <a:off x="2902016" y="4001680"/>
+            <a:ext cx="9153625" cy="2767375"/>
+          </a:xfrm>
+          <a:prstGeom prst="rect">
+            <a:avLst/>
+          </a:prstGeom>
+          <a:noFill/>
+          <a:extLst>
+            <a:ext uri="{909E8E84-426E-40DD-AFC4-6F175D3DCCD1}">
+              <a14:hiddenFill xmlns:a14="http://schemas.microsoft.com/office/drawing/2010/main">
+                <a:solidFill>
+                  <a:srgbClr val="FFFFFF"/>
+                </a:solidFill>
+              </a14:hiddenFill>
+            </a:ext>
+          </a:extLst>
+        </p:spPr>
+      </p:pic>
+    </p:spTree>
+    <p:extLst>
+      <p:ext uri="{BB962C8B-B14F-4D97-AF65-F5344CB8AC3E}">
+        <p14:creationId xmlns:p14="http://schemas.microsoft.com/office/powerpoint/2010/main" val="627700684"/>
+      </p:ext>
+    </p:extLst>
+  </p:cSld>
+  <p:clrMapOvr>
+    <a:masterClrMapping/>
+  </p:clrMapOvr>
+</p:sld>
+</file>
+
+<file path=ppt/slides/slide22.xml><?xml version="1.0" encoding="utf-8"?>
+<p:sld xmlns:a="http://schemas.openxmlformats.org/drawingml/2006/main" xmlns:r="http://schemas.openxmlformats.org/officeDocument/2006/relationships" xmlns:p="http://schemas.openxmlformats.org/presentationml/2006/main">
+  <p:cSld>
+    <p:spTree>
+      <p:nvGrpSpPr>
+        <p:cNvPr id="1" name=""/>
+        <p:cNvGrpSpPr/>
+        <p:nvPr/>
+      </p:nvGrpSpPr>
+      <p:grpSpPr>
+        <a:xfrm>
+          <a:off x="0" y="0"/>
+          <a:ext cx="0" cy="0"/>
+          <a:chOff x="0" y="0"/>
+          <a:chExt cx="0" cy="0"/>
+        </a:xfrm>
+      </p:grpSpPr>
+      <p:sp>
+        <p:nvSpPr>
+          <p:cNvPr id="2" name="Title 1"/>
+          <p:cNvSpPr>
+            <a:spLocks noGrp="1"/>
+          </p:cNvSpPr>
+          <p:nvPr>
+            <p:ph type="title"/>
+          </p:nvPr>
+        </p:nvSpPr>
+        <p:spPr/>
+        <p:txBody>
+          <a:bodyPr/>
+          <a:lstStyle/>
+          <a:p>
+            <a:r>
+              <a:rPr lang="zh-CN" altLang="en-US" b="1" dirty="0"/>
+              <a:t>消费者负载均衡</a:t>
+            </a:r>
+            <a:endParaRPr lang="en-US" dirty="0"/>
+          </a:p>
+        </p:txBody>
+      </p:sp>
+      <p:sp>
+        <p:nvSpPr>
+          <p:cNvPr id="3" name="Content Placeholder 2"/>
+          <p:cNvSpPr>
+            <a:spLocks noGrp="1"/>
+          </p:cNvSpPr>
+          <p:nvPr>
+            <p:ph idx="1"/>
+          </p:nvPr>
+        </p:nvSpPr>
+        <p:spPr/>
+        <p:txBody>
+          <a:bodyPr/>
+          <a:lstStyle/>
+          <a:p>
+            <a:r>
+              <a:rPr lang="zh-CN" altLang="en-US" dirty="0"/>
+              <a:t>消费者服务启动时，会创建一个属于消费者节点的临时节点，节点的路径为 </a:t>
+            </a:r>
+            <a:r>
+              <a:rPr lang="en-US" altLang="zh-CN" dirty="0"/>
+              <a:t>/consumers/[</a:t>
+            </a:r>
+            <a:r>
+              <a:rPr lang="en-US" altLang="zh-CN" dirty="0" err="1"/>
+              <a:t>group_id</a:t>
+            </a:r>
+            <a:r>
+              <a:rPr lang="en-US" altLang="zh-CN" dirty="0"/>
+              <a:t>]/ids/[</a:t>
+            </a:r>
+            <a:r>
+              <a:rPr lang="en-US" altLang="zh-CN" dirty="0" err="1"/>
+              <a:t>consumer_id</a:t>
+            </a:r>
+            <a:r>
+              <a:rPr lang="en-US" altLang="zh-CN" dirty="0"/>
+              <a:t>],</a:t>
+            </a:r>
+            <a:r>
+              <a:rPr lang="zh-CN" altLang="en-US" dirty="0"/>
+              <a:t>该节点的内容是该消费者订阅的</a:t>
+            </a:r>
+            <a:r>
+              <a:rPr lang="en-US" altLang="zh-CN" dirty="0"/>
+              <a:t>Topic</a:t>
+            </a:r>
+            <a:r>
+              <a:rPr lang="zh-CN" altLang="en-US" dirty="0"/>
+              <a:t>信息。每个消费者会对</a:t>
+            </a:r>
+            <a:r>
+              <a:rPr lang="en-US" altLang="zh-CN" dirty="0"/>
+              <a:t>/consumers/[</a:t>
+            </a:r>
+            <a:r>
+              <a:rPr lang="en-US" altLang="zh-CN" dirty="0" err="1"/>
+              <a:t>group_id</a:t>
+            </a:r>
+            <a:r>
+              <a:rPr lang="en-US" altLang="zh-CN" dirty="0"/>
+              <a:t>]/ids</a:t>
+            </a:r>
+            <a:r>
+              <a:rPr lang="zh-CN" altLang="en-US" dirty="0"/>
+              <a:t>节点注册</a:t>
+            </a:r>
+            <a:r>
+              <a:rPr lang="en-US" altLang="zh-CN" dirty="0"/>
+              <a:t>Watcher</a:t>
+            </a:r>
+            <a:r>
+              <a:rPr lang="zh-CN" altLang="en-US" dirty="0"/>
+              <a:t>监听器，一旦消费者的数量增加或减少就会触发消费者的负载均衡</a:t>
+            </a:r>
+            <a:r>
+              <a:rPr lang="zh-CN" altLang="en-US" dirty="0" smtClean="0"/>
+              <a:t>。</a:t>
+            </a:r>
+            <a:endParaRPr lang="zh-CN" altLang="en-US" dirty="0"/>
+          </a:p>
+        </p:txBody>
+      </p:sp>
+      <p:pic>
+        <p:nvPicPr>
+          <p:cNvPr id="4098" name="Picture 2" descr="https://img-blog.csdn.net/20150715132913587?watermark/2/text/aHR0cDovL2Jsb2cuY3Nkbi5uZXQv/font/5a6L5L2T/fontsize/400/fill/I0JBQkFCMA==/dissolve/70/gravity/Center"/>
+          <p:cNvPicPr>
+            <a:picLocks noChangeAspect="1" noChangeArrowheads="1"/>
+          </p:cNvPicPr>
+          <p:nvPr/>
+        </p:nvPicPr>
+        <p:blipFill>
+          <a:blip r:embed="rId2">
+            <a:extLst>
+              <a:ext uri="{28A0092B-C50C-407E-A947-70E740481C1C}">
+                <a14:useLocalDpi xmlns:a14="http://schemas.microsoft.com/office/drawing/2010/main" val="0"/>
+              </a:ext>
+            </a:extLst>
+          </a:blip>
+          <a:srcRect/>
+          <a:stretch>
+            <a:fillRect/>
+          </a:stretch>
+        </p:blipFill>
+        <p:spPr bwMode="auto">
+          <a:xfrm>
+            <a:off x="-1" y="3071131"/>
+            <a:ext cx="12168659" cy="2030258"/>
+          </a:xfrm>
+          <a:prstGeom prst="rect">
+            <a:avLst/>
+          </a:prstGeom>
+          <a:noFill/>
+          <a:extLst>
+            <a:ext uri="{909E8E84-426E-40DD-AFC4-6F175D3DCCD1}">
+              <a14:hiddenFill xmlns:a14="http://schemas.microsoft.com/office/drawing/2010/main">
+                <a:solidFill>
+                  <a:srgbClr val="FFFFFF"/>
+                </a:solidFill>
+              </a14:hiddenFill>
+            </a:ext>
+          </a:extLst>
+        </p:spPr>
+      </p:pic>
+    </p:spTree>
+    <p:extLst>
+      <p:ext uri="{BB962C8B-B14F-4D97-AF65-F5344CB8AC3E}">
+        <p14:creationId xmlns:p14="http://schemas.microsoft.com/office/powerpoint/2010/main" val="341914660"/>
+      </p:ext>
+    </p:extLst>
+  </p:cSld>
+  <p:clrMapOvr>
+    <a:masterClrMapping/>
+  </p:clrMapOvr>
+</p:sld>
+</file>
+
+<file path=ppt/slides/slide23.xml><?xml version="1.0" encoding="utf-8"?>
+<p:sld xmlns:a="http://schemas.openxmlformats.org/drawingml/2006/main" xmlns:r="http://schemas.openxmlformats.org/officeDocument/2006/relationships" xmlns:p="http://schemas.openxmlformats.org/presentationml/2006/main">
+  <p:cSld>
+    <p:spTree>
+      <p:nvGrpSpPr>
+        <p:cNvPr id="1" name=""/>
+        <p:cNvGrpSpPr/>
+        <p:nvPr/>
+      </p:nvGrpSpPr>
+      <p:grpSpPr>
+        <a:xfrm>
+          <a:off x="0" y="0"/>
+          <a:ext cx="0" cy="0"/>
+          <a:chOff x="0" y="0"/>
+          <a:chExt cx="0" cy="0"/>
+        </a:xfrm>
+      </p:grpSpPr>
+      <p:sp>
+        <p:nvSpPr>
+          <p:cNvPr id="2" name="Title 1"/>
+          <p:cNvSpPr>
+            <a:spLocks noGrp="1"/>
+          </p:cNvSpPr>
+          <p:nvPr>
+            <p:ph type="title"/>
+          </p:nvPr>
+        </p:nvSpPr>
+        <p:spPr/>
+        <p:txBody>
+          <a:bodyPr/>
+          <a:lstStyle/>
+          <a:p>
+            <a:r>
+              <a:rPr lang="en-US" b="1" dirty="0" err="1"/>
+              <a:t>消费者的offset</a:t>
+            </a:r>
+            <a:endParaRPr lang="en-US" dirty="0"/>
+          </a:p>
+        </p:txBody>
+      </p:sp>
+      <p:sp>
+        <p:nvSpPr>
+          <p:cNvPr id="3" name="Content Placeholder 2"/>
+          <p:cNvSpPr>
+            <a:spLocks noGrp="1"/>
+          </p:cNvSpPr>
+          <p:nvPr>
+            <p:ph idx="1"/>
+          </p:nvPr>
+        </p:nvSpPr>
+        <p:spPr/>
+        <p:txBody>
+          <a:bodyPr/>
+          <a:lstStyle/>
+          <a:p>
+            <a:r>
+              <a:rPr lang="en-US" dirty="0" err="1"/>
+              <a:t>在kafka的消费者API</a:t>
+            </a:r>
+            <a:r>
+              <a:rPr lang="en-US" dirty="0" err="1" smtClean="0"/>
+              <a:t>分为两种</a:t>
+            </a:r>
+            <a:endParaRPr lang="en-US" dirty="0" smtClean="0"/>
+          </a:p>
+          <a:p>
+            <a:pPr lvl="1"/>
+            <a:r>
+              <a:rPr lang="en-US" dirty="0" smtClean="0"/>
+              <a:t>(</a:t>
+            </a:r>
+            <a:r>
+              <a:rPr lang="en-US" dirty="0"/>
+              <a:t>1)High Level </a:t>
+            </a:r>
+            <a:r>
+              <a:rPr lang="en-US" dirty="0" err="1"/>
+              <a:t>Api：由zookeeper维护消费者的offset</a:t>
+            </a:r>
+            <a:r>
+              <a:rPr lang="en-US" dirty="0"/>
+              <a:t> </a:t>
+            </a:r>
+            <a:endParaRPr lang="en-US" dirty="0" smtClean="0"/>
+          </a:p>
+          <a:p>
+            <a:pPr lvl="1"/>
+            <a:r>
+              <a:rPr lang="en-US" dirty="0" smtClean="0"/>
+              <a:t>(</a:t>
+            </a:r>
+            <a:r>
+              <a:rPr lang="en-US" dirty="0"/>
+              <a:t>2) Low Level </a:t>
+            </a:r>
+            <a:r>
+              <a:rPr lang="en-US" dirty="0" err="1"/>
+              <a:t>API,自己的代码实现对offset的维护</a:t>
+            </a:r>
+            <a:r>
+              <a:rPr lang="en-US" dirty="0" smtClean="0"/>
+              <a:t>。</a:t>
+            </a:r>
+          </a:p>
+          <a:p>
+            <a:r>
+              <a:rPr lang="en-US" dirty="0" err="1" smtClean="0"/>
+              <a:t>由于自己维护</a:t>
+            </a:r>
+            <a:r>
+              <a:rPr lang="en-US" dirty="0" err="1"/>
+              <a:t>offset往往比较复杂，所以多数情况下都是使用High</a:t>
+            </a:r>
+            <a:r>
+              <a:rPr lang="en-US" dirty="0"/>
+              <a:t> </a:t>
+            </a:r>
+            <a:r>
+              <a:rPr lang="en-US" dirty="0" err="1"/>
+              <a:t>Level的APIoffset在zookeeper中的节点路径为</a:t>
+            </a:r>
+            <a:r>
+              <a:rPr lang="en-US" dirty="0"/>
+              <a:t>/consumers/[</a:t>
+            </a:r>
+            <a:r>
+              <a:rPr lang="en-US" dirty="0" err="1"/>
+              <a:t>group_id</a:t>
+            </a:r>
+            <a:r>
+              <a:rPr lang="en-US" dirty="0"/>
+              <a:t>]/offsets/[topic]/[</a:t>
+            </a:r>
+            <a:r>
+              <a:rPr lang="en-US" dirty="0" err="1"/>
+              <a:t>broker_id-part_id</a:t>
+            </a:r>
+            <a:r>
+              <a:rPr lang="en-US" dirty="0"/>
+              <a:t>],</a:t>
+            </a:r>
+            <a:r>
+              <a:rPr lang="en-US" dirty="0" err="1"/>
+              <a:t>该节点的值就是对应的</a:t>
+            </a:r>
+            <a:r>
+              <a:rPr lang="en-US" dirty="0" err="1" smtClean="0"/>
+              <a:t>offset</a:t>
+            </a:r>
+            <a:endParaRPr lang="en-US" dirty="0"/>
+          </a:p>
+        </p:txBody>
+      </p:sp>
+    </p:spTree>
+    <p:extLst>
+      <p:ext uri="{BB962C8B-B14F-4D97-AF65-F5344CB8AC3E}">
+        <p14:creationId xmlns:p14="http://schemas.microsoft.com/office/powerpoint/2010/main" val="894382703"/>
+      </p:ext>
+    </p:extLst>
+  </p:cSld>
+  <p:clrMapOvr>
+    <a:masterClrMapping/>
+  </p:clrMapOvr>
+</p:sld>
+</file>
+
+<file path=ppt/slides/slide24.xml><?xml version="1.0" encoding="utf-8"?>
+<p:sld xmlns:a="http://schemas.openxmlformats.org/drawingml/2006/main" xmlns:r="http://schemas.openxmlformats.org/officeDocument/2006/relationships" xmlns:p="http://schemas.openxmlformats.org/presentationml/2006/main">
+  <p:cSld>
+    <p:spTree>
+      <p:nvGrpSpPr>
+        <p:cNvPr id="1" name=""/>
+        <p:cNvGrpSpPr/>
+        <p:nvPr/>
+      </p:nvGrpSpPr>
+      <p:grpSpPr>
+        <a:xfrm>
+          <a:off x="0" y="0"/>
+          <a:ext cx="0" cy="0"/>
+          <a:chOff x="0" y="0"/>
+          <a:chExt cx="0" cy="0"/>
+        </a:xfrm>
+      </p:grpSpPr>
+      <p:sp>
+        <p:nvSpPr>
+          <p:cNvPr id="2" name="Title 1"/>
+          <p:cNvSpPr>
+            <a:spLocks noGrp="1"/>
+          </p:cNvSpPr>
+          <p:nvPr>
+            <p:ph type="title"/>
+          </p:nvPr>
+        </p:nvSpPr>
+        <p:spPr/>
+        <p:txBody>
+          <a:bodyPr/>
+          <a:lstStyle/>
+          <a:p>
+            <a:r>
+              <a:rPr lang="en-US" altLang="zh-CN" dirty="0" smtClean="0"/>
+              <a:t>Kafka</a:t>
+            </a:r>
+            <a:r>
+              <a:rPr lang="zh-CN" altLang="en-US" dirty="0" smtClean="0"/>
+              <a:t>的安装</a:t>
+            </a:r>
+            <a:endParaRPr lang="en-US" dirty="0"/>
+          </a:p>
+        </p:txBody>
+      </p:sp>
+      <p:sp>
+        <p:nvSpPr>
+          <p:cNvPr id="3" name="Content Placeholder 2"/>
+          <p:cNvSpPr>
+            <a:spLocks noGrp="1"/>
+          </p:cNvSpPr>
+          <p:nvPr>
+            <p:ph idx="1"/>
+          </p:nvPr>
+        </p:nvSpPr>
+        <p:spPr>
+          <a:xfrm>
+            <a:off x="838200" y="1825624"/>
+            <a:ext cx="10515600" cy="4803775"/>
+          </a:xfrm>
+        </p:spPr>
+        <p:txBody>
+          <a:bodyPr>
+            <a:normAutofit/>
+          </a:bodyPr>
+          <a:lstStyle/>
+          <a:p>
+            <a:r>
+              <a:rPr lang="en-US" altLang="zh-CN" dirty="0" smtClean="0"/>
+              <a:t>1.</a:t>
+            </a:r>
+            <a:r>
+              <a:rPr lang="zh-CN" altLang="en-US" dirty="0" smtClean="0"/>
+              <a:t> </a:t>
+            </a:r>
+            <a:r>
+              <a:rPr lang="en-US" altLang="zh-CN" dirty="0" smtClean="0"/>
+              <a:t>JDK</a:t>
+            </a:r>
+          </a:p>
+          <a:p>
+            <a:r>
+              <a:rPr lang="en-US" altLang="zh-CN" dirty="0" smtClean="0"/>
+              <a:t>2.</a:t>
+            </a:r>
+            <a:r>
+              <a:rPr lang="zh-CN" altLang="en-US" dirty="0" smtClean="0"/>
+              <a:t> </a:t>
+            </a:r>
+            <a:r>
+              <a:rPr lang="en-US" altLang="zh-CN" dirty="0" err="1" smtClean="0"/>
+              <a:t>ZooKeeper</a:t>
+            </a:r>
+            <a:endParaRPr lang="en-US" altLang="zh-CN" dirty="0" smtClean="0"/>
+          </a:p>
+          <a:p>
+            <a:pPr lvl="1"/>
+            <a:r>
+              <a:rPr lang="en-US" altLang="zh-CN" dirty="0" err="1" smtClean="0"/>
+              <a:t>wget</a:t>
+            </a:r>
+            <a:r>
+              <a:rPr lang="zh-CN" altLang="en-US" dirty="0" smtClean="0"/>
+              <a:t> </a:t>
+            </a:r>
+            <a:r>
+              <a:rPr lang="en-US" altLang="zh-CN" dirty="0" smtClean="0"/>
+              <a:t>https://apache.org/dist/zookeeper/stable/apache-zookeeper-3.5.5-bin.tar.gz</a:t>
+            </a:r>
+          </a:p>
+          <a:p>
+            <a:pPr lvl="1"/>
+            <a:r>
+              <a:rPr lang="en-US" altLang="zh-CN" dirty="0" smtClean="0"/>
+              <a:t>tar -</a:t>
+            </a:r>
+            <a:r>
+              <a:rPr lang="en-US" altLang="zh-CN" dirty="0" err="1" smtClean="0"/>
+              <a:t>zxf</a:t>
+            </a:r>
+            <a:r>
+              <a:rPr lang="en-US" altLang="zh-CN" dirty="0" smtClean="0"/>
+              <a:t> apache-zookeeper-3.5.5-bin.tar.gz</a:t>
+            </a:r>
+          </a:p>
+          <a:p>
+            <a:pPr lvl="1"/>
+            <a:r>
+              <a:rPr lang="en-US" altLang="zh-CN" dirty="0" err="1" smtClean="0"/>
+              <a:t>mkdir</a:t>
+            </a:r>
+            <a:r>
+              <a:rPr lang="en-US" altLang="zh-CN" dirty="0" smtClean="0"/>
+              <a:t> data</a:t>
+            </a:r>
+          </a:p>
+          <a:p>
+            <a:pPr lvl="1"/>
+            <a:r>
+              <a:rPr lang="en-US" altLang="zh-CN" dirty="0" err="1" smtClean="0"/>
+              <a:t>cp</a:t>
+            </a:r>
+            <a:r>
+              <a:rPr lang="en-US" altLang="zh-CN" dirty="0" smtClean="0"/>
+              <a:t> </a:t>
+            </a:r>
+            <a:r>
+              <a:rPr lang="en-US" altLang="zh-CN" dirty="0" err="1" smtClean="0"/>
+              <a:t>zoo_sample.cfg</a:t>
+            </a:r>
+            <a:r>
+              <a:rPr lang="en-US" altLang="zh-CN" dirty="0" smtClean="0"/>
+              <a:t> </a:t>
+            </a:r>
+            <a:r>
+              <a:rPr lang="en-US" altLang="zh-CN" dirty="0" err="1" smtClean="0"/>
+              <a:t>zoo.cfg</a:t>
+            </a:r>
+            <a:endParaRPr lang="en-US" altLang="zh-CN" dirty="0" smtClean="0"/>
+          </a:p>
+          <a:p>
+            <a:pPr lvl="1"/>
+            <a:r>
+              <a:rPr lang="en-US" altLang="zh-CN" dirty="0" smtClean="0"/>
+              <a:t>bin/</a:t>
+            </a:r>
+            <a:r>
+              <a:rPr lang="en-US" altLang="zh-CN" dirty="0" err="1" smtClean="0"/>
+              <a:t>zkServer.sh</a:t>
+            </a:r>
+            <a:r>
+              <a:rPr lang="en-US" altLang="zh-CN" dirty="0" smtClean="0"/>
+              <a:t> start</a:t>
+            </a:r>
+          </a:p>
+          <a:p>
+            <a:r>
+              <a:rPr lang="en-US" altLang="zh-CN" dirty="0" smtClean="0"/>
+              <a:t>3.</a:t>
+            </a:r>
+            <a:r>
+              <a:rPr lang="zh-CN" altLang="en-US" dirty="0" smtClean="0"/>
+              <a:t>  </a:t>
+            </a:r>
+            <a:r>
+              <a:rPr lang="en-US" altLang="zh-CN" dirty="0" smtClean="0"/>
+              <a:t>Kafka</a:t>
+            </a:r>
+          </a:p>
+          <a:p>
+            <a:pPr lvl="1"/>
+            <a:r>
+              <a:rPr lang="en-US" altLang="zh-CN" dirty="0" err="1" smtClean="0"/>
+              <a:t>wget</a:t>
+            </a:r>
+            <a:r>
+              <a:rPr lang="zh-CN" altLang="en-US" dirty="0" smtClean="0"/>
+              <a:t> </a:t>
+            </a:r>
+            <a:r>
+              <a:rPr lang="en-US" altLang="zh-CN" dirty="0" smtClean="0"/>
+              <a:t>http://mirror.bit.edu.cn/apache/kafka/2.2.1/kafka_2.11-2.2.1.tgz</a:t>
+            </a:r>
+          </a:p>
+          <a:p>
+            <a:pPr lvl="1"/>
+            <a:r>
+              <a:rPr lang="en-US" altLang="zh-CN" dirty="0" smtClean="0"/>
+              <a:t>tar</a:t>
+            </a:r>
+            <a:r>
+              <a:rPr lang="zh-CN" altLang="en-US" dirty="0" smtClean="0"/>
+              <a:t> </a:t>
+            </a:r>
+            <a:r>
+              <a:rPr lang="mr-IN" altLang="zh-CN" dirty="0" smtClean="0"/>
+              <a:t>–</a:t>
+            </a:r>
+            <a:r>
+              <a:rPr lang="en-US" altLang="zh-CN" dirty="0" err="1" smtClean="0"/>
+              <a:t>zxf</a:t>
+            </a:r>
+            <a:r>
+              <a:rPr lang="zh-CN" altLang="en-US" dirty="0" smtClean="0"/>
+              <a:t> </a:t>
+            </a:r>
+            <a:r>
+              <a:rPr lang="en-US" altLang="zh-CN" dirty="0" smtClean="0"/>
+              <a:t>kafka_2.11-2.2.1.tgz</a:t>
+            </a:r>
+          </a:p>
+          <a:p>
+            <a:pPr lvl="1"/>
+            <a:r>
+              <a:rPr lang="en-US" dirty="0" smtClean="0"/>
+              <a:t>bin/</a:t>
+            </a:r>
+            <a:r>
+              <a:rPr lang="en-US" dirty="0" err="1" smtClean="0"/>
+              <a:t>kafka</a:t>
+            </a:r>
+            <a:r>
+              <a:rPr lang="en-US" dirty="0" smtClean="0"/>
+              <a:t>-server-</a:t>
+            </a:r>
+            <a:r>
+              <a:rPr lang="en-US" dirty="0" err="1" smtClean="0"/>
+              <a:t>start.sh</a:t>
+            </a:r>
+            <a:r>
+              <a:rPr lang="en-US" dirty="0" smtClean="0"/>
+              <a:t> </a:t>
+            </a:r>
+            <a:r>
+              <a:rPr lang="en-US" dirty="0" err="1" smtClean="0"/>
+              <a:t>config</a:t>
+            </a:r>
+            <a:r>
+              <a:rPr lang="en-US" dirty="0" smtClean="0"/>
+              <a:t>/</a:t>
+            </a:r>
+            <a:r>
+              <a:rPr lang="en-US" dirty="0" err="1" smtClean="0"/>
+              <a:t>server.properties</a:t>
+            </a:r>
+            <a:endParaRPr lang="en-US" altLang="zh-CN" dirty="0" smtClean="0"/>
+          </a:p>
+          <a:p>
+            <a:pPr lvl="1"/>
+            <a:endParaRPr lang="en-US" altLang="zh-CN" dirty="0" smtClean="0"/>
+          </a:p>
+          <a:p>
+            <a:pPr lvl="1"/>
+            <a:endParaRPr lang="en-US" dirty="0"/>
+          </a:p>
+        </p:txBody>
+      </p:sp>
+    </p:spTree>
+    <p:extLst>
+      <p:ext uri="{BB962C8B-B14F-4D97-AF65-F5344CB8AC3E}">
+        <p14:creationId xmlns:p14="http://schemas.microsoft.com/office/powerpoint/2010/main" val="454877621"/>
+      </p:ext>
+    </p:extLst>
+  </p:cSld>
+  <p:clrMapOvr>
+    <a:masterClrMapping/>
+  </p:clrMapOvr>
+</p:sld>
+</file>
+
+<file path=ppt/slides/slide25.xml><?xml version="1.0" encoding="utf-8"?>
+<p:sld xmlns:a="http://schemas.openxmlformats.org/drawingml/2006/main" xmlns:r="http://schemas.openxmlformats.org/officeDocument/2006/relationships" xmlns:p="http://schemas.openxmlformats.org/presentationml/2006/main">
+  <p:cSld>
+    <p:spTree>
+      <p:nvGrpSpPr>
+        <p:cNvPr id="1" name=""/>
+        <p:cNvGrpSpPr/>
+        <p:nvPr/>
+      </p:nvGrpSpPr>
+      <p:grpSpPr>
+        <a:xfrm>
+          <a:off x="0" y="0"/>
+          <a:ext cx="0" cy="0"/>
+          <a:chOff x="0" y="0"/>
+          <a:chExt cx="0" cy="0"/>
+        </a:xfrm>
+      </p:grpSpPr>
+      <p:sp>
+        <p:nvSpPr>
+          <p:cNvPr id="2" name="Title 1"/>
+          <p:cNvSpPr>
+            <a:spLocks noGrp="1"/>
+          </p:cNvSpPr>
+          <p:nvPr>
+            <p:ph type="title"/>
+          </p:nvPr>
+        </p:nvSpPr>
+        <p:spPr/>
+        <p:txBody>
+          <a:bodyPr/>
+          <a:lstStyle/>
+          <a:p>
+            <a:r>
+              <a:rPr lang="en-US" altLang="zh-CN" dirty="0" err="1" smtClean="0"/>
+              <a:t>kafka</a:t>
+            </a:r>
+            <a:r>
+              <a:rPr lang="zh-CN" altLang="en-US" dirty="0" smtClean="0"/>
+              <a:t>的基本操作</a:t>
+            </a:r>
+            <a:endParaRPr lang="en-US" dirty="0"/>
+          </a:p>
+        </p:txBody>
+      </p:sp>
+      <p:sp>
+        <p:nvSpPr>
+          <p:cNvPr id="3" name="Content Placeholder 2"/>
+          <p:cNvSpPr>
+            <a:spLocks noGrp="1"/>
+          </p:cNvSpPr>
+          <p:nvPr>
+            <p:ph idx="1"/>
+          </p:nvPr>
+        </p:nvSpPr>
+        <p:spPr>
+          <a:xfrm>
+            <a:off x="838200" y="1825624"/>
+            <a:ext cx="10515600" cy="4803775"/>
+          </a:xfrm>
+        </p:spPr>
+        <p:txBody>
+          <a:bodyPr>
+            <a:normAutofit/>
+          </a:bodyPr>
+          <a:lstStyle/>
+          <a:p>
+            <a:r>
+              <a:rPr lang="zh-CN" altLang="en-US" dirty="0" smtClean="0"/>
+              <a:t>创建一个</a:t>
+            </a:r>
+            <a:r>
+              <a:rPr lang="en-US" altLang="zh-CN" dirty="0" smtClean="0"/>
+              <a:t>topic</a:t>
+            </a:r>
+          </a:p>
+          <a:p>
+            <a:pPr lvl="1"/>
+            <a:r>
+              <a:rPr lang="en-US" dirty="0" smtClean="0"/>
+              <a:t>./</a:t>
+            </a:r>
+            <a:r>
+              <a:rPr lang="en-US" dirty="0" err="1" smtClean="0"/>
+              <a:t>kafka-topics.sh</a:t>
+            </a:r>
+            <a:r>
+              <a:rPr lang="en-US" dirty="0" smtClean="0"/>
+              <a:t> --create --zookeeper localhost:2181 --replication-factor 1 --partitions 1 --topic topic-name-</a:t>
+            </a:r>
+            <a:r>
+              <a:rPr lang="en-US" dirty="0" err="1" smtClean="0"/>
+              <a:t>newit</a:t>
+            </a:r>
+            <a:endParaRPr lang="en-US" dirty="0" smtClean="0"/>
+          </a:p>
+          <a:p>
+            <a:r>
+              <a:rPr lang="zh-CN" altLang="en-US" dirty="0" smtClean="0"/>
+              <a:t>获取</a:t>
+            </a:r>
+            <a:r>
+              <a:rPr lang="en-US" altLang="zh-CN" dirty="0" smtClean="0"/>
+              <a:t>topic</a:t>
+            </a:r>
+            <a:r>
+              <a:rPr lang="zh-CN" altLang="en-US" dirty="0" smtClean="0"/>
+              <a:t>列表</a:t>
+            </a:r>
+            <a:endParaRPr lang="en-US" altLang="zh-CN" dirty="0" smtClean="0"/>
+          </a:p>
+          <a:p>
+            <a:pPr lvl="1"/>
+            <a:r>
+              <a:rPr lang="en-US" dirty="0" smtClean="0"/>
+              <a:t>./</a:t>
+            </a:r>
+            <a:r>
+              <a:rPr lang="en-US" dirty="0" err="1" smtClean="0"/>
+              <a:t>kafka-topics.sh</a:t>
+            </a:r>
+            <a:r>
+              <a:rPr lang="en-US" dirty="0" smtClean="0"/>
+              <a:t> --list --zookeeper localhost:2181</a:t>
+            </a:r>
+          </a:p>
+          <a:p>
+            <a:r>
+              <a:rPr lang="zh-CN" altLang="en-US" dirty="0" smtClean="0"/>
+              <a:t>启动生产者发送消息</a:t>
+            </a:r>
+            <a:endParaRPr lang="en-US" altLang="zh-CN" dirty="0" smtClean="0"/>
+          </a:p>
+          <a:p>
+            <a:pPr lvl="1"/>
+            <a:r>
+              <a:rPr lang="en-US" dirty="0" smtClean="0"/>
+              <a:t>./</a:t>
+            </a:r>
+            <a:r>
+              <a:rPr lang="en-US" dirty="0" err="1" smtClean="0"/>
+              <a:t>kafka</a:t>
+            </a:r>
+            <a:r>
+              <a:rPr lang="en-US" dirty="0" smtClean="0"/>
+              <a:t>-console-</a:t>
+            </a:r>
+            <a:r>
+              <a:rPr lang="en-US" dirty="0" err="1" smtClean="0"/>
+              <a:t>producer.sh</a:t>
+            </a:r>
+            <a:r>
+              <a:rPr lang="en-US" dirty="0" smtClean="0"/>
+              <a:t> --broker-list localhost:9092 --topic topic-name-</a:t>
+            </a:r>
+            <a:r>
+              <a:rPr lang="en-US" dirty="0" err="1" smtClean="0"/>
+              <a:t>newit</a:t>
+            </a:r>
+            <a:endParaRPr lang="en-US" dirty="0" smtClean="0"/>
+          </a:p>
+          <a:p>
+            <a:r>
+              <a:rPr lang="zh-CN" altLang="en-US" dirty="0" smtClean="0"/>
+              <a:t>启动消费者以接收消息</a:t>
+            </a:r>
+            <a:endParaRPr lang="en-US" altLang="zh-CN" dirty="0" smtClean="0"/>
+          </a:p>
+          <a:p>
+            <a:pPr lvl="1"/>
+            <a:r>
+              <a:rPr lang="en-US" altLang="zh-CN" dirty="0" smtClean="0"/>
+              <a:t>./</a:t>
+            </a:r>
+            <a:r>
+              <a:rPr lang="en-US" altLang="zh-CN" dirty="0" err="1" smtClean="0"/>
+              <a:t>kafka</a:t>
+            </a:r>
+            <a:r>
+              <a:rPr lang="en-US" altLang="zh-CN" dirty="0" smtClean="0"/>
+              <a:t>-console-</a:t>
+            </a:r>
+            <a:r>
+              <a:rPr lang="en-US" altLang="zh-CN" dirty="0" err="1" smtClean="0"/>
+              <a:t>consumer.sh</a:t>
+            </a:r>
+            <a:r>
+              <a:rPr lang="en-US" altLang="zh-CN" dirty="0" smtClean="0"/>
+              <a:t> --bootstrap-server localhost:9092 --topic topic-name-</a:t>
+            </a:r>
+            <a:r>
+              <a:rPr lang="en-US" altLang="zh-CN" dirty="0" err="1" smtClean="0"/>
+              <a:t>newit</a:t>
+            </a:r>
+            <a:r>
+              <a:rPr lang="en-US" altLang="zh-CN" dirty="0" smtClean="0"/>
+              <a:t>  --from-beginning</a:t>
+            </a:r>
+            <a:endParaRPr lang="zh-CN" altLang="en-US" dirty="0" smtClean="0"/>
+          </a:p>
+          <a:p>
+            <a:pPr lvl="1"/>
+            <a:endParaRPr lang="en-US" dirty="0" smtClean="0"/>
+          </a:p>
+        </p:txBody>
+      </p:sp>
+    </p:spTree>
+    <p:extLst>
+      <p:ext uri="{BB962C8B-B14F-4D97-AF65-F5344CB8AC3E}">
+        <p14:creationId xmlns:p14="http://schemas.microsoft.com/office/powerpoint/2010/main" val="2137945803"/>
+      </p:ext>
+    </p:extLst>
+  </p:cSld>
+  <p:clrMapOvr>
+    <a:masterClrMapping/>
+  </p:clrMapOvr>
+</p:sld>
+</file>
+
+<file path=ppt/slides/slide26.xml><?xml version="1.0" encoding="utf-8"?>
+<p:sld xmlns:a="http://schemas.openxmlformats.org/drawingml/2006/main" xmlns:r="http://schemas.openxmlformats.org/officeDocument/2006/relationships" xmlns:p="http://schemas.openxmlformats.org/presentationml/2006/main">
+  <p:cSld>
+    <p:spTree>
+      <p:nvGrpSpPr>
+        <p:cNvPr id="1" name=""/>
+        <p:cNvGrpSpPr/>
+        <p:nvPr/>
+      </p:nvGrpSpPr>
+      <p:grpSpPr>
+        <a:xfrm>
+          <a:off x="0" y="0"/>
+          <a:ext cx="0" cy="0"/>
+          <a:chOff x="0" y="0"/>
+          <a:chExt cx="0" cy="0"/>
+        </a:xfrm>
+      </p:grpSpPr>
+      <p:sp>
+        <p:nvSpPr>
+          <p:cNvPr id="2" name="Title 1"/>
+          <p:cNvSpPr>
+            <a:spLocks noGrp="1"/>
+          </p:cNvSpPr>
+          <p:nvPr>
+            <p:ph type="title"/>
+          </p:nvPr>
+        </p:nvSpPr>
+        <p:spPr/>
+        <p:txBody>
+          <a:bodyPr/>
+          <a:lstStyle/>
+          <a:p>
+            <a:r>
               <a:rPr lang="zh-CN" altLang="en-US" dirty="0" smtClean="0"/>
               <a:t>设置</a:t>
             </a:r>
@@ -5941,7 +7821,7 @@
         </p:spPr>
         <p:txBody>
           <a:bodyPr>
-            <a:normAutofit fontScale="85000" lnSpcReduction="20000"/>
+            <a:normAutofit/>
           </a:bodyPr>
           <a:lstStyle/>
           <a:p>
@@ -6237,7 +8117,7 @@
 </p:sld>
 </file>
 
-<file path=ppt/slides/slide21.xml><?xml version="1.0" encoding="utf-8"?>
+<file path=ppt/slides/slide27.xml><?xml version="1.0" encoding="utf-8"?>
 <p:sld xmlns:a="http://schemas.openxmlformats.org/drawingml/2006/main" xmlns:r="http://schemas.openxmlformats.org/officeDocument/2006/relationships" xmlns:p="http://schemas.openxmlformats.org/presentationml/2006/main">
   <p:cSld>
     <p:spTree>
@@ -6418,7 +8298,7 @@
 </p:sld>
 </file>
 
-<file path=ppt/slides/slide22.xml><?xml version="1.0" encoding="utf-8"?>
+<file path=ppt/slides/slide28.xml><?xml version="1.0" encoding="utf-8"?>
 <p:sld xmlns:a="http://schemas.openxmlformats.org/drawingml/2006/main" xmlns:r="http://schemas.openxmlformats.org/officeDocument/2006/relationships" xmlns:p="http://schemas.openxmlformats.org/presentationml/2006/main">
   <p:cSld>
     <p:spTree>
@@ -6554,7 +8434,7 @@
 </p:sld>
 </file>
 
-<file path=ppt/slides/slide23.xml><?xml version="1.0" encoding="utf-8"?>
+<file path=ppt/slides/slide29.xml><?xml version="1.0" encoding="utf-8"?>
 <p:sld xmlns:a="http://schemas.openxmlformats.org/drawingml/2006/main" xmlns:r="http://schemas.openxmlformats.org/officeDocument/2006/relationships" xmlns:p="http://schemas.openxmlformats.org/presentationml/2006/main">
   <p:cSld>
     <p:spTree>
@@ -6689,7 +8569,286 @@
 </p:sld>
 </file>
 
-<file path=ppt/slides/slide24.xml><?xml version="1.0" encoding="utf-8"?>
+<file path=ppt/slides/slide3.xml><?xml version="1.0" encoding="utf-8"?>
+<p:sld xmlns:a="http://schemas.openxmlformats.org/drawingml/2006/main" xmlns:r="http://schemas.openxmlformats.org/officeDocument/2006/relationships" xmlns:p="http://schemas.openxmlformats.org/presentationml/2006/main">
+  <p:cSld>
+    <p:spTree>
+      <p:nvGrpSpPr>
+        <p:cNvPr id="1" name=""/>
+        <p:cNvGrpSpPr/>
+        <p:nvPr/>
+      </p:nvGrpSpPr>
+      <p:grpSpPr>
+        <a:xfrm>
+          <a:off x="0" y="0"/>
+          <a:ext cx="0" cy="0"/>
+          <a:chOff x="0" y="0"/>
+          <a:chExt cx="0" cy="0"/>
+        </a:xfrm>
+      </p:grpSpPr>
+      <p:sp>
+        <p:nvSpPr>
+          <p:cNvPr id="2" name="Title 1"/>
+          <p:cNvSpPr>
+            <a:spLocks noGrp="1"/>
+          </p:cNvSpPr>
+          <p:nvPr>
+            <p:ph type="title"/>
+          </p:nvPr>
+        </p:nvSpPr>
+        <p:spPr/>
+        <p:txBody>
+          <a:bodyPr/>
+          <a:lstStyle/>
+          <a:p>
+            <a:r>
+              <a:rPr lang="zh-CN" altLang="en-US" b="1" dirty="0"/>
+              <a:t>什么是消息</a:t>
+            </a:r>
+            <a:r>
+              <a:rPr lang="zh-CN" altLang="en-US" b="1" dirty="0" smtClean="0"/>
+              <a:t>系统</a:t>
+            </a:r>
+            <a:endParaRPr lang="en-US" dirty="0"/>
+          </a:p>
+        </p:txBody>
+      </p:sp>
+      <p:sp>
+        <p:nvSpPr>
+          <p:cNvPr id="3" name="Content Placeholder 2"/>
+          <p:cNvSpPr>
+            <a:spLocks noGrp="1"/>
+          </p:cNvSpPr>
+          <p:nvPr>
+            <p:ph idx="1"/>
+          </p:nvPr>
+        </p:nvSpPr>
+        <p:spPr/>
+        <p:txBody>
+          <a:bodyPr/>
+          <a:lstStyle/>
+          <a:p>
+            <a:r>
+              <a:rPr lang="zh-CN" altLang="en-US" dirty="0"/>
+              <a:t>消息系统负责将数据从一个应用程序传输到另一个应用程序，因此应用程序可以专注于数据，但不担心如何共享它。 分布式消息传递基于可靠消息队列的概念。 消息在客户端应用程序和消息传递系统之间异步排队。 有两种类型的消息模式可用 </a:t>
+            </a:r>
+            <a:r>
+              <a:rPr lang="en-US" altLang="zh-CN" dirty="0"/>
+              <a:t>- </a:t>
+            </a:r>
+            <a:r>
+              <a:rPr lang="zh-CN" altLang="en-US" dirty="0"/>
+              <a:t>一种是点对点，另一种是发布 </a:t>
+            </a:r>
+            <a:r>
+              <a:rPr lang="en-US" altLang="zh-CN" dirty="0"/>
+              <a:t>- </a:t>
+            </a:r>
+            <a:r>
+              <a:rPr lang="zh-CN" altLang="en-US" dirty="0"/>
+              <a:t>订阅</a:t>
+            </a:r>
+            <a:r>
+              <a:rPr lang="en-US" altLang="zh-CN" dirty="0"/>
+              <a:t>(pub-sub)</a:t>
+            </a:r>
+            <a:r>
+              <a:rPr lang="zh-CN" altLang="en-US" dirty="0"/>
+              <a:t>消息系统。 大多数消息模式遵循</a:t>
+            </a:r>
+            <a:r>
+              <a:rPr lang="zh-CN" altLang="en-US" b="1" dirty="0"/>
+              <a:t> </a:t>
+            </a:r>
+            <a:r>
+              <a:rPr lang="en-US" altLang="zh-CN" b="1" dirty="0"/>
+              <a:t>pub-sub </a:t>
+            </a:r>
+            <a:r>
+              <a:rPr lang="zh-CN" altLang="en-US" dirty="0" smtClean="0"/>
+              <a:t>。</a:t>
+            </a:r>
+            <a:endParaRPr lang="zh-CN" altLang="en-US" dirty="0"/>
+          </a:p>
+        </p:txBody>
+      </p:sp>
+    </p:spTree>
+    <p:extLst>
+      <p:ext uri="{BB962C8B-B14F-4D97-AF65-F5344CB8AC3E}">
+        <p14:creationId xmlns:p14="http://schemas.microsoft.com/office/powerpoint/2010/main" val="376157335"/>
+      </p:ext>
+    </p:extLst>
+  </p:cSld>
+  <p:clrMapOvr>
+    <a:masterClrMapping/>
+  </p:clrMapOvr>
+</p:sld>
+</file>
+
+<file path=ppt/slides/slide30.xml><?xml version="1.0" encoding="utf-8"?>
+<p:sld xmlns:a="http://schemas.openxmlformats.org/drawingml/2006/main" xmlns:r="http://schemas.openxmlformats.org/officeDocument/2006/relationships" xmlns:p="http://schemas.openxmlformats.org/presentationml/2006/main">
+  <p:cSld>
+    <p:spTree>
+      <p:nvGrpSpPr>
+        <p:cNvPr id="1" name=""/>
+        <p:cNvGrpSpPr/>
+        <p:nvPr/>
+      </p:nvGrpSpPr>
+      <p:grpSpPr>
+        <a:xfrm>
+          <a:off x="0" y="0"/>
+          <a:ext cx="0" cy="0"/>
+          <a:chOff x="0" y="0"/>
+          <a:chExt cx="0" cy="0"/>
+        </a:xfrm>
+      </p:grpSpPr>
+      <p:sp>
+        <p:nvSpPr>
+          <p:cNvPr id="2" name="Title 1"/>
+          <p:cNvSpPr>
+            <a:spLocks noGrp="1"/>
+          </p:cNvSpPr>
+          <p:nvPr>
+            <p:ph type="title"/>
+          </p:nvPr>
+        </p:nvSpPr>
+        <p:spPr/>
+        <p:txBody>
+          <a:bodyPr/>
+          <a:lstStyle/>
+          <a:p>
+            <a:r>
+              <a:rPr lang="en-US" altLang="zh-CN" dirty="0" err="1" smtClean="0"/>
+              <a:t>Springboot</a:t>
+            </a:r>
+            <a:r>
+              <a:rPr lang="zh-CN" altLang="en-US" dirty="0" smtClean="0"/>
+              <a:t>集成</a:t>
+            </a:r>
+            <a:r>
+              <a:rPr lang="en-US" altLang="zh-CN" dirty="0" err="1" smtClean="0"/>
+              <a:t>kafka</a:t>
+            </a:r>
+            <a:endParaRPr lang="en-US" dirty="0"/>
+          </a:p>
+        </p:txBody>
+      </p:sp>
+      <p:sp>
+        <p:nvSpPr>
+          <p:cNvPr id="3" name="Content Placeholder 2"/>
+          <p:cNvSpPr>
+            <a:spLocks noGrp="1"/>
+          </p:cNvSpPr>
+          <p:nvPr>
+            <p:ph idx="1"/>
+          </p:nvPr>
+        </p:nvSpPr>
+        <p:spPr/>
+        <p:txBody>
+          <a:bodyPr/>
+          <a:lstStyle/>
+          <a:p>
+            <a:r>
+              <a:rPr lang="zh-CN" altLang="en-US" dirty="0" smtClean="0"/>
+              <a:t>引入依赖</a:t>
+            </a:r>
+            <a:endParaRPr lang="en-US" altLang="zh-CN" dirty="0" smtClean="0"/>
+          </a:p>
+          <a:p>
+            <a:r>
+              <a:rPr lang="en-US" dirty="0"/>
+              <a:t>&lt;dependency&gt;</a:t>
+            </a:r>
+            <a:br>
+              <a:rPr lang="en-US" dirty="0"/>
+            </a:br>
+            <a:r>
+              <a:rPr lang="en-US" dirty="0"/>
+              <a:t>  &lt;</a:t>
+            </a:r>
+            <a:r>
+              <a:rPr lang="en-US" dirty="0" err="1"/>
+              <a:t>groupId</a:t>
+            </a:r>
+            <a:r>
+              <a:rPr lang="en-US" dirty="0"/>
+              <a:t>&gt;</a:t>
+            </a:r>
+            <a:r>
+              <a:rPr lang="en-US" dirty="0" err="1" smtClean="0"/>
+              <a:t>org.springframework.kafka</a:t>
+            </a:r>
+            <a:r>
+              <a:rPr lang="en-US" dirty="0"/>
+              <a:t>&lt;/</a:t>
+            </a:r>
+            <a:r>
+              <a:rPr lang="en-US" dirty="0" err="1"/>
+              <a:t>groupId</a:t>
+            </a:r>
+            <a:r>
+              <a:rPr lang="en-US" dirty="0"/>
+              <a:t>&gt;</a:t>
+            </a:r>
+            <a:br>
+              <a:rPr lang="en-US" dirty="0"/>
+            </a:br>
+            <a:r>
+              <a:rPr lang="en-US" dirty="0"/>
+              <a:t>  &lt;</a:t>
+            </a:r>
+            <a:r>
+              <a:rPr lang="en-US" dirty="0" err="1"/>
+              <a:t>artifactId</a:t>
+            </a:r>
+            <a:r>
+              <a:rPr lang="en-US" dirty="0"/>
+              <a:t>&gt;</a:t>
+            </a:r>
+            <a:r>
+              <a:rPr lang="en-US" dirty="0" smtClean="0"/>
+              <a:t>spring-</a:t>
+            </a:r>
+            <a:r>
+              <a:rPr lang="en-US" dirty="0" err="1" smtClean="0"/>
+              <a:t>kafka</a:t>
+            </a:r>
+            <a:r>
+              <a:rPr lang="en-US" dirty="0"/>
+              <a:t>&lt;/</a:t>
+            </a:r>
+            <a:r>
+              <a:rPr lang="en-US" dirty="0" err="1"/>
+              <a:t>artifactId</a:t>
+            </a:r>
+            <a:r>
+              <a:rPr lang="en-US" dirty="0"/>
+              <a:t>&gt;</a:t>
+            </a:r>
+            <a:br>
+              <a:rPr lang="en-US" dirty="0"/>
+            </a:br>
+            <a:r>
+              <a:rPr lang="en-US" dirty="0"/>
+              <a:t>&lt;/dependency&gt;</a:t>
+            </a:r>
+          </a:p>
+        </p:txBody>
+      </p:sp>
+    </p:spTree>
+    <p:extLst>
+      <p:ext uri="{BB962C8B-B14F-4D97-AF65-F5344CB8AC3E}">
+        <p14:creationId xmlns:p14="http://schemas.microsoft.com/office/powerpoint/2010/main" val="636783163"/>
+      </p:ext>
+    </p:extLst>
+  </p:cSld>
+  <p:clrMapOvr>
+    <a:masterClrMapping/>
+  </p:clrMapOvr>
+</p:sld>
+</file>
+
+<file path=ppt/slides/slide31.xml><?xml version="1.0" encoding="utf-8"?>
 <p:sld xmlns:a="http://schemas.openxmlformats.org/drawingml/2006/main" xmlns:r="http://schemas.openxmlformats.org/officeDocument/2006/relationships" xmlns:p="http://schemas.openxmlformats.org/presentationml/2006/main">
   <p:cSld>
     <p:spTree>
@@ -6785,7 +8944,7 @@
 </p:sld>
 </file>
 
-<file path=ppt/slides/slide25.xml><?xml version="1.0" encoding="utf-8"?>
+<file path=ppt/slides/slide32.xml><?xml version="1.0" encoding="utf-8"?>
 <p:sld xmlns:a="http://schemas.openxmlformats.org/drawingml/2006/main" xmlns:r="http://schemas.openxmlformats.org/officeDocument/2006/relationships" xmlns:p="http://schemas.openxmlformats.org/presentationml/2006/main">
   <p:cSld>
     <p:spTree>
@@ -6885,7 +9044,7 @@
 </p:sld>
 </file>
 
-<file path=ppt/slides/slide26.xml><?xml version="1.0" encoding="utf-8"?>
+<file path=ppt/slides/slide33.xml><?xml version="1.0" encoding="utf-8"?>
 <p:sld xmlns:a="http://schemas.openxmlformats.org/drawingml/2006/main" xmlns:r="http://schemas.openxmlformats.org/officeDocument/2006/relationships" xmlns:p="http://schemas.openxmlformats.org/presentationml/2006/main">
   <p:cSld>
     <p:spTree>
@@ -6985,7 +9144,7 @@
 </p:sld>
 </file>
 
-<file path=ppt/slides/slide27.xml><?xml version="1.0" encoding="utf-8"?>
+<file path=ppt/slides/slide34.xml><?xml version="1.0" encoding="utf-8"?>
 <p:sld xmlns:a="http://schemas.openxmlformats.org/drawingml/2006/main" xmlns:r="http://schemas.openxmlformats.org/officeDocument/2006/relationships" xmlns:p="http://schemas.openxmlformats.org/presentationml/2006/main">
   <p:cSld>
     <p:spTree>
@@ -7018,243 +9177,65 @@
           <a:lstStyle/>
           <a:p>
             <a:r>
-              <a:rPr lang="en-US" altLang="zh-CN" dirty="0" err="1" smtClean="0"/>
-              <a:t>Springboot</a:t>
-            </a:r>
-            <a:r>
               <a:rPr lang="zh-CN" altLang="en-US" dirty="0" smtClean="0"/>
-              <a:t>集成</a:t>
+              <a:t>上机实践</a:t>
+            </a:r>
+            <a:endParaRPr lang="en-US" dirty="0"/>
+          </a:p>
+        </p:txBody>
+      </p:sp>
+      <p:sp>
+        <p:nvSpPr>
+          <p:cNvPr id="3" name="Content Placeholder 2"/>
+          <p:cNvSpPr>
+            <a:spLocks noGrp="1"/>
+          </p:cNvSpPr>
+          <p:nvPr>
+            <p:ph idx="1"/>
+          </p:nvPr>
+        </p:nvSpPr>
+        <p:spPr/>
+        <p:txBody>
+          <a:bodyPr/>
+          <a:lstStyle/>
+          <a:p>
+            <a:r>
+              <a:rPr lang="zh-CN" altLang="en-US" dirty="0" smtClean="0"/>
+              <a:t>每次访问商品详情页，发送一条</a:t>
             </a:r>
             <a:r>
               <a:rPr lang="en-US" altLang="zh-CN" dirty="0" err="1" smtClean="0"/>
               <a:t>kafka</a:t>
             </a:r>
+            <a:r>
+              <a:rPr lang="zh-CN" altLang="en-US" dirty="0" smtClean="0"/>
+              <a:t>消息</a:t>
+            </a:r>
+            <a:endParaRPr lang="en-US" altLang="zh-CN" dirty="0" smtClean="0"/>
+          </a:p>
+          <a:p>
+            <a:r>
+              <a:rPr lang="zh-CN" altLang="en-US" dirty="0" smtClean="0"/>
+              <a:t>商品中心订阅这条消息，给商品浏览数</a:t>
+            </a:r>
+            <a:r>
+              <a:rPr lang="en-US" altLang="zh-CN" dirty="0" smtClean="0"/>
+              <a:t>+1</a:t>
+            </a:r>
+          </a:p>
+          <a:p>
+            <a:r>
+              <a:rPr lang="zh-CN" altLang="en-US" dirty="0" smtClean="0"/>
+              <a:t>用户中心同时订阅这条消息，增加一条用户访问记录</a:t>
+            </a:r>
             <a:endParaRPr lang="en-US" dirty="0"/>
-          </a:p>
-        </p:txBody>
-      </p:sp>
-      <p:sp>
-        <p:nvSpPr>
-          <p:cNvPr id="3" name="Content Placeholder 2"/>
-          <p:cNvSpPr>
-            <a:spLocks noGrp="1"/>
-          </p:cNvSpPr>
-          <p:nvPr>
-            <p:ph idx="1"/>
-          </p:nvPr>
-        </p:nvSpPr>
-        <p:spPr/>
-        <p:txBody>
-          <a:bodyPr/>
-          <a:lstStyle/>
-          <a:p>
-            <a:r>
-              <a:rPr lang="zh-CN" altLang="en-US" dirty="0" smtClean="0"/>
-              <a:t>引入依赖</a:t>
-            </a:r>
-            <a:endParaRPr lang="en-US" altLang="zh-CN" dirty="0" smtClean="0"/>
-          </a:p>
-          <a:p>
-            <a:r>
-              <a:rPr lang="en-US" dirty="0"/>
-              <a:t>&lt;dependency&gt;</a:t>
-            </a:r>
-            <a:br>
-              <a:rPr lang="en-US" dirty="0"/>
-            </a:br>
-            <a:r>
-              <a:rPr lang="en-US" dirty="0"/>
-              <a:t>  &lt;</a:t>
-            </a:r>
-            <a:r>
-              <a:rPr lang="en-US" dirty="0" err="1"/>
-              <a:t>groupId</a:t>
-            </a:r>
-            <a:r>
-              <a:rPr lang="en-US" dirty="0"/>
-              <a:t>&gt;</a:t>
-            </a:r>
-            <a:r>
-              <a:rPr lang="en-US" dirty="0" err="1" smtClean="0"/>
-              <a:t>org.springframework.kafka</a:t>
-            </a:r>
-            <a:r>
-              <a:rPr lang="en-US" dirty="0"/>
-              <a:t>&lt;/</a:t>
-            </a:r>
-            <a:r>
-              <a:rPr lang="en-US" dirty="0" err="1"/>
-              <a:t>groupId</a:t>
-            </a:r>
-            <a:r>
-              <a:rPr lang="en-US" dirty="0"/>
-              <a:t>&gt;</a:t>
-            </a:r>
-            <a:br>
-              <a:rPr lang="en-US" dirty="0"/>
-            </a:br>
-            <a:r>
-              <a:rPr lang="en-US" dirty="0"/>
-              <a:t>  &lt;</a:t>
-            </a:r>
-            <a:r>
-              <a:rPr lang="en-US" dirty="0" err="1"/>
-              <a:t>artifactId</a:t>
-            </a:r>
-            <a:r>
-              <a:rPr lang="en-US" dirty="0"/>
-              <a:t>&gt;</a:t>
-            </a:r>
-            <a:r>
-              <a:rPr lang="en-US" dirty="0" smtClean="0"/>
-              <a:t>spring-</a:t>
-            </a:r>
-            <a:r>
-              <a:rPr lang="en-US" dirty="0" err="1" smtClean="0"/>
-              <a:t>kafka</a:t>
-            </a:r>
-            <a:r>
-              <a:rPr lang="en-US" dirty="0"/>
-              <a:t>&lt;/</a:t>
-            </a:r>
-            <a:r>
-              <a:rPr lang="en-US" dirty="0" err="1"/>
-              <a:t>artifactId</a:t>
-            </a:r>
-            <a:r>
-              <a:rPr lang="en-US" dirty="0"/>
-              <a:t>&gt;</a:t>
-            </a:r>
-            <a:br>
-              <a:rPr lang="en-US" dirty="0"/>
-            </a:br>
-            <a:r>
-              <a:rPr lang="en-US" dirty="0"/>
-              <a:t>&lt;/dependency&gt;</a:t>
-            </a:r>
           </a:p>
         </p:txBody>
       </p:sp>
     </p:spTree>
     <p:extLst>
       <p:ext uri="{BB962C8B-B14F-4D97-AF65-F5344CB8AC3E}">
-        <p14:creationId xmlns:p14="http://schemas.microsoft.com/office/powerpoint/2010/main" val="1462218651"/>
-      </p:ext>
-    </p:extLst>
-  </p:cSld>
-  <p:clrMapOvr>
-    <a:masterClrMapping/>
-  </p:clrMapOvr>
-</p:sld>
-</file>
-
-<file path=ppt/slides/slide3.xml><?xml version="1.0" encoding="utf-8"?>
-<p:sld xmlns:a="http://schemas.openxmlformats.org/drawingml/2006/main" xmlns:r="http://schemas.openxmlformats.org/officeDocument/2006/relationships" xmlns:p="http://schemas.openxmlformats.org/presentationml/2006/main">
-  <p:cSld>
-    <p:spTree>
-      <p:nvGrpSpPr>
-        <p:cNvPr id="1" name=""/>
-        <p:cNvGrpSpPr/>
-        <p:nvPr/>
-      </p:nvGrpSpPr>
-      <p:grpSpPr>
-        <a:xfrm>
-          <a:off x="0" y="0"/>
-          <a:ext cx="0" cy="0"/>
-          <a:chOff x="0" y="0"/>
-          <a:chExt cx="0" cy="0"/>
-        </a:xfrm>
-      </p:grpSpPr>
-      <p:sp>
-        <p:nvSpPr>
-          <p:cNvPr id="2" name="Title 1"/>
-          <p:cNvSpPr>
-            <a:spLocks noGrp="1"/>
-          </p:cNvSpPr>
-          <p:nvPr>
-            <p:ph type="title"/>
-          </p:nvPr>
-        </p:nvSpPr>
-        <p:spPr/>
-        <p:txBody>
-          <a:bodyPr/>
-          <a:lstStyle/>
-          <a:p>
-            <a:r>
-              <a:rPr lang="zh-CN" altLang="en-US" b="1" dirty="0"/>
-              <a:t>什么是消息</a:t>
-            </a:r>
-            <a:r>
-              <a:rPr lang="zh-CN" altLang="en-US" b="1" dirty="0" smtClean="0"/>
-              <a:t>系统</a:t>
-            </a:r>
-            <a:endParaRPr lang="en-US" dirty="0"/>
-          </a:p>
-        </p:txBody>
-      </p:sp>
-      <p:sp>
-        <p:nvSpPr>
-          <p:cNvPr id="3" name="Content Placeholder 2"/>
-          <p:cNvSpPr>
-            <a:spLocks noGrp="1"/>
-          </p:cNvSpPr>
-          <p:nvPr>
-            <p:ph idx="1"/>
-          </p:nvPr>
-        </p:nvSpPr>
-        <p:spPr/>
-        <p:txBody>
-          <a:bodyPr/>
-          <a:lstStyle/>
-          <a:p>
-            <a:r>
-              <a:rPr lang="zh-CN" altLang="en-US" dirty="0"/>
-              <a:t>消息系统负责将数据从一个应用程序传输到另一个应用程序，因此应用程序可以专注于数据，但不担心如何共享它。 分布式消息传递基于可靠消息队列的概念。 消息在客户端应用程序和消息传递系统之间异步排队。 有两种类型的消息模式可用 </a:t>
-            </a:r>
-            <a:r>
-              <a:rPr lang="en-US" altLang="zh-CN" dirty="0"/>
-              <a:t>- </a:t>
-            </a:r>
-            <a:r>
-              <a:rPr lang="zh-CN" altLang="en-US" dirty="0"/>
-              <a:t>一种是点对点，另一种是发布 </a:t>
-            </a:r>
-            <a:r>
-              <a:rPr lang="en-US" altLang="zh-CN" dirty="0"/>
-              <a:t>- </a:t>
-            </a:r>
-            <a:r>
-              <a:rPr lang="zh-CN" altLang="en-US" dirty="0"/>
-              <a:t>订阅</a:t>
-            </a:r>
-            <a:r>
-              <a:rPr lang="en-US" altLang="zh-CN" dirty="0"/>
-              <a:t>(pub-sub)</a:t>
-            </a:r>
-            <a:r>
-              <a:rPr lang="zh-CN" altLang="en-US" dirty="0"/>
-              <a:t>消息系统。 大多数消息模式遵循</a:t>
-            </a:r>
-            <a:r>
-              <a:rPr lang="zh-CN" altLang="en-US" b="1" dirty="0"/>
-              <a:t> </a:t>
-            </a:r>
-            <a:r>
-              <a:rPr lang="en-US" altLang="zh-CN" b="1" dirty="0"/>
-              <a:t>pub-sub </a:t>
-            </a:r>
-            <a:r>
-              <a:rPr lang="zh-CN" altLang="en-US" dirty="0" smtClean="0"/>
-              <a:t>。</a:t>
-            </a:r>
-            <a:endParaRPr lang="zh-CN" altLang="en-US" dirty="0"/>
-          </a:p>
-        </p:txBody>
-      </p:sp>
-    </p:spTree>
-    <p:extLst>
-      <p:ext uri="{BB962C8B-B14F-4D97-AF65-F5344CB8AC3E}">
-        <p14:creationId xmlns:p14="http://schemas.microsoft.com/office/powerpoint/2010/main" val="376157335"/>
+        <p14:creationId xmlns:p14="http://schemas.microsoft.com/office/powerpoint/2010/main" val="2070010564"/>
       </p:ext>
     </p:extLst>
   </p:cSld>
@@ -7734,7 +9715,9 @@
         </p:nvSpPr>
         <p:spPr/>
         <p:txBody>
-          <a:bodyPr/>
+          <a:bodyPr>
+            <a:normAutofit/>
+          </a:bodyPr>
           <a:lstStyle/>
           <a:p>
             <a:r>
@@ -8926,54 +10909,54 @@
 </file>
 
 <file path=ppt/theme/theme1.xml><?xml version="1.0" encoding="utf-8"?>
-<a:theme xmlns:a="http://schemas.openxmlformats.org/drawingml/2006/main" name="Office Theme">
+<a:theme xmlns:a="http://schemas.openxmlformats.org/drawingml/2006/main" name="Retrospect">
   <a:themeElements>
-    <a:clrScheme name="Office">
+    <a:clrScheme name="Retrospect">
       <a:dk1>
-        <a:sysClr val="windowText" lastClr="000000"/>
+        <a:srgbClr val="000000"/>
       </a:dk1>
       <a:lt1>
         <a:sysClr val="window" lastClr="FFFFFF"/>
       </a:lt1>
       <a:dk2>
-        <a:srgbClr val="44546A"/>
+        <a:srgbClr val="637052"/>
       </a:dk2>
       <a:lt2>
-        <a:srgbClr val="E7E6E6"/>
+        <a:srgbClr val="CCDDEA"/>
       </a:lt2>
       <a:accent1>
-        <a:srgbClr val="5B9BD5"/>
+        <a:srgbClr val="E48312"/>
       </a:accent1>
       <a:accent2>
-        <a:srgbClr val="ED7D31"/>
+        <a:srgbClr val="BD582C"/>
       </a:accent2>
       <a:accent3>
-        <a:srgbClr val="A5A5A5"/>
+        <a:srgbClr val="865640"/>
       </a:accent3>
       <a:accent4>
-        <a:srgbClr val="FFC000"/>
+        <a:srgbClr val="9B8357"/>
       </a:accent4>
       <a:accent5>
-        <a:srgbClr val="4472C4"/>
+        <a:srgbClr val="C2BC80"/>
       </a:accent5>
       <a:accent6>
-        <a:srgbClr val="70AD47"/>
+        <a:srgbClr val="94A088"/>
       </a:accent6>
       <a:hlink>
-        <a:srgbClr val="0563C1"/>
+        <a:srgbClr val="2998E3"/>
       </a:hlink>
       <a:folHlink>
-        <a:srgbClr val="954F72"/>
+        <a:srgbClr val="8C8C8C"/>
       </a:folHlink>
     </a:clrScheme>
-    <a:fontScheme name="Office">
+    <a:fontScheme name="Retrospect">
       <a:majorFont>
         <a:latin typeface="Calibri Light" panose="020F0302020204030204"/>
         <a:ea typeface=""/>
         <a:cs typeface=""/>
-        <a:font script="Jpan" typeface="Yu Gothic Light"/>
+        <a:font script="Jpan" typeface="ＭＳ Ｐゴシック"/>
         <a:font script="Hang" typeface="맑은 고딕"/>
-        <a:font script="Hans" typeface="DengXian Light"/>
+        <a:font script="Hans" typeface="宋体"/>
         <a:font script="Hant" typeface="新細明體"/>
         <a:font script="Arab" typeface="Times New Roman"/>
         <a:font script="Hebr" typeface="Times New Roman"/>
@@ -9006,9 +10989,9 @@
         <a:latin typeface="Calibri" panose="020F0502020204030204"/>
         <a:ea typeface=""/>
         <a:cs typeface=""/>
-        <a:font script="Jpan" typeface="Yu Gothic"/>
+        <a:font script="Jpan" typeface="ＭＳ Ｐゴシック"/>
         <a:font script="Hang" typeface="맑은 고딕"/>
-        <a:font script="Hans" typeface="DengXian"/>
+        <a:font script="Hans" typeface="宋体"/>
         <a:font script="Hant" typeface="新細明體"/>
         <a:font script="Arab" typeface="Arial"/>
         <a:font script="Hebr" typeface="Arial"/>
@@ -9038,7 +11021,7 @@
         <a:font script="Geor" typeface="Sylfaen"/>
       </a:minorFont>
     </a:fontScheme>
-    <a:fmtScheme name="Office">
+    <a:fmtScheme name="Retrospect">
       <a:fillStyleLst>
         <a:solidFill>
           <a:schemeClr val="phClr"/>
@@ -9047,76 +11030,81 @@
           <a:gsLst>
             <a:gs pos="0">
               <a:schemeClr val="phClr">
-                <a:lumMod val="110000"/>
-                <a:satMod val="105000"/>
-                <a:tint val="67000"/>
+                <a:tint val="65000"/>
+                <a:shade val="92000"/>
+                <a:satMod val="130000"/>
               </a:schemeClr>
             </a:gs>
-            <a:gs pos="50000">
+            <a:gs pos="45000">
               <a:schemeClr val="phClr">
-                <a:lumMod val="105000"/>
-                <a:satMod val="103000"/>
-                <a:tint val="73000"/>
+                <a:tint val="60000"/>
+                <a:shade val="99000"/>
+                <a:satMod val="120000"/>
               </a:schemeClr>
             </a:gs>
             <a:gs pos="100000">
               <a:schemeClr val="phClr">
-                <a:lumMod val="105000"/>
-                <a:satMod val="109000"/>
-                <a:tint val="81000"/>
+                <a:tint val="55000"/>
+                <a:satMod val="140000"/>
               </a:schemeClr>
             </a:gs>
           </a:gsLst>
-          <a:lin ang="5400000" scaled="0"/>
+          <a:path path="circle">
+            <a:fillToRect l="100000" t="100000" r="100000" b="100000"/>
+          </a:path>
         </a:gradFill>
         <a:gradFill rotWithShape="1">
           <a:gsLst>
             <a:gs pos="0">
               <a:schemeClr val="phClr">
-                <a:satMod val="103000"/>
-                <a:lumMod val="102000"/>
-                <a:tint val="94000"/>
+                <a:shade val="85000"/>
+                <a:satMod val="130000"/>
               </a:schemeClr>
             </a:gs>
-            <a:gs pos="50000">
+            <a:gs pos="34000">
               <a:schemeClr val="phClr">
-                <a:satMod val="110000"/>
-                <a:lumMod val="100000"/>
-                <a:shade val="100000"/>
+                <a:shade val="87000"/>
+                <a:satMod val="125000"/>
+              </a:schemeClr>
+            </a:gs>
+            <a:gs pos="70000">
+              <a:schemeClr val="phClr">
+                <a:tint val="100000"/>
+                <a:shade val="90000"/>
+                <a:satMod val="130000"/>
               </a:schemeClr>
             </a:gs>
             <a:gs pos="100000">
               <a:schemeClr val="phClr">
-                <a:lumMod val="99000"/>
-                <a:satMod val="120000"/>
-                <a:shade val="78000"/>
+                <a:tint val="100000"/>
+                <a:shade val="100000"/>
+                <a:satMod val="110000"/>
               </a:schemeClr>
             </a:gs>
           </a:gsLst>
-          <a:lin ang="5400000" scaled="0"/>
+          <a:path path="circle">
+            <a:fillToRect l="100000" t="100000" r="100000" b="100000"/>
+          </a:path>
         </a:gradFill>
       </a:fillStyleLst>
       <a:lnStyleLst>
-        <a:ln w="6350" cap="flat" cmpd="sng" algn="ctr">
-          <a:solidFill>
-            <a:schemeClr val="phClr"/>
-          </a:solidFill>
-          <a:prstDash val="solid"/>
-          <a:miter lim="800000"/>
-        </a:ln>
         <a:ln w="12700" cap="flat" cmpd="sng" algn="ctr">
           <a:solidFill>
             <a:schemeClr val="phClr"/>
           </a:solidFill>
           <a:prstDash val="solid"/>
-          <a:miter lim="800000"/>
         </a:ln>
-        <a:ln w="19050" cap="flat" cmpd="sng" algn="ctr">
+        <a:ln w="15875" cap="flat" cmpd="sng" algn="ctr">
           <a:solidFill>
             <a:schemeClr val="phClr"/>
           </a:solidFill>
           <a:prstDash val="solid"/>
-          <a:miter lim="800000"/>
+        </a:ln>
+        <a:ln w="25400" cap="flat" cmpd="sng" algn="ctr">
+          <a:solidFill>
+            <a:schemeClr val="phClr"/>
+          </a:solidFill>
+          <a:prstDash val="solid"/>
         </a:ln>
       </a:lnStyleLst>
       <a:effectStyleLst>
@@ -9124,16 +11112,33 @@
           <a:effectLst/>
         </a:effectStyle>
         <a:effectStyle>
-          <a:effectLst/>
+          <a:effectLst>
+            <a:outerShdw blurRad="38100" dist="25400" dir="2700000" algn="br" rotWithShape="0">
+              <a:srgbClr val="000000">
+                <a:alpha val="60000"/>
+              </a:srgbClr>
+            </a:outerShdw>
+          </a:effectLst>
         </a:effectStyle>
         <a:effectStyle>
           <a:effectLst>
-            <a:outerShdw blurRad="57150" dist="19050" dir="5400000" algn="ctr" rotWithShape="0">
+            <a:outerShdw blurRad="44450" dist="25400" dir="2700000" algn="br" rotWithShape="0">
               <a:srgbClr val="000000">
-                <a:alpha val="63000"/>
+                <a:alpha val="60000"/>
               </a:srgbClr>
             </a:outerShdw>
           </a:effectLst>
+          <a:scene3d>
+            <a:camera prst="orthographicFront">
+              <a:rot lat="0" lon="0" rev="0"/>
+            </a:camera>
+            <a:lightRig rig="threePt" dir="t">
+              <a:rot lat="0" lon="0" rev="19800000"/>
+            </a:lightRig>
+          </a:scene3d>
+          <a:sp3d prstMaterial="flat">
+            <a:bevelT w="25400" h="31750"/>
+          </a:sp3d>
         </a:effectStyle>
       </a:effectStyleLst>
       <a:bgFillStyleLst>
@@ -9142,36 +11147,36 @@
         </a:solidFill>
         <a:solidFill>
           <a:schemeClr val="phClr">
-            <a:tint val="95000"/>
-            <a:satMod val="170000"/>
+            <a:tint val="90000"/>
+            <a:shade val="97000"/>
+            <a:satMod val="130000"/>
           </a:schemeClr>
         </a:solidFill>
         <a:gradFill rotWithShape="1">
           <a:gsLst>
             <a:gs pos="0">
               <a:schemeClr val="phClr">
-                <a:tint val="93000"/>
-                <a:satMod val="150000"/>
-                <a:shade val="98000"/>
-                <a:lumMod val="102000"/>
+                <a:tint val="96000"/>
+                <a:shade val="99000"/>
+                <a:satMod val="140000"/>
               </a:schemeClr>
             </a:gs>
-            <a:gs pos="50000">
+            <a:gs pos="65000">
               <a:schemeClr val="phClr">
-                <a:tint val="98000"/>
+                <a:tint val="100000"/>
+                <a:shade val="80000"/>
                 <a:satMod val="130000"/>
-                <a:shade val="90000"/>
-                <a:lumMod val="103000"/>
               </a:schemeClr>
             </a:gs>
             <a:gs pos="100000">
               <a:schemeClr val="phClr">
-                <a:shade val="63000"/>
+                <a:tint val="100000"/>
+                <a:shade val="48000"/>
                 <a:satMod val="120000"/>
               </a:schemeClr>
             </a:gs>
           </a:gsLst>
-          <a:lin ang="5400000" scaled="0"/>
+          <a:lin ang="16200000" scaled="0"/>
         </a:gradFill>
       </a:bgFillStyleLst>
     </a:fmtScheme>
@@ -9180,7 +11185,7 @@
   <a:extraClrSchemeLst/>
   <a:extLst>
     <a:ext uri="{05A4C25C-085E-4340-85A3-A5531E510DB2}">
-      <thm15:themeFamily xmlns:thm15="http://schemas.microsoft.com/office/thememl/2012/main" name="Office Theme" id="{62F939B6-93AF-4DB8-9C6B-D6C7DFDC589F}" vid="{4A3C46E8-61CC-4603-A589-7422A47A8E4A}"/>
+      <thm15:themeFamily xmlns:thm15="http://schemas.microsoft.com/office/thememl/2012/main" name="Retrospect" id="{5F128B03-DCCA-4EEB-AB3B-CF2899314A46}" vid="{3F1AAB62-24C6-49D2-8E01-B56FAC9A3DCD}"/>
     </a:ext>
   </a:extLst>
 </a:theme>

--- a/middlerware/kafka介绍与实战.pptx
+++ b/middlerware/kafka介绍与实战.pptx
@@ -25,12 +25,12 @@
     <p:sldId id="270" r:id="rId16"/>
     <p:sldId id="271" r:id="rId17"/>
     <p:sldId id="272" r:id="rId18"/>
-    <p:sldId id="285" r:id="rId19"/>
-    <p:sldId id="286" r:id="rId20"/>
-    <p:sldId id="287" r:id="rId21"/>
-    <p:sldId id="288" r:id="rId22"/>
-    <p:sldId id="289" r:id="rId23"/>
-    <p:sldId id="290" r:id="rId24"/>
+    <p:sldId id="291" r:id="rId19"/>
+    <p:sldId id="285" r:id="rId20"/>
+    <p:sldId id="286" r:id="rId21"/>
+    <p:sldId id="287" r:id="rId22"/>
+    <p:sldId id="288" r:id="rId23"/>
+    <p:sldId id="289" r:id="rId24"/>
     <p:sldId id="273" r:id="rId25"/>
     <p:sldId id="274" r:id="rId26"/>
     <p:sldId id="275" r:id="rId27"/>
@@ -230,7 +230,7 @@
           <a:p>
             <a:fld id="{272FBA2E-9270-9E41-BB2F-2150B630958F}" type="datetimeFigureOut">
               <a:rPr lang="en-US" smtClean="0"/>
-              <a:t>6/17/19</a:t>
+              <a:t>6/18/19</a:t>
             </a:fld>
             <a:endParaRPr lang="en-US"/>
           </a:p>
@@ -910,7 +910,7 @@
           <a:p>
             <a:fld id="{85CF50C3-54C0-404E-8A49-2BE6AAC3CBFD}" type="datetimeFigureOut">
               <a:rPr lang="en-US" smtClean="0"/>
-              <a:t>6/17/19</a:t>
+              <a:t>6/18/19</a:t>
             </a:fld>
             <a:endParaRPr lang="en-US"/>
           </a:p>
@@ -1118,7 +1118,7 @@
           <a:p>
             <a:fld id="{85CF50C3-54C0-404E-8A49-2BE6AAC3CBFD}" type="datetimeFigureOut">
               <a:rPr lang="en-US" smtClean="0"/>
-              <a:t>6/17/19</a:t>
+              <a:t>6/18/19</a:t>
             </a:fld>
             <a:endParaRPr lang="en-US"/>
           </a:p>
@@ -1374,7 +1374,7 @@
           <a:p>
             <a:fld id="{85CF50C3-54C0-404E-8A49-2BE6AAC3CBFD}" type="datetimeFigureOut">
               <a:rPr lang="en-US" smtClean="0"/>
-              <a:t>6/17/19</a:t>
+              <a:t>6/18/19</a:t>
             </a:fld>
             <a:endParaRPr lang="en-US"/>
           </a:p>
@@ -1548,7 +1548,7 @@
           <a:p>
             <a:fld id="{85CF50C3-54C0-404E-8A49-2BE6AAC3CBFD}" type="datetimeFigureOut">
               <a:rPr lang="en-US" smtClean="0"/>
-              <a:t>6/17/19</a:t>
+              <a:t>6/18/19</a:t>
             </a:fld>
             <a:endParaRPr lang="en-US"/>
           </a:p>
@@ -1891,7 +1891,7 @@
           <a:p>
             <a:fld id="{85CF50C3-54C0-404E-8A49-2BE6AAC3CBFD}" type="datetimeFigureOut">
               <a:rPr lang="en-US" smtClean="0"/>
-              <a:t>6/17/19</a:t>
+              <a:t>6/18/19</a:t>
             </a:fld>
             <a:endParaRPr lang="en-US"/>
           </a:p>
@@ -2166,7 +2166,7 @@
           <a:p>
             <a:fld id="{85CF50C3-54C0-404E-8A49-2BE6AAC3CBFD}" type="datetimeFigureOut">
               <a:rPr lang="en-US" smtClean="0"/>
-              <a:t>6/17/19</a:t>
+              <a:t>6/18/19</a:t>
             </a:fld>
             <a:endParaRPr lang="en-US"/>
           </a:p>
@@ -2545,7 +2545,7 @@
           <a:p>
             <a:fld id="{85CF50C3-54C0-404E-8A49-2BE6AAC3CBFD}" type="datetimeFigureOut">
               <a:rPr lang="en-US" smtClean="0"/>
-              <a:t>6/17/19</a:t>
+              <a:t>6/18/19</a:t>
             </a:fld>
             <a:endParaRPr lang="en-US"/>
           </a:p>
@@ -2663,7 +2663,7 @@
           <a:p>
             <a:fld id="{85CF50C3-54C0-404E-8A49-2BE6AAC3CBFD}" type="datetimeFigureOut">
               <a:rPr lang="en-US" smtClean="0"/>
-              <a:t>6/17/19</a:t>
+              <a:t>6/18/19</a:t>
             </a:fld>
             <a:endParaRPr lang="en-US"/>
           </a:p>
@@ -2834,7 +2834,7 @@
           <a:p>
             <a:fld id="{85CF50C3-54C0-404E-8A49-2BE6AAC3CBFD}" type="datetimeFigureOut">
               <a:rPr lang="en-US" smtClean="0"/>
-              <a:t>6/17/19</a:t>
+              <a:t>6/18/19</a:t>
             </a:fld>
             <a:endParaRPr lang="en-US"/>
           </a:p>
@@ -3188,7 +3188,7 @@
           <a:p>
             <a:fld id="{85CF50C3-54C0-404E-8A49-2BE6AAC3CBFD}" type="datetimeFigureOut">
               <a:rPr lang="en-US" smtClean="0"/>
-              <a:t>6/17/19</a:t>
+              <a:t>6/18/19</a:t>
             </a:fld>
             <a:endParaRPr lang="en-US"/>
           </a:p>
@@ -3570,7 +3570,7 @@
           <a:p>
             <a:fld id="{85CF50C3-54C0-404E-8A49-2BE6AAC3CBFD}" type="datetimeFigureOut">
               <a:rPr lang="en-US" smtClean="0"/>
-              <a:t>6/17/19</a:t>
+              <a:t>6/18/19</a:t>
             </a:fld>
             <a:endParaRPr lang="en-US"/>
           </a:p>
@@ -3857,7 +3857,7 @@
           <a:p>
             <a:fld id="{85CF50C3-54C0-404E-8A49-2BE6AAC3CBFD}" type="datetimeFigureOut">
               <a:rPr lang="en-US" smtClean="0"/>
-              <a:t>6/17/19</a:t>
+              <a:t>6/18/19</a:t>
             </a:fld>
             <a:endParaRPr lang="en-US"/>
           </a:p>
@@ -6148,6 +6148,253 @@
           <a:lstStyle/>
           <a:p>
             <a:r>
+              <a:rPr lang="en-US" altLang="zh-CN" dirty="0"/>
+              <a:t>offset</a:t>
+            </a:r>
+            <a:endParaRPr lang="en-US" dirty="0"/>
+          </a:p>
+        </p:txBody>
+      </p:sp>
+      <p:sp>
+        <p:nvSpPr>
+          <p:cNvPr id="3" name="Content Placeholder 2"/>
+          <p:cNvSpPr>
+            <a:spLocks noGrp="1"/>
+          </p:cNvSpPr>
+          <p:nvPr>
+            <p:ph idx="1"/>
+          </p:nvPr>
+        </p:nvSpPr>
+        <p:spPr/>
+        <p:txBody>
+          <a:bodyPr/>
+          <a:lstStyle/>
+          <a:p>
+            <a:r>
+              <a:rPr lang="en-US" altLang="zh-CN" dirty="0" err="1" smtClean="0"/>
+              <a:t>kafka</a:t>
+            </a:r>
+            <a:r>
+              <a:rPr lang="en-US" altLang="zh-CN" dirty="0" smtClean="0"/>
+              <a:t> </a:t>
+            </a:r>
+            <a:r>
+              <a:rPr lang="en-US" altLang="zh-CN" dirty="0"/>
+              <a:t>0.9 </a:t>
+            </a:r>
+            <a:r>
+              <a:rPr lang="zh-CN" altLang="en-US" dirty="0"/>
+              <a:t>以前的版本是将</a:t>
+            </a:r>
+            <a:r>
+              <a:rPr lang="en-US" altLang="zh-CN" dirty="0"/>
+              <a:t>offset </a:t>
+            </a:r>
+            <a:r>
+              <a:rPr lang="zh-CN" altLang="en-US" dirty="0"/>
+              <a:t>存储在</a:t>
+            </a:r>
+            <a:r>
+              <a:rPr lang="en-US" altLang="zh-CN" dirty="0"/>
+              <a:t>zookeeper</a:t>
+            </a:r>
+            <a:r>
+              <a:rPr lang="zh-CN" altLang="en-US" dirty="0"/>
+              <a:t>上的，</a:t>
+            </a:r>
+            <a:r>
+              <a:rPr lang="en-US" altLang="zh-CN" dirty="0" err="1"/>
+              <a:t>kafka</a:t>
+            </a:r>
+            <a:r>
+              <a:rPr lang="zh-CN" altLang="en-US" dirty="0"/>
+              <a:t>在传输数据时，数据消费成功就会修改偏移量，这样就可以保证数据不会丢失而导致传输出错；但是这也存在一个问题：那就是每次消费数据时都要将数据的</a:t>
+            </a:r>
+            <a:r>
+              <a:rPr lang="en-US" altLang="zh-CN" dirty="0"/>
+              <a:t>offset</a:t>
+            </a:r>
+            <a:r>
+              <a:rPr lang="zh-CN" altLang="en-US" dirty="0"/>
+              <a:t>写入一次，效率比较低，而且</a:t>
+            </a:r>
+            <a:r>
+              <a:rPr lang="en-US" altLang="zh-CN" dirty="0"/>
+              <a:t>zookeeper</a:t>
+            </a:r>
+            <a:r>
+              <a:rPr lang="zh-CN" altLang="en-US" dirty="0"/>
+              <a:t>与</a:t>
+            </a:r>
+            <a:r>
+              <a:rPr lang="en-US" altLang="zh-CN" dirty="0" err="1"/>
+              <a:t>kafka</a:t>
+            </a:r>
+            <a:r>
+              <a:rPr lang="zh-CN" altLang="en-US" dirty="0"/>
+              <a:t>的</a:t>
+            </a:r>
+            <a:r>
+              <a:rPr lang="en-US" altLang="zh-CN" dirty="0"/>
+              <a:t>offset</a:t>
+            </a:r>
+            <a:r>
+              <a:rPr lang="zh-CN" altLang="en-US" dirty="0"/>
+              <a:t>变化确认也需要走网络</a:t>
+            </a:r>
+            <a:r>
+              <a:rPr lang="en-US" altLang="zh-CN" dirty="0"/>
+              <a:t>IO</a:t>
+            </a:r>
+            <a:r>
+              <a:rPr lang="zh-CN" altLang="en-US" dirty="0"/>
+              <a:t>，这样就会</a:t>
+            </a:r>
+            <a:r>
+              <a:rPr lang="zh-CN" altLang="en-US" dirty="0" smtClean="0"/>
+              <a:t>给</a:t>
+            </a:r>
+            <a:r>
+              <a:rPr lang="en-US" altLang="zh-CN" dirty="0" smtClean="0"/>
+              <a:t>offset</a:t>
+            </a:r>
+            <a:r>
+              <a:rPr lang="zh-CN" altLang="en-US" dirty="0"/>
+              <a:t>的维护带来不稳定性和低效</a:t>
+            </a:r>
+            <a:r>
+              <a:rPr lang="zh-CN" altLang="en-US" dirty="0" smtClean="0"/>
+              <a:t>。</a:t>
+            </a:r>
+            <a:endParaRPr lang="en-US" altLang="zh-CN" dirty="0" smtClean="0"/>
+          </a:p>
+          <a:p>
+            <a:r>
+              <a:rPr lang="en-US" dirty="0" err="1"/>
+              <a:t>kafka自己维护</a:t>
+            </a:r>
+            <a:r>
+              <a:rPr lang="en-US" dirty="0" err="1" smtClean="0"/>
+              <a:t>offset</a:t>
+            </a:r>
+            <a:endParaRPr lang="en-US" dirty="0" smtClean="0"/>
+          </a:p>
+          <a:p>
+            <a:r>
+              <a:rPr lang="en-US" dirty="0" err="1"/>
+              <a:t>使用broker来维护offset</a:t>
+            </a:r>
+            <a:r>
+              <a:rPr lang="en-US" dirty="0"/>
+              <a:t/>
+            </a:r>
+            <a:br>
+              <a:rPr lang="en-US" dirty="0"/>
+            </a:br>
+            <a:r>
+              <a:rPr lang="en-US" dirty="0" err="1"/>
+              <a:t>kafka</a:t>
+            </a:r>
+            <a:r>
+              <a:rPr lang="en-US" dirty="0"/>
+              <a:t> 0.9 以后，offset</a:t>
+            </a:r>
+            <a:r>
+              <a:rPr lang="en-US" dirty="0" smtClean="0"/>
+              <a:t>的使用了内部的</a:t>
+            </a:r>
+            <a:r>
+              <a:rPr lang="en-US" altLang="zh-CN" dirty="0" smtClean="0"/>
+              <a:t>b</a:t>
+            </a:r>
+            <a:r>
+              <a:rPr lang="en-US" dirty="0" smtClean="0"/>
+              <a:t>roker</a:t>
+            </a:r>
+            <a:r>
+              <a:rPr lang="en-US" dirty="0"/>
+              <a:t>来管理，这样仅仅只需要broker，而不要zookeeper来维护，都是将topic提交给__consumer_offsets函数来执行。</a:t>
+            </a:r>
+          </a:p>
+          <a:p>
+            <a:r>
+              <a:rPr lang="en-US" dirty="0" err="1"/>
+              <a:t>将zookeeper维护offset</a:t>
+            </a:r>
+            <a:r>
+              <a:rPr lang="en-US" dirty="0"/>
+              <a:t> 的方式称为 low level API</a:t>
+            </a:r>
+          </a:p>
+          <a:p>
+            <a:r>
+              <a:rPr lang="en-US" dirty="0" err="1"/>
+              <a:t>将kafka</a:t>
+            </a:r>
+            <a:r>
+              <a:rPr lang="en-US" dirty="0"/>
+              <a:t> broker </a:t>
+            </a:r>
+            <a:r>
+              <a:rPr lang="en-US" dirty="0" err="1"/>
+              <a:t>维护offset的方式称为high</a:t>
+            </a:r>
+            <a:r>
+              <a:rPr lang="en-US" dirty="0"/>
+              <a:t> level API</a:t>
+            </a:r>
+          </a:p>
+          <a:p>
+            <a:endParaRPr lang="zh-CN" altLang="en-US" dirty="0"/>
+          </a:p>
+        </p:txBody>
+      </p:sp>
+    </p:spTree>
+    <p:extLst>
+      <p:ext uri="{BB962C8B-B14F-4D97-AF65-F5344CB8AC3E}">
+        <p14:creationId xmlns:p14="http://schemas.microsoft.com/office/powerpoint/2010/main" val="298372871"/>
+      </p:ext>
+    </p:extLst>
+  </p:cSld>
+  <p:clrMapOvr>
+    <a:masterClrMapping/>
+  </p:clrMapOvr>
+</p:sld>
+</file>
+
+<file path=ppt/slides/slide19.xml><?xml version="1.0" encoding="utf-8"?>
+<p:sld xmlns:a="http://schemas.openxmlformats.org/drawingml/2006/main" xmlns:r="http://schemas.openxmlformats.org/officeDocument/2006/relationships" xmlns:p="http://schemas.openxmlformats.org/presentationml/2006/main">
+  <p:cSld>
+    <p:spTree>
+      <p:nvGrpSpPr>
+        <p:cNvPr id="1" name=""/>
+        <p:cNvGrpSpPr/>
+        <p:nvPr/>
+      </p:nvGrpSpPr>
+      <p:grpSpPr>
+        <a:xfrm>
+          <a:off x="0" y="0"/>
+          <a:ext cx="0" cy="0"/>
+          <a:chOff x="0" y="0"/>
+          <a:chExt cx="0" cy="0"/>
+        </a:xfrm>
+      </p:grpSpPr>
+      <p:sp>
+        <p:nvSpPr>
+          <p:cNvPr id="2" name="Title 1"/>
+          <p:cNvSpPr>
+            <a:spLocks noGrp="1"/>
+          </p:cNvSpPr>
+          <p:nvPr>
+            <p:ph type="title"/>
+          </p:nvPr>
+        </p:nvSpPr>
+        <p:spPr/>
+        <p:txBody>
+          <a:bodyPr/>
+          <a:lstStyle/>
+          <a:p>
+            <a:r>
               <a:rPr lang="en-US" b="1" dirty="0" err="1"/>
               <a:t>Broker注册</a:t>
             </a:r>
@@ -6194,7 +6441,6 @@
               <a:rPr lang="en-US" dirty="0"/>
               <a:t>.</a:t>
             </a:r>
-            <a:endParaRPr lang="en-US" dirty="0"/>
           </a:p>
         </p:txBody>
       </p:sp>
@@ -6252,7 +6498,133 @@
 </p:sld>
 </file>
 
-<file path=ppt/slides/slide19.xml><?xml version="1.0" encoding="utf-8"?>
+<file path=ppt/slides/slide2.xml><?xml version="1.0" encoding="utf-8"?>
+<p:sld xmlns:a="http://schemas.openxmlformats.org/drawingml/2006/main" xmlns:r="http://schemas.openxmlformats.org/officeDocument/2006/relationships" xmlns:p="http://schemas.openxmlformats.org/presentationml/2006/main">
+  <p:cSld>
+    <p:spTree>
+      <p:nvGrpSpPr>
+        <p:cNvPr id="1" name=""/>
+        <p:cNvGrpSpPr/>
+        <p:nvPr/>
+      </p:nvGrpSpPr>
+      <p:grpSpPr>
+        <a:xfrm>
+          <a:off x="0" y="0"/>
+          <a:ext cx="0" cy="0"/>
+          <a:chOff x="0" y="0"/>
+          <a:chExt cx="0" cy="0"/>
+        </a:xfrm>
+      </p:grpSpPr>
+      <p:sp>
+        <p:nvSpPr>
+          <p:cNvPr id="2" name="Title 1"/>
+          <p:cNvSpPr>
+            <a:spLocks noGrp="1"/>
+          </p:cNvSpPr>
+          <p:nvPr>
+            <p:ph type="title"/>
+          </p:nvPr>
+        </p:nvSpPr>
+        <p:spPr/>
+        <p:txBody>
+          <a:bodyPr/>
+          <a:lstStyle/>
+          <a:p>
+            <a:r>
+              <a:rPr lang="zh-CN" altLang="en-US" dirty="0" smtClean="0"/>
+              <a:t>关于</a:t>
+            </a:r>
+            <a:r>
+              <a:rPr lang="en-US" altLang="zh-CN" dirty="0" err="1" smtClean="0"/>
+              <a:t>kafka</a:t>
+            </a:r>
+            <a:endParaRPr lang="en-US" dirty="0"/>
+          </a:p>
+        </p:txBody>
+      </p:sp>
+      <p:sp>
+        <p:nvSpPr>
+          <p:cNvPr id="3" name="Content Placeholder 2"/>
+          <p:cNvSpPr>
+            <a:spLocks noGrp="1"/>
+          </p:cNvSpPr>
+          <p:nvPr>
+            <p:ph idx="1"/>
+          </p:nvPr>
+        </p:nvSpPr>
+        <p:spPr/>
+        <p:txBody>
+          <a:bodyPr/>
+          <a:lstStyle/>
+          <a:p>
+            <a:r>
+              <a:rPr lang="en-US" dirty="0"/>
+              <a:t>Apache Kafka起源于LinkedIn，后来于2011年成为开源Apache项目，然后于2012年成为First-class </a:t>
+            </a:r>
+            <a:r>
+              <a:rPr lang="en-US" dirty="0" err="1"/>
+              <a:t>Apache项目。Kafka是用Scala和Java编写的</a:t>
+            </a:r>
+            <a:r>
+              <a:rPr lang="en-US" dirty="0"/>
+              <a:t>。 Apache </a:t>
+            </a:r>
+            <a:r>
+              <a:rPr lang="en-US" dirty="0" err="1"/>
+              <a:t>Kafka是基于发布订阅的容错消息系统</a:t>
+            </a:r>
+            <a:r>
+              <a:rPr lang="en-US" dirty="0"/>
+              <a:t>。 它是快速，可扩展和设计分布</a:t>
+            </a:r>
+            <a:r>
+              <a:rPr lang="en-US" dirty="0" smtClean="0"/>
+              <a:t>。</a:t>
+            </a:r>
+          </a:p>
+          <a:p>
+            <a:r>
+              <a:rPr lang="en-US" altLang="zh-CN" dirty="0"/>
+              <a:t>Kafka</a:t>
+            </a:r>
+            <a:r>
+              <a:rPr lang="zh-CN" altLang="en-US" dirty="0"/>
+              <a:t>专为分布式高吞吐量系统而设计。 </a:t>
+            </a:r>
+            <a:r>
+              <a:rPr lang="en-US" altLang="zh-CN" dirty="0"/>
+              <a:t>Kafka</a:t>
+            </a:r>
+            <a:r>
+              <a:rPr lang="zh-CN" altLang="en-US" dirty="0"/>
+              <a:t>往往工作得很好，作为一个更传统的消息代理的替代品。 与其他消息传递系统相比，</a:t>
+            </a:r>
+            <a:r>
+              <a:rPr lang="en-US" altLang="zh-CN" dirty="0"/>
+              <a:t>Kafka</a:t>
+            </a:r>
+            <a:r>
+              <a:rPr lang="zh-CN" altLang="en-US" dirty="0"/>
+              <a:t>具有更好的吞吐量，内置分区，复制和固有的容错能力，这使得它非常适合大规模消息处理应用程序。</a:t>
+            </a:r>
+            <a:endParaRPr lang="en-US" dirty="0"/>
+          </a:p>
+        </p:txBody>
+      </p:sp>
+    </p:spTree>
+    <p:extLst>
+      <p:ext uri="{BB962C8B-B14F-4D97-AF65-F5344CB8AC3E}">
+        <p14:creationId xmlns:p14="http://schemas.microsoft.com/office/powerpoint/2010/main" val="1616637651"/>
+      </p:ext>
+    </p:extLst>
+  </p:cSld>
+  <p:clrMapOvr>
+    <a:masterClrMapping/>
+  </p:clrMapOvr>
+</p:sld>
+</file>
+
+<file path=ppt/slides/slide20.xml><?xml version="1.0" encoding="utf-8"?>
 <p:sld xmlns:a="http://schemas.openxmlformats.org/drawingml/2006/main" xmlns:r="http://schemas.openxmlformats.org/officeDocument/2006/relationships" xmlns:p="http://schemas.openxmlformats.org/presentationml/2006/main">
   <p:cSld>
     <p:spTree>
@@ -6377,7 +6749,7 @@
 </p:sld>
 </file>
 
-<file path=ppt/slides/slide2.xml><?xml version="1.0" encoding="utf-8"?>
+<file path=ppt/slides/slide21.xml><?xml version="1.0" encoding="utf-8"?>
 <p:sld xmlns:a="http://schemas.openxmlformats.org/drawingml/2006/main" xmlns:r="http://schemas.openxmlformats.org/officeDocument/2006/relationships" xmlns:p="http://schemas.openxmlformats.org/presentationml/2006/main">
   <p:cSld>
     <p:spTree>
@@ -6410,132 +6782,6 @@
           <a:lstStyle/>
           <a:p>
             <a:r>
-              <a:rPr lang="zh-CN" altLang="en-US" dirty="0" smtClean="0"/>
-              <a:t>关于</a:t>
-            </a:r>
-            <a:r>
-              <a:rPr lang="en-US" altLang="zh-CN" dirty="0" err="1" smtClean="0"/>
-              <a:t>kafka</a:t>
-            </a:r>
-            <a:endParaRPr lang="en-US" dirty="0"/>
-          </a:p>
-        </p:txBody>
-      </p:sp>
-      <p:sp>
-        <p:nvSpPr>
-          <p:cNvPr id="3" name="Content Placeholder 2"/>
-          <p:cNvSpPr>
-            <a:spLocks noGrp="1"/>
-          </p:cNvSpPr>
-          <p:nvPr>
-            <p:ph idx="1"/>
-          </p:nvPr>
-        </p:nvSpPr>
-        <p:spPr/>
-        <p:txBody>
-          <a:bodyPr/>
-          <a:lstStyle/>
-          <a:p>
-            <a:r>
-              <a:rPr lang="en-US" dirty="0"/>
-              <a:t>Apache Kafka起源于LinkedIn，后来于2011年成为开源Apache项目，然后于2012年成为First-class </a:t>
-            </a:r>
-            <a:r>
-              <a:rPr lang="en-US" dirty="0" err="1"/>
-              <a:t>Apache项目。Kafka是用Scala和Java编写的</a:t>
-            </a:r>
-            <a:r>
-              <a:rPr lang="en-US" dirty="0"/>
-              <a:t>。 Apache </a:t>
-            </a:r>
-            <a:r>
-              <a:rPr lang="en-US" dirty="0" err="1"/>
-              <a:t>Kafka是基于发布订阅的容错消息系统</a:t>
-            </a:r>
-            <a:r>
-              <a:rPr lang="en-US" dirty="0"/>
-              <a:t>。 它是快速，可扩展和设计分布</a:t>
-            </a:r>
-            <a:r>
-              <a:rPr lang="en-US" dirty="0" smtClean="0"/>
-              <a:t>。</a:t>
-            </a:r>
-          </a:p>
-          <a:p>
-            <a:r>
-              <a:rPr lang="en-US" altLang="zh-CN" dirty="0"/>
-              <a:t>Kafka</a:t>
-            </a:r>
-            <a:r>
-              <a:rPr lang="zh-CN" altLang="en-US" dirty="0"/>
-              <a:t>专为分布式高吞吐量系统而设计。 </a:t>
-            </a:r>
-            <a:r>
-              <a:rPr lang="en-US" altLang="zh-CN" dirty="0"/>
-              <a:t>Kafka</a:t>
-            </a:r>
-            <a:r>
-              <a:rPr lang="zh-CN" altLang="en-US" dirty="0"/>
-              <a:t>往往工作得很好，作为一个更传统的消息代理的替代品。 与其他消息传递系统相比，</a:t>
-            </a:r>
-            <a:r>
-              <a:rPr lang="en-US" altLang="zh-CN" dirty="0"/>
-              <a:t>Kafka</a:t>
-            </a:r>
-            <a:r>
-              <a:rPr lang="zh-CN" altLang="en-US" dirty="0"/>
-              <a:t>具有更好的吞吐量，内置分区，复制和固有的容错能力，这使得它非常适合大规模消息处理应用程序。</a:t>
-            </a:r>
-            <a:endParaRPr lang="en-US" dirty="0"/>
-          </a:p>
-        </p:txBody>
-      </p:sp>
-    </p:spTree>
-    <p:extLst>
-      <p:ext uri="{BB962C8B-B14F-4D97-AF65-F5344CB8AC3E}">
-        <p14:creationId xmlns:p14="http://schemas.microsoft.com/office/powerpoint/2010/main" val="1616637651"/>
-      </p:ext>
-    </p:extLst>
-  </p:cSld>
-  <p:clrMapOvr>
-    <a:masterClrMapping/>
-  </p:clrMapOvr>
-</p:sld>
-</file>
-
-<file path=ppt/slides/slide20.xml><?xml version="1.0" encoding="utf-8"?>
-<p:sld xmlns:a="http://schemas.openxmlformats.org/drawingml/2006/main" xmlns:r="http://schemas.openxmlformats.org/officeDocument/2006/relationships" xmlns:p="http://schemas.openxmlformats.org/presentationml/2006/main">
-  <p:cSld>
-    <p:spTree>
-      <p:nvGrpSpPr>
-        <p:cNvPr id="1" name=""/>
-        <p:cNvGrpSpPr/>
-        <p:nvPr/>
-      </p:nvGrpSpPr>
-      <p:grpSpPr>
-        <a:xfrm>
-          <a:off x="0" y="0"/>
-          <a:ext cx="0" cy="0"/>
-          <a:chOff x="0" y="0"/>
-          <a:chExt cx="0" cy="0"/>
-        </a:xfrm>
-      </p:grpSpPr>
-      <p:sp>
-        <p:nvSpPr>
-          <p:cNvPr id="2" name="Title 1"/>
-          <p:cNvSpPr>
-            <a:spLocks noGrp="1"/>
-          </p:cNvSpPr>
-          <p:nvPr>
-            <p:ph type="title"/>
-          </p:nvPr>
-        </p:nvSpPr>
-        <p:spPr/>
-        <p:txBody>
-          <a:bodyPr/>
-          <a:lstStyle/>
-          <a:p>
-            <a:r>
               <a:rPr lang="zh-CN" altLang="en-US" b="1" dirty="0"/>
               <a:t>生产者负载均衡</a:t>
             </a:r>
@@ -6663,7 +6909,7 @@
 </p:sld>
 </file>
 
-<file path=ppt/slides/slide21.xml><?xml version="1.0" encoding="utf-8"?>
+<file path=ppt/slides/slide22.xml><?xml version="1.0" encoding="utf-8"?>
 <p:sld xmlns:a="http://schemas.openxmlformats.org/drawingml/2006/main" xmlns:r="http://schemas.openxmlformats.org/officeDocument/2006/relationships" xmlns:p="http://schemas.openxmlformats.org/presentationml/2006/main">
   <p:cSld>
     <p:spTree>
@@ -6901,7 +7147,7 @@
 </p:sld>
 </file>
 
-<file path=ppt/slides/slide22.xml><?xml version="1.0" encoding="utf-8"?>
+<file path=ppt/slides/slide23.xml><?xml version="1.0" encoding="utf-8"?>
 <p:sld xmlns:a="http://schemas.openxmlformats.org/drawingml/2006/main" xmlns:r="http://schemas.openxmlformats.org/officeDocument/2006/relationships" xmlns:p="http://schemas.openxmlformats.org/presentationml/2006/main">
   <p:cSld>
     <p:spTree>
@@ -7069,172 +7315,6 @@
     <p:extLst>
       <p:ext uri="{BB962C8B-B14F-4D97-AF65-F5344CB8AC3E}">
         <p14:creationId xmlns:p14="http://schemas.microsoft.com/office/powerpoint/2010/main" val="341914660"/>
-      </p:ext>
-    </p:extLst>
-  </p:cSld>
-  <p:clrMapOvr>
-    <a:masterClrMapping/>
-  </p:clrMapOvr>
-</p:sld>
-</file>
-
-<file path=ppt/slides/slide23.xml><?xml version="1.0" encoding="utf-8"?>
-<p:sld xmlns:a="http://schemas.openxmlformats.org/drawingml/2006/main" xmlns:r="http://schemas.openxmlformats.org/officeDocument/2006/relationships" xmlns:p="http://schemas.openxmlformats.org/presentationml/2006/main">
-  <p:cSld>
-    <p:spTree>
-      <p:nvGrpSpPr>
-        <p:cNvPr id="1" name=""/>
-        <p:cNvGrpSpPr/>
-        <p:nvPr/>
-      </p:nvGrpSpPr>
-      <p:grpSpPr>
-        <a:xfrm>
-          <a:off x="0" y="0"/>
-          <a:ext cx="0" cy="0"/>
-          <a:chOff x="0" y="0"/>
-          <a:chExt cx="0" cy="0"/>
-        </a:xfrm>
-      </p:grpSpPr>
-      <p:sp>
-        <p:nvSpPr>
-          <p:cNvPr id="2" name="Title 1"/>
-          <p:cNvSpPr>
-            <a:spLocks noGrp="1"/>
-          </p:cNvSpPr>
-          <p:nvPr>
-            <p:ph type="title"/>
-          </p:nvPr>
-        </p:nvSpPr>
-        <p:spPr/>
-        <p:txBody>
-          <a:bodyPr/>
-          <a:lstStyle/>
-          <a:p>
-            <a:r>
-              <a:rPr lang="en-US" b="1" dirty="0" err="1"/>
-              <a:t>消费者的offset</a:t>
-            </a:r>
-            <a:endParaRPr lang="en-US" dirty="0"/>
-          </a:p>
-        </p:txBody>
-      </p:sp>
-      <p:sp>
-        <p:nvSpPr>
-          <p:cNvPr id="3" name="Content Placeholder 2"/>
-          <p:cNvSpPr>
-            <a:spLocks noGrp="1"/>
-          </p:cNvSpPr>
-          <p:nvPr>
-            <p:ph idx="1"/>
-          </p:nvPr>
-        </p:nvSpPr>
-        <p:spPr/>
-        <p:txBody>
-          <a:bodyPr/>
-          <a:lstStyle/>
-          <a:p>
-            <a:r>
-              <a:rPr lang="en-US" dirty="0" err="1"/>
-              <a:t>在kafka的消费者API</a:t>
-            </a:r>
-            <a:r>
-              <a:rPr lang="en-US" dirty="0" err="1" smtClean="0"/>
-              <a:t>分为两种</a:t>
-            </a:r>
-            <a:endParaRPr lang="en-US" dirty="0" smtClean="0"/>
-          </a:p>
-          <a:p>
-            <a:pPr lvl="1"/>
-            <a:r>
-              <a:rPr lang="en-US" dirty="0" smtClean="0"/>
-              <a:t>(</a:t>
-            </a:r>
-            <a:r>
-              <a:rPr lang="en-US" dirty="0"/>
-              <a:t>1)High Level </a:t>
-            </a:r>
-            <a:r>
-              <a:rPr lang="en-US" dirty="0" err="1"/>
-              <a:t>Api：由zookeeper维护消费者的offset</a:t>
-            </a:r>
-            <a:r>
-              <a:rPr lang="en-US" dirty="0"/>
-              <a:t> </a:t>
-            </a:r>
-            <a:endParaRPr lang="en-US" dirty="0" smtClean="0"/>
-          </a:p>
-          <a:p>
-            <a:pPr lvl="1"/>
-            <a:r>
-              <a:rPr lang="en-US" dirty="0" smtClean="0"/>
-              <a:t>(</a:t>
-            </a:r>
-            <a:r>
-              <a:rPr lang="en-US" dirty="0"/>
-              <a:t>2) Low Level </a:t>
-            </a:r>
-            <a:r>
-              <a:rPr lang="en-US" dirty="0" err="1"/>
-              <a:t>API,自己的代码实现对offset的维护</a:t>
-            </a:r>
-            <a:r>
-              <a:rPr lang="en-US" dirty="0" smtClean="0"/>
-              <a:t>。</a:t>
-            </a:r>
-          </a:p>
-          <a:p>
-            <a:r>
-              <a:rPr lang="en-US" dirty="0" err="1" smtClean="0"/>
-              <a:t>由于自己维护</a:t>
-            </a:r>
-            <a:r>
-              <a:rPr lang="en-US" dirty="0" err="1"/>
-              <a:t>offset往往比较复杂，所以多数情况下都是使用High</a:t>
-            </a:r>
-            <a:r>
-              <a:rPr lang="en-US" dirty="0"/>
-              <a:t> </a:t>
-            </a:r>
-            <a:r>
-              <a:rPr lang="en-US" dirty="0" err="1"/>
-              <a:t>Level的APIoffset在zookeeper中的节点路径为</a:t>
-            </a:r>
-            <a:r>
-              <a:rPr lang="en-US" dirty="0"/>
-              <a:t>/consumers/[</a:t>
-            </a:r>
-            <a:r>
-              <a:rPr lang="en-US" dirty="0" err="1"/>
-              <a:t>group_id</a:t>
-            </a:r>
-            <a:r>
-              <a:rPr lang="en-US" dirty="0"/>
-              <a:t>]/offsets/[topic]/[</a:t>
-            </a:r>
-            <a:r>
-              <a:rPr lang="en-US" dirty="0" err="1"/>
-              <a:t>broker_id-part_id</a:t>
-            </a:r>
-            <a:r>
-              <a:rPr lang="en-US" dirty="0"/>
-              <a:t>],</a:t>
-            </a:r>
-            <a:r>
-              <a:rPr lang="en-US" dirty="0" err="1"/>
-              <a:t>该节点的值就是对应的</a:t>
-            </a:r>
-            <a:r>
-              <a:rPr lang="en-US" dirty="0" err="1" smtClean="0"/>
-              <a:t>offset</a:t>
-            </a:r>
-            <a:endParaRPr lang="en-US" dirty="0"/>
-          </a:p>
-        </p:txBody>
-      </p:sp>
-    </p:spTree>
-    <p:extLst>
-      <p:ext uri="{BB962C8B-B14F-4D97-AF65-F5344CB8AC3E}">
-        <p14:creationId xmlns:p14="http://schemas.microsoft.com/office/powerpoint/2010/main" val="894382703"/>
       </p:ext>
     </p:extLst>
   </p:cSld>
